--- a/Presentation.pptx
+++ b/Presentation.pptx
@@ -118,7 +118,7 @@
   </p:defaultTextStyle>
   <p:extLst>
     <p:ext uri="{EFAFB233-063F-42B5-8137-9DF3F51BA10A}">
-      <p15:sldGuideLst xmlns="" xmlns:p15="http://schemas.microsoft.com/office/powerpoint/2012/main">
+      <p15:sldGuideLst xmlns:p15="http://schemas.microsoft.com/office/powerpoint/2012/main" xmlns="">
         <p15:guide id="1" orient="horz" pos="2160">
           <p15:clr>
             <a:srgbClr val="A4A3A4"/>
@@ -15190,6 +15190,9 @@
           </a:bodyPr>
           <a:lstStyle/>
           <a:p>
+            <a:endParaRPr lang="nl-NL" dirty="0" smtClean="0"/>
+          </a:p>
+          <a:p>
             <a:endParaRPr lang="nl-NL" dirty="0"/>
           </a:p>
           <a:p>
@@ -15208,17 +15211,6 @@
             <a:br>
               <a:rPr lang="en-US" dirty="0" smtClean="0"/>
             </a:br>
-            <a:endParaRPr lang="en-US" dirty="0" smtClean="0"/>
-          </a:p>
-          <a:p>
-            <a:r>
-              <a:rPr lang="en-US" dirty="0" smtClean="0"/>
-              <a:t>Are </a:t>
-            </a:r>
-            <a:r>
-              <a:rPr lang="en-US" dirty="0"/>
-              <a:t>there any language-based differences to be found? </a:t>
-            </a:r>
             <a:endParaRPr lang="nl-NL" dirty="0"/>
           </a:p>
         </p:txBody>
@@ -15277,7 +15269,7 @@
           <a:p>
             <a:r>
               <a:rPr lang="nl-NL" dirty="0" smtClean="0"/>
-              <a:t>Background?</a:t>
+              <a:t>Background</a:t>
             </a:r>
             <a:endParaRPr lang="nl-NL" dirty="0"/>
           </a:p>
@@ -15285,7 +15277,7 @@
       </p:sp>
       <p:sp>
         <p:nvSpPr>
-          <p:cNvPr id="3" name="Tijdelijke aanduiding voor inhoud 2"/>
+          <p:cNvPr id="4" name="Tijdelijke aanduiding voor inhoud 2"/>
           <p:cNvSpPr>
             <a:spLocks noGrp="1"/>
           </p:cNvSpPr>
@@ -15293,15 +15285,23 @@
             <p:ph idx="1"/>
           </p:nvPr>
         </p:nvSpPr>
-        <p:spPr/>
+        <p:spPr>
+          <a:xfrm>
+            <a:off x="1043492" y="2323652"/>
+            <a:ext cx="6777317" cy="3508977"/>
+          </a:xfrm>
+        </p:spPr>
         <p:txBody>
-          <a:bodyPr/>
+          <a:bodyPr>
+            <a:normAutofit/>
+          </a:bodyPr>
           <a:lstStyle/>
           <a:p>
-            <a:pPr marL="68580" indent="0">
-              <a:buNone/>
-            </a:pPr>
-            <a:endParaRPr lang="nl-NL" dirty="0"/>
+            <a:r>
+              <a:rPr lang="nl-NL" dirty="0" smtClean="0"/>
+              <a:t>[NOG TOEVOEGEN]</a:t>
+            </a:r>
+            <a:endParaRPr lang="nl-NL" dirty="0" smtClean="0"/>
           </a:p>
         </p:txBody>
       </p:sp>
@@ -15430,7 +15430,6 @@
               <a:rPr lang="nl-NL" dirty="0" smtClean="0"/>
               <a:t>)</a:t>
             </a:r>
-            <a:endParaRPr lang="nl-NL" dirty="0" smtClean="0"/>
           </a:p>
         </p:txBody>
       </p:sp>
@@ -15650,7 +15649,7 @@
           <p:cNvPr id="2" name="Titel 1">
             <a:extLst>
               <a:ext uri="{FF2B5EF4-FFF2-40B4-BE49-F238E27FC236}">
-                <a16:creationId xmlns="" xmlns:a16="http://schemas.microsoft.com/office/drawing/2014/main" id="{3BD06130-7454-483B-82E8-3B325B7F5FA6}"/>
+                <a16:creationId xmlns:a16="http://schemas.microsoft.com/office/drawing/2014/main" xmlns="" id="{3BD06130-7454-483B-82E8-3B325B7F5FA6}"/>
               </a:ext>
             </a:extLst>
           </p:cNvPr>
@@ -15679,7 +15678,7 @@
           <p:cNvPr id="3" name="Tijdelijke aanduiding voor inhoud 2">
             <a:extLst>
               <a:ext uri="{FF2B5EF4-FFF2-40B4-BE49-F238E27FC236}">
-                <a16:creationId xmlns="" xmlns:a16="http://schemas.microsoft.com/office/drawing/2014/main" id="{16182D30-848C-4CA3-810D-C0E20F0E9986}"/>
+                <a16:creationId xmlns:a16="http://schemas.microsoft.com/office/drawing/2014/main" xmlns="" id="{16182D30-848C-4CA3-810D-C0E20F0E9986}"/>
               </a:ext>
             </a:extLst>
           </p:cNvPr>
@@ -15803,7 +15802,7 @@
           <p:cNvPr id="2" name="Titel 1">
             <a:extLst>
               <a:ext uri="{FF2B5EF4-FFF2-40B4-BE49-F238E27FC236}">
-                <a16:creationId xmlns="" xmlns:a16="http://schemas.microsoft.com/office/drawing/2014/main" id="{3BD06130-7454-483B-82E8-3B325B7F5FA6}"/>
+                <a16:creationId xmlns:a16="http://schemas.microsoft.com/office/drawing/2014/main" xmlns="" id="{3BD06130-7454-483B-82E8-3B325B7F5FA6}"/>
               </a:ext>
             </a:extLst>
           </p:cNvPr>
@@ -15832,7 +15831,7 @@
           <p:cNvPr id="3" name="Tijdelijke aanduiding voor inhoud 2">
             <a:extLst>
               <a:ext uri="{FF2B5EF4-FFF2-40B4-BE49-F238E27FC236}">
-                <a16:creationId xmlns="" xmlns:a16="http://schemas.microsoft.com/office/drawing/2014/main" id="{16182D30-848C-4CA3-810D-C0E20F0E9986}"/>
+                <a16:creationId xmlns:a16="http://schemas.microsoft.com/office/drawing/2014/main" xmlns="" id="{16182D30-848C-4CA3-810D-C0E20F0E9986}"/>
               </a:ext>
             </a:extLst>
           </p:cNvPr>
@@ -15888,22 +15887,26 @@
           </a:p>
           <a:p>
             <a:r>
+              <a:rPr lang="nl-NL" dirty="0" smtClean="0"/>
+              <a:t>k-</a:t>
+            </a:r>
+            <a:r>
               <a:rPr lang="nl-NL" dirty="0" err="1" smtClean="0"/>
-              <a:t>Stereotypical</a:t>
+              <a:t>Fold</a:t>
             </a:r>
             <a:r>
               <a:rPr lang="nl-NL" dirty="0" smtClean="0"/>
-              <a:t> </a:t>
+              <a:t> cross </a:t>
             </a:r>
             <a:r>
-              <a:rPr lang="nl-NL" dirty="0" err="1"/>
-              <a:t>linguistic</a:t>
+              <a:rPr lang="nl-NL" dirty="0" err="1" smtClean="0"/>
+              <a:t>validation</a:t>
             </a:r>
             <a:r>
-              <a:rPr lang="nl-NL" dirty="0"/>
-              <a:t> features</a:t>
+              <a:rPr lang="nl-NL" dirty="0" smtClean="0"/>
+              <a:t> (k=5)</a:t>
             </a:r>
-            <a:endParaRPr lang="nl-NL" dirty="0"/>
+            <a:endParaRPr lang="nl-NL" dirty="0" smtClean="0"/>
           </a:p>
         </p:txBody>
       </p:sp>
@@ -16061,7 +16064,7 @@
           <p:cNvPr id="2" name="Titel 1">
             <a:extLst>
               <a:ext uri="{FF2B5EF4-FFF2-40B4-BE49-F238E27FC236}">
-                <a16:creationId xmlns="" xmlns:a16="http://schemas.microsoft.com/office/drawing/2014/main" id="{3BD06130-7454-483B-82E8-3B325B7F5FA6}"/>
+                <a16:creationId xmlns:a16="http://schemas.microsoft.com/office/drawing/2014/main" xmlns="" id="{3BD06130-7454-483B-82E8-3B325B7F5FA6}"/>
               </a:ext>
             </a:extLst>
           </p:cNvPr>
@@ -16090,7 +16093,7 @@
           <p:cNvPr id="3" name="Tijdelijke aanduiding voor inhoud 2">
             <a:extLst>
               <a:ext uri="{FF2B5EF4-FFF2-40B4-BE49-F238E27FC236}">
-                <a16:creationId xmlns="" xmlns:a16="http://schemas.microsoft.com/office/drawing/2014/main" id="{16182D30-848C-4CA3-810D-C0E20F0E9986}"/>
+                <a16:creationId xmlns:a16="http://schemas.microsoft.com/office/drawing/2014/main" xmlns="" id="{16182D30-848C-4CA3-810D-C0E20F0E9986}"/>
               </a:ext>
             </a:extLst>
           </p:cNvPr>
@@ -16108,6 +16111,10 @@
           </a:bodyPr>
           <a:lstStyle/>
           <a:p>
+            <a:r>
+              <a:rPr lang="nl-NL" dirty="0" smtClean="0"/>
+              <a:t>[NOG TOEVOEGEN]</a:t>
+            </a:r>
             <a:endParaRPr lang="nl-NL" dirty="0"/>
           </a:p>
         </p:txBody>

--- a/Presentation.pptx
+++ b/Presentation.pptx
@@ -5,7 +5,7 @@
     <p:sldMasterId id="2147483660" r:id="rId1"/>
   </p:sldMasterIdLst>
   <p:notesMasterIdLst>
-    <p:notesMasterId r:id="rId12"/>
+    <p:notesMasterId r:id="rId13"/>
   </p:notesMasterIdLst>
   <p:sldIdLst>
     <p:sldId id="256" r:id="rId2"/>
@@ -16,8 +16,9 @@
     <p:sldId id="263" r:id="rId7"/>
     <p:sldId id="267" r:id="rId8"/>
     <p:sldId id="266" r:id="rId9"/>
-    <p:sldId id="268" r:id="rId10"/>
-    <p:sldId id="262" r:id="rId11"/>
+    <p:sldId id="269" r:id="rId10"/>
+    <p:sldId id="268" r:id="rId11"/>
+    <p:sldId id="262" r:id="rId12"/>
   </p:sldIdLst>
   <p:sldSz cx="9144000" cy="6858000" type="screen4x3"/>
   <p:notesSz cx="6858000" cy="9144000"/>
@@ -118,7 +119,7 @@
   </p:defaultTextStyle>
   <p:extLst>
     <p:ext uri="{EFAFB233-063F-42B5-8137-9DF3F51BA10A}">
-      <p15:sldGuideLst xmlns:p15="http://schemas.microsoft.com/office/powerpoint/2012/main" xmlns="">
+      <p15:sldGuideLst xmlns="" xmlns:p15="http://schemas.microsoft.com/office/powerpoint/2012/main">
         <p15:guide id="1" orient="horz" pos="2160">
           <p15:clr>
             <a:srgbClr val="A4A3A4"/>
@@ -221,7 +222,7 @@
           <a:p>
             <a:fld id="{8599BC8E-F377-426A-B46F-1E5B509E46A3}" type="datetimeFigureOut">
               <a:rPr lang="nl-NL" smtClean="0"/>
-              <a:t>30-1-2018</a:t>
+              <a:t>31-1-2018</a:t>
             </a:fld>
             <a:endParaRPr lang="nl-NL"/>
           </a:p>
@@ -646,6 +647,90 @@
     </p:spTree>
     <p:extLst>
       <p:ext uri="{BB962C8B-B14F-4D97-AF65-F5344CB8AC3E}">
+        <p14:creationId xmlns:p14="http://schemas.microsoft.com/office/powerpoint/2010/main" val="3169262235"/>
+      </p:ext>
+    </p:extLst>
+  </p:cSld>
+  <p:clrMapOvr>
+    <a:masterClrMapping/>
+  </p:clrMapOvr>
+</p:notes>
+</file>
+
+<file path=ppt/notesSlides/notesSlide11.xml><?xml version="1.0" encoding="utf-8"?>
+<p:notes xmlns:a="http://schemas.openxmlformats.org/drawingml/2006/main" xmlns:r="http://schemas.openxmlformats.org/officeDocument/2006/relationships" xmlns:p="http://schemas.openxmlformats.org/presentationml/2006/main">
+  <p:cSld>
+    <p:spTree>
+      <p:nvGrpSpPr>
+        <p:cNvPr id="1" name=""/>
+        <p:cNvGrpSpPr/>
+        <p:nvPr/>
+      </p:nvGrpSpPr>
+      <p:grpSpPr>
+        <a:xfrm>
+          <a:off x="0" y="0"/>
+          <a:ext cx="0" cy="0"/>
+          <a:chOff x="0" y="0"/>
+          <a:chExt cx="0" cy="0"/>
+        </a:xfrm>
+      </p:grpSpPr>
+      <p:sp>
+        <p:nvSpPr>
+          <p:cNvPr id="2" name="Tijdelijke aanduiding voor dia-afbeelding 1"/>
+          <p:cNvSpPr>
+            <a:spLocks noGrp="1" noRot="1" noChangeAspect="1"/>
+          </p:cNvSpPr>
+          <p:nvPr>
+            <p:ph type="sldImg"/>
+          </p:nvPr>
+        </p:nvSpPr>
+        <p:spPr/>
+      </p:sp>
+      <p:sp>
+        <p:nvSpPr>
+          <p:cNvPr id="3" name="Tijdelijke aanduiding voor notities 2"/>
+          <p:cNvSpPr>
+            <a:spLocks noGrp="1"/>
+          </p:cNvSpPr>
+          <p:nvPr>
+            <p:ph type="body" idx="1"/>
+          </p:nvPr>
+        </p:nvSpPr>
+        <p:spPr/>
+        <p:txBody>
+          <a:bodyPr/>
+          <a:lstStyle/>
+          <a:p>
+            <a:endParaRPr lang="nl-NL" dirty="0"/>
+          </a:p>
+        </p:txBody>
+      </p:sp>
+      <p:sp>
+        <p:nvSpPr>
+          <p:cNvPr id="4" name="Tijdelijke aanduiding voor dianummer 3"/>
+          <p:cNvSpPr>
+            <a:spLocks noGrp="1"/>
+          </p:cNvSpPr>
+          <p:nvPr>
+            <p:ph type="sldNum" sz="quarter" idx="10"/>
+          </p:nvPr>
+        </p:nvSpPr>
+        <p:spPr/>
+        <p:txBody>
+          <a:bodyPr/>
+          <a:lstStyle/>
+          <a:p>
+            <a:fld id="{261CDD63-AF9B-4BBE-BAEE-FE96D596103A}" type="slidenum">
+              <a:rPr lang="nl-NL" smtClean="0"/>
+              <a:t>11</a:t>
+            </a:fld>
+            <a:endParaRPr lang="nl-NL"/>
+          </a:p>
+        </p:txBody>
+      </p:sp>
+    </p:spTree>
+    <p:extLst>
+      <p:ext uri="{BB962C8B-B14F-4D97-AF65-F5344CB8AC3E}">
         <p14:creationId xmlns:p14="http://schemas.microsoft.com/office/powerpoint/2010/main" val="3303802016"/>
       </p:ext>
     </p:extLst>
@@ -1343,7 +1428,7 @@
     </p:spTree>
     <p:extLst>
       <p:ext uri="{BB962C8B-B14F-4D97-AF65-F5344CB8AC3E}">
-        <p14:creationId xmlns:p14="http://schemas.microsoft.com/office/powerpoint/2010/main" val="3169262235"/>
+        <p14:creationId xmlns:p14="http://schemas.microsoft.com/office/powerpoint/2010/main" val="741890155"/>
       </p:ext>
     </p:extLst>
   </p:cSld>
@@ -4110,7 +4195,7 @@
           <a:p>
             <a:fld id="{81FD47C2-45BF-4AB2-9AA2-ACBAC9615B32}" type="datetimeFigureOut">
               <a:rPr lang="nl-NL" smtClean="0"/>
-              <a:t>30-1-2018</a:t>
+              <a:t>31-1-2018</a:t>
             </a:fld>
             <a:endParaRPr lang="nl-NL"/>
           </a:p>
@@ -4395,7 +4480,7 @@
           <a:p>
             <a:fld id="{81FD47C2-45BF-4AB2-9AA2-ACBAC9615B32}" type="datetimeFigureOut">
               <a:rPr lang="nl-NL" smtClean="0"/>
-              <a:t>30-1-2018</a:t>
+              <a:t>31-1-2018</a:t>
             </a:fld>
             <a:endParaRPr lang="nl-NL"/>
           </a:p>
@@ -4570,7 +4655,7 @@
           <a:p>
             <a:fld id="{81FD47C2-45BF-4AB2-9AA2-ACBAC9615B32}" type="datetimeFigureOut">
               <a:rPr lang="nl-NL" smtClean="0"/>
-              <a:t>30-1-2018</a:t>
+              <a:t>31-1-2018</a:t>
             </a:fld>
             <a:endParaRPr lang="nl-NL"/>
           </a:p>
@@ -4735,7 +4820,7 @@
           <a:p>
             <a:fld id="{81FD47C2-45BF-4AB2-9AA2-ACBAC9615B32}" type="datetimeFigureOut">
               <a:rPr lang="nl-NL" smtClean="0"/>
-              <a:t>30-1-2018</a:t>
+              <a:t>31-1-2018</a:t>
             </a:fld>
             <a:endParaRPr lang="nl-NL"/>
           </a:p>
@@ -4976,7 +5061,7 @@
           <a:p>
             <a:fld id="{81FD47C2-45BF-4AB2-9AA2-ACBAC9615B32}" type="datetimeFigureOut">
               <a:rPr lang="nl-NL" smtClean="0"/>
-              <a:t>30-1-2018</a:t>
+              <a:t>31-1-2018</a:t>
             </a:fld>
             <a:endParaRPr lang="nl-NL"/>
           </a:p>
@@ -5089,7 +5174,7 @@
           <a:p>
             <a:fld id="{81FD47C2-45BF-4AB2-9AA2-ACBAC9615B32}" type="datetimeFigureOut">
               <a:rPr lang="nl-NL" smtClean="0"/>
-              <a:t>30-1-2018</a:t>
+              <a:t>31-1-2018</a:t>
             </a:fld>
             <a:endParaRPr lang="nl-NL"/>
           </a:p>
@@ -5628,7 +5713,7 @@
           <a:p>
             <a:fld id="{81FD47C2-45BF-4AB2-9AA2-ACBAC9615B32}" type="datetimeFigureOut">
               <a:rPr lang="nl-NL" smtClean="0"/>
-              <a:t>30-1-2018</a:t>
+              <a:t>31-1-2018</a:t>
             </a:fld>
             <a:endParaRPr lang="nl-NL"/>
           </a:p>
@@ -5741,7 +5826,7 @@
           <a:p>
             <a:fld id="{81FD47C2-45BF-4AB2-9AA2-ACBAC9615B32}" type="datetimeFigureOut">
               <a:rPr lang="nl-NL" smtClean="0"/>
-              <a:t>30-1-2018</a:t>
+              <a:t>31-1-2018</a:t>
             </a:fld>
             <a:endParaRPr lang="nl-NL"/>
           </a:p>
@@ -5831,7 +5916,7 @@
           <a:p>
             <a:fld id="{81FD47C2-45BF-4AB2-9AA2-ACBAC9615B32}" type="datetimeFigureOut">
               <a:rPr lang="nl-NL" smtClean="0"/>
-              <a:t>30-1-2018</a:t>
+              <a:t>31-1-2018</a:t>
             </a:fld>
             <a:endParaRPr lang="nl-NL"/>
           </a:p>
@@ -8482,7 +8567,7 @@
           <a:p>
             <a:fld id="{81FD47C2-45BF-4AB2-9AA2-ACBAC9615B32}" type="datetimeFigureOut">
               <a:rPr lang="nl-NL" smtClean="0"/>
-              <a:t>30-1-2018</a:t>
+              <a:t>31-1-2018</a:t>
             </a:fld>
             <a:endParaRPr lang="nl-NL"/>
           </a:p>
@@ -11694,7 +11779,7 @@
           <a:p>
             <a:fld id="{81FD47C2-45BF-4AB2-9AA2-ACBAC9615B32}" type="datetimeFigureOut">
               <a:rPr lang="nl-NL" smtClean="0"/>
-              <a:t>30-1-2018</a:t>
+              <a:t>31-1-2018</a:t>
             </a:fld>
             <a:endParaRPr lang="nl-NL"/>
           </a:p>
@@ -14516,7 +14601,7 @@
           <a:p>
             <a:fld id="{81FD47C2-45BF-4AB2-9AA2-ACBAC9615B32}" type="datetimeFigureOut">
               <a:rPr lang="nl-NL" smtClean="0"/>
-              <a:t>30-1-2018</a:t>
+              <a:t>31-1-2018</a:t>
             </a:fld>
             <a:endParaRPr lang="nl-NL"/>
           </a:p>
@@ -15083,6 +15168,206 @@
       </p:grpSpPr>
       <p:sp>
         <p:nvSpPr>
+          <p:cNvPr id="2" name="Titel 1">
+            <a:extLst>
+              <a:ext uri="{FF2B5EF4-FFF2-40B4-BE49-F238E27FC236}">
+                <a16:creationId xmlns="" xmlns:a16="http://schemas.microsoft.com/office/drawing/2014/main" id="{3BD06130-7454-483B-82E8-3B325B7F5FA6}"/>
+              </a:ext>
+            </a:extLst>
+          </p:cNvPr>
+          <p:cNvSpPr>
+            <a:spLocks noGrp="1"/>
+          </p:cNvSpPr>
+          <p:nvPr>
+            <p:ph type="title"/>
+          </p:nvPr>
+        </p:nvSpPr>
+        <p:spPr/>
+        <p:txBody>
+          <a:bodyPr/>
+          <a:lstStyle/>
+          <a:p>
+            <a:r>
+              <a:rPr lang="nl-NL" dirty="0" err="1" smtClean="0"/>
+              <a:t>Conclusion</a:t>
+            </a:r>
+            <a:endParaRPr lang="nl-NL" dirty="0"/>
+          </a:p>
+        </p:txBody>
+      </p:sp>
+      <p:sp>
+        <p:nvSpPr>
+          <p:cNvPr id="3" name="Tijdelijke aanduiding voor inhoud 2">
+            <a:extLst>
+              <a:ext uri="{FF2B5EF4-FFF2-40B4-BE49-F238E27FC236}">
+                <a16:creationId xmlns="" xmlns:a16="http://schemas.microsoft.com/office/drawing/2014/main" id="{16182D30-848C-4CA3-810D-C0E20F0E9986}"/>
+              </a:ext>
+            </a:extLst>
+          </p:cNvPr>
+          <p:cNvSpPr>
+            <a:spLocks noGrp="1"/>
+          </p:cNvSpPr>
+          <p:nvPr>
+            <p:ph idx="1"/>
+          </p:nvPr>
+        </p:nvSpPr>
+        <p:spPr>
+          <a:xfrm>
+            <a:off x="1043492" y="2323652"/>
+            <a:ext cx="6984892" cy="3841652"/>
+          </a:xfrm>
+        </p:spPr>
+        <p:txBody>
+          <a:bodyPr>
+            <a:noAutofit/>
+          </a:bodyPr>
+          <a:lstStyle/>
+          <a:p>
+            <a:r>
+              <a:rPr lang="nl-NL" sz="2200" dirty="0" smtClean="0"/>
+              <a:t>[NOG TOEVOEGEN</a:t>
+            </a:r>
+            <a:r>
+              <a:rPr lang="nl-NL" sz="2200" dirty="0" smtClean="0"/>
+              <a:t>]</a:t>
+            </a:r>
+          </a:p>
+          <a:p>
+            <a:endParaRPr lang="nl-NL" sz="2200" dirty="0"/>
+          </a:p>
+          <a:p>
+            <a:endParaRPr lang="nl-NL" sz="2200" dirty="0" smtClean="0"/>
+          </a:p>
+          <a:p>
+            <a:endParaRPr lang="nl-NL" sz="2200" dirty="0"/>
+          </a:p>
+          <a:p>
+            <a:endParaRPr lang="nl-NL" sz="2200" dirty="0" smtClean="0"/>
+          </a:p>
+          <a:p>
+            <a:endParaRPr lang="nl-NL" sz="2200" dirty="0" smtClean="0"/>
+          </a:p>
+          <a:p>
+            <a:endParaRPr lang="nl-NL" sz="2200" dirty="0"/>
+          </a:p>
+          <a:p>
+            <a:r>
+              <a:rPr lang="nl-NL" sz="2200" dirty="0" err="1" smtClean="0"/>
+              <a:t>Future</a:t>
+            </a:r>
+            <a:r>
+              <a:rPr lang="nl-NL" sz="2200" dirty="0" smtClean="0"/>
+              <a:t> </a:t>
+            </a:r>
+            <a:r>
+              <a:rPr lang="nl-NL" sz="2200" dirty="0" err="1" smtClean="0"/>
+              <a:t>work</a:t>
+            </a:r>
+            <a:r>
+              <a:rPr lang="nl-NL" sz="2200" dirty="0" smtClean="0"/>
+              <a:t>: 	</a:t>
+            </a:r>
+            <a:r>
+              <a:rPr lang="nl-NL" sz="2200" dirty="0" err="1" smtClean="0"/>
+              <a:t>O</a:t>
+            </a:r>
+            <a:r>
+              <a:rPr lang="nl-NL" sz="2200" dirty="0" err="1" smtClean="0"/>
+              <a:t>ptimization</a:t>
+            </a:r>
+            <a:r>
+              <a:rPr lang="nl-NL" sz="2200" dirty="0" smtClean="0"/>
+              <a:t> per </a:t>
+            </a:r>
+            <a:r>
+              <a:rPr lang="nl-NL" sz="2200" dirty="0" err="1" smtClean="0"/>
+              <a:t>language</a:t>
+            </a:r>
+            <a:r>
+              <a:rPr lang="nl-NL" sz="2200" dirty="0" smtClean="0"/>
+              <a:t/>
+            </a:r>
+            <a:br>
+              <a:rPr lang="nl-NL" sz="2200" dirty="0" smtClean="0"/>
+            </a:br>
+            <a:r>
+              <a:rPr lang="nl-NL" sz="2200" dirty="0" smtClean="0"/>
+              <a:t>		    	Advanced </a:t>
+            </a:r>
+            <a:r>
+              <a:rPr lang="nl-NL" sz="2200" dirty="0" err="1" smtClean="0"/>
+              <a:t>neural</a:t>
+            </a:r>
+            <a:r>
+              <a:rPr lang="nl-NL" sz="2200" dirty="0" smtClean="0"/>
+              <a:t> </a:t>
+            </a:r>
+            <a:r>
+              <a:rPr lang="nl-NL" sz="2200" dirty="0" err="1" smtClean="0"/>
+              <a:t>networks</a:t>
+            </a:r>
+            <a:r>
+              <a:rPr lang="nl-NL" sz="2200" dirty="0"/>
+              <a:t/>
+            </a:r>
+            <a:br>
+              <a:rPr lang="nl-NL" sz="2200" dirty="0"/>
+            </a:br>
+            <a:r>
+              <a:rPr lang="nl-NL" sz="2200" dirty="0" smtClean="0"/>
+              <a:t>			</a:t>
+            </a:r>
+            <a:r>
+              <a:rPr lang="nl-NL" sz="2200" dirty="0" err="1" smtClean="0"/>
+              <a:t>Testing</a:t>
+            </a:r>
+            <a:r>
+              <a:rPr lang="nl-NL" sz="2200" dirty="0" smtClean="0"/>
+              <a:t> on different genres</a:t>
+            </a:r>
+            <a:endParaRPr lang="nl-NL" sz="2200" dirty="0" smtClean="0"/>
+          </a:p>
+        </p:txBody>
+      </p:sp>
+    </p:spTree>
+    <p:extLst>
+      <p:ext uri="{BB962C8B-B14F-4D97-AF65-F5344CB8AC3E}">
+        <p14:creationId xmlns:p14="http://schemas.microsoft.com/office/powerpoint/2010/main" val="2058341787"/>
+      </p:ext>
+    </p:extLst>
+  </p:cSld>
+  <p:clrMapOvr>
+    <a:masterClrMapping/>
+  </p:clrMapOvr>
+  <p:timing>
+    <p:tnLst>
+      <p:par>
+        <p:cTn id="1" dur="indefinite" restart="never" nodeType="tmRoot"/>
+      </p:par>
+    </p:tnLst>
+  </p:timing>
+</p:sld>
+</file>
+
+<file path=ppt/slides/slide11.xml><?xml version="1.0" encoding="utf-8"?>
+<p:sld xmlns:a="http://schemas.openxmlformats.org/drawingml/2006/main" xmlns:r="http://schemas.openxmlformats.org/officeDocument/2006/relationships" xmlns:p="http://schemas.openxmlformats.org/presentationml/2006/main">
+  <p:cSld>
+    <p:spTree>
+      <p:nvGrpSpPr>
+        <p:cNvPr id="1" name=""/>
+        <p:cNvGrpSpPr/>
+        <p:nvPr/>
+      </p:nvGrpSpPr>
+      <p:grpSpPr>
+        <a:xfrm>
+          <a:off x="0" y="0"/>
+          <a:ext cx="0" cy="0"/>
+          <a:chOff x="0" y="0"/>
+          <a:chExt cx="0" cy="0"/>
+        </a:xfrm>
+      </p:grpSpPr>
+      <p:sp>
+        <p:nvSpPr>
           <p:cNvPr id="2" name="Titel 1"/>
           <p:cNvSpPr>
             <a:spLocks noGrp="1"/>
@@ -15301,7 +15586,6 @@
               <a:rPr lang="nl-NL" dirty="0" smtClean="0"/>
               <a:t>[NOG TOEVOEGEN]</a:t>
             </a:r>
-            <a:endParaRPr lang="nl-NL" dirty="0" smtClean="0"/>
           </a:p>
         </p:txBody>
       </p:sp>
@@ -15649,7 +15933,7 @@
           <p:cNvPr id="2" name="Titel 1">
             <a:extLst>
               <a:ext uri="{FF2B5EF4-FFF2-40B4-BE49-F238E27FC236}">
-                <a16:creationId xmlns:a16="http://schemas.microsoft.com/office/drawing/2014/main" xmlns="" id="{3BD06130-7454-483B-82E8-3B325B7F5FA6}"/>
+                <a16:creationId xmlns="" xmlns:a16="http://schemas.microsoft.com/office/drawing/2014/main" id="{3BD06130-7454-483B-82E8-3B325B7F5FA6}"/>
               </a:ext>
             </a:extLst>
           </p:cNvPr>
@@ -15678,7 +15962,7 @@
           <p:cNvPr id="3" name="Tijdelijke aanduiding voor inhoud 2">
             <a:extLst>
               <a:ext uri="{FF2B5EF4-FFF2-40B4-BE49-F238E27FC236}">
-                <a16:creationId xmlns:a16="http://schemas.microsoft.com/office/drawing/2014/main" xmlns="" id="{16182D30-848C-4CA3-810D-C0E20F0E9986}"/>
+                <a16:creationId xmlns="" xmlns:a16="http://schemas.microsoft.com/office/drawing/2014/main" id="{16182D30-848C-4CA3-810D-C0E20F0E9986}"/>
               </a:ext>
             </a:extLst>
           </p:cNvPr>
@@ -15748,9 +16032,10 @@
           </a:p>
           <a:p>
             <a:r>
-              <a:rPr lang="en-US" dirty="0" smtClean="0"/>
-              <a:t>linear kernel</a:t>
-            </a:r>
+              <a:rPr lang="en-US" dirty="0" err="1" smtClean="0"/>
+              <a:t>linearSVC</a:t>
+            </a:r>
+            <a:endParaRPr lang="en-US" dirty="0" smtClean="0"/>
           </a:p>
           <a:p>
             <a:endParaRPr lang="en-US" dirty="0"/>
@@ -15802,7 +16087,7 @@
           <p:cNvPr id="2" name="Titel 1">
             <a:extLst>
               <a:ext uri="{FF2B5EF4-FFF2-40B4-BE49-F238E27FC236}">
-                <a16:creationId xmlns:a16="http://schemas.microsoft.com/office/drawing/2014/main" xmlns="" id="{3BD06130-7454-483B-82E8-3B325B7F5FA6}"/>
+                <a16:creationId xmlns="" xmlns:a16="http://schemas.microsoft.com/office/drawing/2014/main" id="{3BD06130-7454-483B-82E8-3B325B7F5FA6}"/>
               </a:ext>
             </a:extLst>
           </p:cNvPr>
@@ -15831,7 +16116,7 @@
           <p:cNvPr id="3" name="Tijdelijke aanduiding voor inhoud 2">
             <a:extLst>
               <a:ext uri="{FF2B5EF4-FFF2-40B4-BE49-F238E27FC236}">
-                <a16:creationId xmlns:a16="http://schemas.microsoft.com/office/drawing/2014/main" xmlns="" id="{16182D30-848C-4CA3-810D-C0E20F0E9986}"/>
+                <a16:creationId xmlns="" xmlns:a16="http://schemas.microsoft.com/office/drawing/2014/main" id="{16182D30-848C-4CA3-810D-C0E20F0E9986}"/>
               </a:ext>
             </a:extLst>
           </p:cNvPr>
@@ -15842,7 +16127,12 @@
             <p:ph idx="1"/>
           </p:nvPr>
         </p:nvSpPr>
-        <p:spPr/>
+        <p:spPr>
+          <a:xfrm>
+            <a:off x="1043493" y="2323652"/>
+            <a:ext cx="4464612" cy="3508977"/>
+          </a:xfrm>
+        </p:spPr>
         <p:txBody>
           <a:bodyPr>
             <a:normAutofit/>
@@ -15850,63 +16140,416 @@
           <a:lstStyle/>
           <a:p>
             <a:r>
-              <a:rPr lang="en-US" dirty="0" err="1" smtClean="0"/>
+              <a:rPr lang="en-US" sz="2000" dirty="0" err="1" smtClean="0"/>
               <a:t>TweetTokenizer</a:t>
             </a:r>
-            <a:endParaRPr lang="en-US" dirty="0"/>
-          </a:p>
-          <a:p>
-            <a:r>
-              <a:rPr lang="nl-NL" dirty="0" err="1" smtClean="0"/>
+            <a:endParaRPr lang="en-US" sz="2000" dirty="0"/>
+          </a:p>
+          <a:p>
+            <a:r>
+              <a:rPr lang="nl-NL" sz="2000" dirty="0" err="1" smtClean="0"/>
               <a:t>Lemmatizing</a:t>
             </a:r>
             <a:r>
-              <a:rPr lang="nl-NL" dirty="0" smtClean="0"/>
+              <a:rPr lang="nl-NL" sz="2000" dirty="0" smtClean="0"/>
               <a:t> &amp; Stemming</a:t>
             </a:r>
           </a:p>
           <a:p>
             <a:r>
-              <a:rPr lang="nl-NL" dirty="0" err="1" smtClean="0"/>
+              <a:rPr lang="nl-NL" sz="2000" dirty="0" err="1" smtClean="0"/>
               <a:t>Max_features</a:t>
             </a:r>
             <a:r>
-              <a:rPr lang="nl-NL" dirty="0" smtClean="0"/>
+              <a:rPr lang="nl-NL" sz="2000" dirty="0" smtClean="0"/>
               <a:t> = 400000</a:t>
             </a:r>
           </a:p>
           <a:p>
             <a:r>
-              <a:rPr lang="nl-NL" dirty="0" err="1" smtClean="0"/>
+              <a:rPr lang="nl-NL" sz="2000" dirty="0" err="1" smtClean="0"/>
               <a:t>Stopwords</a:t>
             </a:r>
-            <a:endParaRPr lang="nl-NL" dirty="0" smtClean="0"/>
-          </a:p>
-          <a:p>
-            <a:endParaRPr lang="nl-NL" dirty="0"/>
-          </a:p>
-          <a:p>
-            <a:r>
-              <a:rPr lang="nl-NL" dirty="0" smtClean="0"/>
+            <a:endParaRPr lang="nl-NL" sz="2000" dirty="0" smtClean="0"/>
+          </a:p>
+          <a:p>
+            <a:endParaRPr lang="nl-NL" sz="2000" dirty="0"/>
+          </a:p>
+          <a:p>
+            <a:r>
+              <a:rPr lang="nl-NL" sz="2000" dirty="0" smtClean="0"/>
               <a:t>k-</a:t>
             </a:r>
             <a:r>
-              <a:rPr lang="nl-NL" dirty="0" err="1" smtClean="0"/>
+              <a:rPr lang="nl-NL" sz="2000" dirty="0" err="1" smtClean="0"/>
               <a:t>Fold</a:t>
             </a:r>
             <a:r>
-              <a:rPr lang="nl-NL" dirty="0" smtClean="0"/>
+              <a:rPr lang="nl-NL" sz="2000" dirty="0" smtClean="0"/>
               <a:t> cross </a:t>
             </a:r>
             <a:r>
-              <a:rPr lang="nl-NL" dirty="0" err="1" smtClean="0"/>
+              <a:rPr lang="nl-NL" sz="2000" dirty="0" err="1" smtClean="0"/>
               <a:t>validation</a:t>
             </a:r>
             <a:r>
-              <a:rPr lang="nl-NL" dirty="0" smtClean="0"/>
+              <a:rPr lang="nl-NL" sz="2000" dirty="0" smtClean="0"/>
               <a:t> (k=5)</a:t>
             </a:r>
-            <a:endParaRPr lang="nl-NL" dirty="0" smtClean="0"/>
+          </a:p>
+        </p:txBody>
+      </p:sp>
+      <p:sp>
+        <p:nvSpPr>
+          <p:cNvPr id="4" name="Tijdelijke aanduiding voor inhoud 2">
+            <a:extLst>
+              <a:ext uri="{FF2B5EF4-FFF2-40B4-BE49-F238E27FC236}">
+                <a16:creationId xmlns="" xmlns:a16="http://schemas.microsoft.com/office/drawing/2014/main" id="{16182D30-848C-4CA3-810D-C0E20F0E9986}"/>
+              </a:ext>
+            </a:extLst>
+          </p:cNvPr>
+          <p:cNvSpPr txBox="1">
+            <a:spLocks/>
+          </p:cNvSpPr>
+          <p:nvPr/>
+        </p:nvSpPr>
+        <p:spPr>
+          <a:xfrm>
+            <a:off x="5508104" y="1196752"/>
+            <a:ext cx="2592288" cy="5040560"/>
+          </a:xfrm>
+          <a:prstGeom prst="rect">
+            <a:avLst/>
+          </a:prstGeom>
+        </p:spPr>
+        <p:txBody>
+          <a:bodyPr vert="horz" lIns="91440" tIns="45720" rIns="91440" bIns="45720" rtlCol="0">
+            <a:noAutofit/>
+          </a:bodyPr>
+          <a:lstStyle>
+            <a:lvl1pPr marL="342900" indent="-274320" algn="l" defTabSz="914400" rtl="0" eaLnBrk="1" latinLnBrk="0" hangingPunct="1">
+              <a:spcBef>
+                <a:spcPct val="20000"/>
+              </a:spcBef>
+              <a:buClr>
+                <a:schemeClr val="accent1"/>
+              </a:buClr>
+              <a:buSzPct val="76000"/>
+              <a:buFont typeface="Wingdings 2" pitchFamily="18" charset="2"/>
+              <a:buChar char=""/>
+              <a:defRPr sz="2400" kern="1200">
+                <a:solidFill>
+                  <a:schemeClr val="tx2"/>
+                </a:solidFill>
+                <a:latin typeface="+mn-lt"/>
+                <a:ea typeface="+mn-ea"/>
+                <a:cs typeface="+mn-cs"/>
+              </a:defRPr>
+            </a:lvl1pPr>
+            <a:lvl2pPr marL="640080" indent="-274320" algn="l" defTabSz="914400" rtl="0" eaLnBrk="1" latinLnBrk="0" hangingPunct="1">
+              <a:spcBef>
+                <a:spcPct val="20000"/>
+              </a:spcBef>
+              <a:buClr>
+                <a:schemeClr val="accent1"/>
+              </a:buClr>
+              <a:buSzPct val="76000"/>
+              <a:buFont typeface="Wingdings 2" pitchFamily="18" charset="2"/>
+              <a:buChar char=""/>
+              <a:defRPr sz="2200" kern="1200">
+                <a:solidFill>
+                  <a:schemeClr val="tx2"/>
+                </a:solidFill>
+                <a:latin typeface="+mn-lt"/>
+                <a:ea typeface="+mn-ea"/>
+                <a:cs typeface="+mn-cs"/>
+              </a:defRPr>
+            </a:lvl2pPr>
+            <a:lvl3pPr marL="914400" indent="-228600" algn="l" defTabSz="914400" rtl="0" eaLnBrk="1" latinLnBrk="0" hangingPunct="1">
+              <a:spcBef>
+                <a:spcPct val="20000"/>
+              </a:spcBef>
+              <a:buClr>
+                <a:schemeClr val="accent1"/>
+              </a:buClr>
+              <a:buSzPct val="76000"/>
+              <a:buFont typeface="Wingdings 2" pitchFamily="18" charset="2"/>
+              <a:buChar char=""/>
+              <a:defRPr sz="2000" kern="1200">
+                <a:solidFill>
+                  <a:schemeClr val="tx2"/>
+                </a:solidFill>
+                <a:latin typeface="+mn-lt"/>
+                <a:ea typeface="+mn-ea"/>
+                <a:cs typeface="+mn-cs"/>
+              </a:defRPr>
+            </a:lvl3pPr>
+            <a:lvl4pPr marL="1124712" indent="-228600" algn="l" defTabSz="914400" rtl="0" eaLnBrk="1" latinLnBrk="0" hangingPunct="1">
+              <a:spcBef>
+                <a:spcPct val="20000"/>
+              </a:spcBef>
+              <a:buClr>
+                <a:schemeClr val="accent1"/>
+              </a:buClr>
+              <a:buSzPct val="76000"/>
+              <a:buFont typeface="Wingdings 2" pitchFamily="18" charset="2"/>
+              <a:buChar char=""/>
+              <a:defRPr sz="1800" kern="1200">
+                <a:solidFill>
+                  <a:schemeClr val="tx2"/>
+                </a:solidFill>
+                <a:latin typeface="+mn-lt"/>
+                <a:ea typeface="+mn-ea"/>
+                <a:cs typeface="+mn-cs"/>
+              </a:defRPr>
+            </a:lvl4pPr>
+            <a:lvl5pPr marL="1325880" indent="-228600" algn="l" defTabSz="914400" rtl="0" eaLnBrk="1" latinLnBrk="0" hangingPunct="1">
+              <a:spcBef>
+                <a:spcPct val="20000"/>
+              </a:spcBef>
+              <a:buClr>
+                <a:schemeClr val="accent1"/>
+              </a:buClr>
+              <a:buSzPct val="76000"/>
+              <a:buFont typeface="Wingdings 2" pitchFamily="18" charset="2"/>
+              <a:buChar char=""/>
+              <a:defRPr sz="1600" kern="1200" baseline="0">
+                <a:solidFill>
+                  <a:schemeClr val="tx2"/>
+                </a:solidFill>
+                <a:latin typeface="+mn-lt"/>
+                <a:ea typeface="+mn-ea"/>
+                <a:cs typeface="+mn-cs"/>
+              </a:defRPr>
+            </a:lvl5pPr>
+            <a:lvl6pPr marL="1517904" indent="-228600" algn="l" defTabSz="914400" rtl="0" eaLnBrk="1" latinLnBrk="0" hangingPunct="1">
+              <a:spcBef>
+                <a:spcPct val="20000"/>
+              </a:spcBef>
+              <a:buClr>
+                <a:schemeClr val="accent1"/>
+              </a:buClr>
+              <a:buSzPct val="76000"/>
+              <a:buFont typeface="Wingdings 2" pitchFamily="18" charset="2"/>
+              <a:buChar char=""/>
+              <a:defRPr sz="1400" kern="1200">
+                <a:solidFill>
+                  <a:schemeClr val="tx2"/>
+                </a:solidFill>
+                <a:latin typeface="+mn-lt"/>
+                <a:ea typeface="+mn-ea"/>
+                <a:cs typeface="+mn-cs"/>
+              </a:defRPr>
+            </a:lvl6pPr>
+            <a:lvl7pPr marL="1719072" indent="-228600" algn="l" defTabSz="914400" rtl="0" eaLnBrk="1" latinLnBrk="0" hangingPunct="1">
+              <a:spcBef>
+                <a:spcPct val="20000"/>
+              </a:spcBef>
+              <a:buClr>
+                <a:schemeClr val="accent1"/>
+              </a:buClr>
+              <a:buSzPct val="76000"/>
+              <a:buFont typeface="Wingdings 2" pitchFamily="18" charset="2"/>
+              <a:buChar char=""/>
+              <a:defRPr sz="1400" kern="1200">
+                <a:solidFill>
+                  <a:schemeClr val="tx2"/>
+                </a:solidFill>
+                <a:latin typeface="+mn-lt"/>
+                <a:ea typeface="+mn-ea"/>
+                <a:cs typeface="+mn-cs"/>
+              </a:defRPr>
+            </a:lvl7pPr>
+            <a:lvl8pPr marL="1920240" indent="-228600" algn="l" defTabSz="914400" rtl="0" eaLnBrk="1" latinLnBrk="0" hangingPunct="1">
+              <a:spcBef>
+                <a:spcPct val="20000"/>
+              </a:spcBef>
+              <a:buClr>
+                <a:schemeClr val="accent1"/>
+              </a:buClr>
+              <a:buSzPct val="76000"/>
+              <a:buFont typeface="Wingdings 2" pitchFamily="18" charset="2"/>
+              <a:buChar char=""/>
+              <a:defRPr sz="1400" kern="1200">
+                <a:solidFill>
+                  <a:schemeClr val="tx2"/>
+                </a:solidFill>
+                <a:latin typeface="+mn-lt"/>
+                <a:ea typeface="+mn-ea"/>
+                <a:cs typeface="+mn-cs"/>
+              </a:defRPr>
+            </a:lvl8pPr>
+            <a:lvl9pPr marL="2121408" indent="-228600" algn="l" defTabSz="914400" rtl="0" eaLnBrk="1" latinLnBrk="0" hangingPunct="1">
+              <a:spcBef>
+                <a:spcPct val="20000"/>
+              </a:spcBef>
+              <a:buClr>
+                <a:schemeClr val="accent1"/>
+              </a:buClr>
+              <a:buSzPct val="76000"/>
+              <a:buFont typeface="Wingdings 2" pitchFamily="18" charset="2"/>
+              <a:buChar char=""/>
+              <a:defRPr sz="1400" kern="1200">
+                <a:solidFill>
+                  <a:schemeClr val="tx2"/>
+                </a:solidFill>
+                <a:latin typeface="+mn-lt"/>
+                <a:ea typeface="+mn-ea"/>
+                <a:cs typeface="+mn-cs"/>
+              </a:defRPr>
+            </a:lvl9pPr>
+          </a:lstStyle>
+          <a:p>
+            <a:pPr marL="68580" indent="0">
+              <a:buNone/>
+            </a:pPr>
+            <a:r>
+              <a:rPr lang="nl-NL" sz="1600" dirty="0" smtClean="0"/>
+              <a:t>No </a:t>
+            </a:r>
+            <a:r>
+              <a:rPr lang="nl-NL" sz="1600" dirty="0" err="1" smtClean="0"/>
+              <a:t>improvement</a:t>
+            </a:r>
+            <a:r>
+              <a:rPr lang="nl-NL" sz="1600" dirty="0" smtClean="0"/>
+              <a:t> </a:t>
+            </a:r>
+            <a:r>
+              <a:rPr lang="nl-NL" sz="1600" dirty="0" err="1" smtClean="0"/>
+              <a:t>with</a:t>
+            </a:r>
+            <a:r>
+              <a:rPr lang="nl-NL" sz="1600" dirty="0" smtClean="0"/>
+              <a:t>:</a:t>
+            </a:r>
+            <a:br>
+              <a:rPr lang="nl-NL" sz="1600" dirty="0" smtClean="0"/>
+            </a:br>
+            <a:endParaRPr lang="nl-NL" sz="1600" dirty="0" smtClean="0"/>
+          </a:p>
+          <a:p>
+            <a:r>
+              <a:rPr lang="nl-NL" sz="1600" dirty="0" err="1" smtClean="0"/>
+              <a:t>POStagging</a:t>
+            </a:r>
+            <a:endParaRPr lang="nl-NL" sz="1600" dirty="0"/>
+          </a:p>
+          <a:p>
+            <a:r>
+              <a:rPr lang="nl-NL" sz="1600" dirty="0"/>
+              <a:t>t</a:t>
+            </a:r>
+            <a:r>
+              <a:rPr lang="nl-NL" sz="1600" dirty="0" smtClean="0"/>
+              <a:t>ekst </a:t>
+            </a:r>
+            <a:r>
+              <a:rPr lang="nl-NL" sz="1600" dirty="0" err="1" smtClean="0"/>
+              <a:t>length</a:t>
+            </a:r>
+            <a:endParaRPr lang="nl-NL" sz="1600" dirty="0" smtClean="0"/>
+          </a:p>
+          <a:p>
+            <a:r>
+              <a:rPr lang="nl-NL" sz="1600" dirty="0" err="1" smtClean="0"/>
+              <a:t>emoticons</a:t>
+            </a:r>
+            <a:endParaRPr lang="nl-NL" sz="1600" dirty="0" smtClean="0"/>
+          </a:p>
+          <a:p>
+            <a:r>
+              <a:rPr lang="nl-NL" sz="1600" dirty="0" err="1"/>
+              <a:t>s</a:t>
+            </a:r>
+            <a:r>
+              <a:rPr lang="nl-NL" sz="1600" dirty="0" err="1" smtClean="0"/>
+              <a:t>tereotypical</a:t>
+            </a:r>
+            <a:r>
+              <a:rPr lang="nl-NL" sz="1600" dirty="0" smtClean="0"/>
+              <a:t> </a:t>
+            </a:r>
+            <a:r>
+              <a:rPr lang="nl-NL" sz="1600" dirty="0" err="1" smtClean="0"/>
+              <a:t>linguistic</a:t>
+            </a:r>
+            <a:r>
+              <a:rPr lang="nl-NL" sz="1600" dirty="0" smtClean="0"/>
+              <a:t> features</a:t>
+            </a:r>
+          </a:p>
+          <a:p>
+            <a:r>
+              <a:rPr lang="nl-NL" sz="1600" dirty="0" err="1" smtClean="0"/>
+              <a:t>binary</a:t>
+            </a:r>
+            <a:r>
+              <a:rPr lang="nl-NL" sz="1600" dirty="0" smtClean="0"/>
+              <a:t> = </a:t>
+            </a:r>
+            <a:r>
+              <a:rPr lang="nl-NL" sz="1600" dirty="0" err="1" smtClean="0"/>
+              <a:t>False</a:t>
+            </a:r>
+            <a:endParaRPr lang="nl-NL" sz="1600" dirty="0" smtClean="0"/>
+          </a:p>
+          <a:p>
+            <a:r>
+              <a:rPr lang="nl-NL" sz="1600" dirty="0" err="1" smtClean="0"/>
+              <a:t>lowercase</a:t>
+            </a:r>
+            <a:r>
+              <a:rPr lang="nl-NL" sz="1600" dirty="0" smtClean="0"/>
+              <a:t> = True</a:t>
+            </a:r>
+          </a:p>
+          <a:p>
+            <a:r>
+              <a:rPr lang="nl-NL" sz="1600" dirty="0" err="1" smtClean="0"/>
+              <a:t>strip_accents</a:t>
+            </a:r>
+            <a:endParaRPr lang="nl-NL" sz="1600" dirty="0" smtClean="0"/>
+          </a:p>
+          <a:p>
+            <a:r>
+              <a:rPr lang="nl-NL" sz="1600" dirty="0" err="1" smtClean="0"/>
+              <a:t>min_df</a:t>
+            </a:r>
+            <a:endParaRPr lang="nl-NL" sz="1600" dirty="0" smtClean="0"/>
+          </a:p>
+          <a:p>
+            <a:r>
+              <a:rPr lang="nl-NL" sz="1600" dirty="0" smtClean="0"/>
+              <a:t>norm</a:t>
+            </a:r>
+          </a:p>
+          <a:p>
+            <a:r>
+              <a:rPr lang="nl-NL" sz="1600" dirty="0" err="1" smtClean="0"/>
+              <a:t>sublinear_tf</a:t>
+            </a:r>
+            <a:endParaRPr lang="nl-NL" sz="1600" dirty="0" smtClean="0"/>
+          </a:p>
+          <a:p>
+            <a:r>
+              <a:rPr lang="nl-NL" sz="1600" dirty="0" err="1" smtClean="0"/>
+              <a:t>max_features</a:t>
+            </a:r>
+            <a:endParaRPr lang="nl-NL" sz="1600" dirty="0" smtClean="0"/>
+          </a:p>
+          <a:p>
+            <a:r>
+              <a:rPr lang="nl-NL" sz="1600" dirty="0" smtClean="0"/>
+              <a:t>penalty</a:t>
+            </a:r>
+          </a:p>
+          <a:p>
+            <a:r>
+              <a:rPr lang="nl-NL" sz="1600" dirty="0" err="1" smtClean="0"/>
+              <a:t>multi_class</a:t>
+            </a:r>
+            <a:endParaRPr lang="nl-NL" sz="1600" dirty="0" smtClean="0"/>
           </a:p>
         </p:txBody>
       </p:sp>
@@ -15970,9 +16613,71 @@
           </a:p>
         </p:txBody>
       </p:sp>
+      <p:sp>
+        <p:nvSpPr>
+          <p:cNvPr id="3" name="Tekstvak 2"/>
+          <p:cNvSpPr txBox="1"/>
+          <p:nvPr/>
+        </p:nvSpPr>
+        <p:spPr>
+          <a:xfrm>
+            <a:off x="827584" y="6165304"/>
+            <a:ext cx="7488832" cy="276999"/>
+          </a:xfrm>
+          <a:prstGeom prst="rect">
+            <a:avLst/>
+          </a:prstGeom>
+          <a:noFill/>
+        </p:spPr>
+        <p:txBody>
+          <a:bodyPr wrap="square" rtlCol="0">
+            <a:spAutoFit/>
+          </a:bodyPr>
+          <a:lstStyle/>
+          <a:p>
+            <a:r>
+              <a:rPr lang="nl-NL" sz="1200" b="1" dirty="0" smtClean="0"/>
+              <a:t>	</a:t>
+            </a:r>
+            <a:r>
+              <a:rPr lang="nl-NL" sz="1200" b="1" dirty="0" err="1" smtClean="0"/>
+              <a:t>Results</a:t>
+            </a:r>
+            <a:r>
+              <a:rPr lang="nl-NL" sz="1200" b="1" dirty="0" smtClean="0"/>
+              <a:t> baseline		</a:t>
+            </a:r>
+            <a:r>
+              <a:rPr lang="nl-NL" sz="1200" b="1" dirty="0"/>
+              <a:t> </a:t>
+            </a:r>
+            <a:r>
+              <a:rPr lang="nl-NL" sz="1200" b="1" dirty="0" smtClean="0"/>
+              <a:t>               </a:t>
+            </a:r>
+            <a:r>
+              <a:rPr lang="nl-NL" sz="1200" b="1" dirty="0" err="1" smtClean="0"/>
+              <a:t>Results</a:t>
+            </a:r>
+            <a:r>
+              <a:rPr lang="nl-NL" sz="1200" b="1" dirty="0" smtClean="0"/>
+              <a:t> cross </a:t>
+            </a:r>
+            <a:r>
+              <a:rPr lang="nl-NL" sz="1200" b="1" dirty="0" err="1" smtClean="0"/>
+              <a:t>validation</a:t>
+            </a:r>
+            <a:r>
+              <a:rPr lang="nl-NL" sz="1200" b="1" dirty="0" smtClean="0"/>
+              <a:t> training set</a:t>
+            </a:r>
+            <a:endParaRPr lang="nl-NL" sz="1200" b="1" dirty="0"/>
+          </a:p>
+        </p:txBody>
+      </p:sp>
       <p:pic>
         <p:nvPicPr>
-          <p:cNvPr id="2050" name="Picture 2"/>
+          <p:cNvPr id="1027" name="Picture 3"/>
           <p:cNvPicPr>
             <a:picLocks noChangeAspect="1" noChangeArrowheads="1"/>
           </p:cNvPicPr>
@@ -15986,13 +16691,13 @@
               </a:ext>
             </a:extLst>
           </a:blip>
-          <a:srcRect b="4211"/>
+          <a:srcRect l="1520" t="3594" r="1559"/>
           <a:stretch/>
         </p:blipFill>
         <p:spPr bwMode="auto">
           <a:xfrm>
-            <a:off x="638117" y="2110964"/>
-            <a:ext cx="7894323" cy="4385529"/>
+            <a:off x="611560" y="2126512"/>
+            <a:ext cx="7953154" cy="4110800"/>
           </a:xfrm>
           <a:prstGeom prst="rect">
             <a:avLst/>
@@ -16061,13 +16766,7 @@
       </p:grpSpPr>
       <p:sp>
         <p:nvSpPr>
-          <p:cNvPr id="2" name="Titel 1">
-            <a:extLst>
-              <a:ext uri="{FF2B5EF4-FFF2-40B4-BE49-F238E27FC236}">
-                <a16:creationId xmlns:a16="http://schemas.microsoft.com/office/drawing/2014/main" xmlns="" id="{3BD06130-7454-483B-82E8-3B325B7F5FA6}"/>
-              </a:ext>
-            </a:extLst>
-          </p:cNvPr>
+          <p:cNvPr id="2" name="Titel 1"/>
           <p:cNvSpPr>
             <a:spLocks noGrp="1"/>
           </p:cNvSpPr>
@@ -16082,47 +16781,112 @@
           <a:p>
             <a:r>
               <a:rPr lang="nl-NL" dirty="0" err="1" smtClean="0"/>
-              <a:t>Conclusion</a:t>
+              <a:t>Results</a:t>
             </a:r>
             <a:endParaRPr lang="nl-NL" dirty="0"/>
           </a:p>
         </p:txBody>
       </p:sp>
+      <p:pic>
+        <p:nvPicPr>
+          <p:cNvPr id="2050" name="Picture 2"/>
+          <p:cNvPicPr>
+            <a:picLocks noChangeAspect="1" noChangeArrowheads="1"/>
+          </p:cNvPicPr>
+          <p:nvPr/>
+        </p:nvPicPr>
+        <p:blipFill rotWithShape="1">
+          <a:blip r:embed="rId3">
+            <a:extLst>
+              <a:ext uri="{BEBA8EAE-BF5A-486C-A8C5-ECC9F3942E4B}">
+                <a14:imgProps xmlns:a14="http://schemas.microsoft.com/office/drawing/2010/main">
+                  <a14:imgLayer r:embed="rId4">
+                    <a14:imgEffect>
+                      <a14:sharpenSoften amount="-50000"/>
+                    </a14:imgEffect>
+                  </a14:imgLayer>
+                </a14:imgProps>
+              </a:ext>
+              <a:ext uri="{28A0092B-C50C-407E-A947-70E740481C1C}">
+                <a14:useLocalDpi xmlns:a14="http://schemas.microsoft.com/office/drawing/2010/main" val="0"/>
+              </a:ext>
+            </a:extLst>
+          </a:blip>
+          <a:srcRect l="49832" b="10714"/>
+          <a:stretch/>
+        </p:blipFill>
+        <p:spPr bwMode="auto">
+          <a:xfrm>
+            <a:off x="2411760" y="2110963"/>
+            <a:ext cx="3960440" cy="4087817"/>
+          </a:xfrm>
+          <a:prstGeom prst="rect">
+            <a:avLst/>
+          </a:prstGeom>
+          <a:noFill/>
+          <a:ln>
+            <a:noFill/>
+          </a:ln>
+          <a:extLst>
+            <a:ext uri="{909E8E84-426E-40DD-AFC4-6F175D3DCCD1}">
+              <a14:hiddenFill xmlns:a14="http://schemas.microsoft.com/office/drawing/2010/main">
+                <a:solidFill>
+                  <a:schemeClr val="accent1"/>
+                </a:solidFill>
+              </a14:hiddenFill>
+            </a:ext>
+            <a:ext uri="{91240B29-F687-4F45-9708-019B960494DF}">
+              <a14:hiddenLine xmlns:a14="http://schemas.microsoft.com/office/drawing/2010/main" w="9525">
+                <a:solidFill>
+                  <a:schemeClr val="tx1"/>
+                </a:solidFill>
+                <a:miter lim="800000"/>
+                <a:headEnd/>
+                <a:tailEnd/>
+              </a14:hiddenLine>
+            </a:ext>
+          </a:extLst>
+        </p:spPr>
+      </p:pic>
       <p:sp>
         <p:nvSpPr>
-          <p:cNvPr id="3" name="Tijdelijke aanduiding voor inhoud 2">
-            <a:extLst>
-              <a:ext uri="{FF2B5EF4-FFF2-40B4-BE49-F238E27FC236}">
-                <a16:creationId xmlns:a16="http://schemas.microsoft.com/office/drawing/2014/main" xmlns="" id="{16182D30-848C-4CA3-810D-C0E20F0E9986}"/>
-              </a:ext>
-            </a:extLst>
-          </p:cNvPr>
-          <p:cNvSpPr>
-            <a:spLocks noGrp="1"/>
-          </p:cNvSpPr>
-          <p:nvPr>
-            <p:ph idx="1"/>
-          </p:nvPr>
+          <p:cNvPr id="3" name="Tekstvak 2"/>
+          <p:cNvSpPr txBox="1"/>
+          <p:nvPr/>
         </p:nvSpPr>
-        <p:spPr/>
+        <p:spPr>
+          <a:xfrm>
+            <a:off x="2411760" y="6198781"/>
+            <a:ext cx="3888432" cy="276999"/>
+          </a:xfrm>
+          <a:prstGeom prst="rect">
+            <a:avLst/>
+          </a:prstGeom>
+          <a:noFill/>
+        </p:spPr>
         <p:txBody>
-          <a:bodyPr>
-            <a:normAutofit/>
+          <a:bodyPr wrap="square" rtlCol="0">
+            <a:spAutoFit/>
           </a:bodyPr>
           <a:lstStyle/>
           <a:p>
-            <a:r>
-              <a:rPr lang="nl-NL" dirty="0" smtClean="0"/>
-              <a:t>[NOG TOEVOEGEN]</a:t>
-            </a:r>
-            <a:endParaRPr lang="nl-NL" dirty="0"/>
+            <a:pPr algn="ctr"/>
+            <a:r>
+              <a:rPr lang="nl-NL" sz="1200" b="1" dirty="0" err="1" smtClean="0"/>
+              <a:t>Results</a:t>
+            </a:r>
+            <a:r>
+              <a:rPr lang="nl-NL" sz="1200" b="1" dirty="0" smtClean="0"/>
+              <a:t> test set</a:t>
+            </a:r>
+            <a:endParaRPr lang="nl-NL" sz="1200" b="1" dirty="0"/>
           </a:p>
         </p:txBody>
       </p:sp>
     </p:spTree>
     <p:extLst>
       <p:ext uri="{BB962C8B-B14F-4D97-AF65-F5344CB8AC3E}">
-        <p14:creationId xmlns:p14="http://schemas.microsoft.com/office/powerpoint/2010/main" val="2058341787"/>
+        <p14:creationId xmlns:p14="http://schemas.microsoft.com/office/powerpoint/2010/main" val="416128214"/>
       </p:ext>
     </p:extLst>
   </p:cSld>

--- a/Presentation.pptx
+++ b/Presentation.pptx
@@ -5,7 +5,7 @@
     <p:sldMasterId id="2147483660" r:id="rId1"/>
   </p:sldMasterIdLst>
   <p:notesMasterIdLst>
-    <p:notesMasterId r:id="rId13"/>
+    <p:notesMasterId r:id="rId15"/>
   </p:notesMasterIdLst>
   <p:sldIdLst>
     <p:sldId id="256" r:id="rId2"/>
@@ -17,8 +17,10 @@
     <p:sldId id="267" r:id="rId8"/>
     <p:sldId id="266" r:id="rId9"/>
     <p:sldId id="269" r:id="rId10"/>
-    <p:sldId id="268" r:id="rId11"/>
-    <p:sldId id="262" r:id="rId12"/>
+    <p:sldId id="270" r:id="rId11"/>
+    <p:sldId id="271" r:id="rId12"/>
+    <p:sldId id="268" r:id="rId13"/>
+    <p:sldId id="262" r:id="rId14"/>
   </p:sldIdLst>
   <p:sldSz cx="9144000" cy="6858000" type="screen4x3"/>
   <p:notesSz cx="6858000" cy="9144000"/>
@@ -119,7 +121,7 @@
   </p:defaultTextStyle>
   <p:extLst>
     <p:ext uri="{EFAFB233-063F-42B5-8137-9DF3F51BA10A}">
-      <p15:sldGuideLst xmlns="" xmlns:p15="http://schemas.microsoft.com/office/powerpoint/2012/main">
+      <p15:sldGuideLst xmlns:p15="http://schemas.microsoft.com/office/powerpoint/2012/main" xmlns="">
         <p15:guide id="1" orient="horz" pos="2160">
           <p15:clr>
             <a:srgbClr val="A4A3A4"/>
@@ -647,7 +649,7 @@
     </p:spTree>
     <p:extLst>
       <p:ext uri="{BB962C8B-B14F-4D97-AF65-F5344CB8AC3E}">
-        <p14:creationId xmlns:p14="http://schemas.microsoft.com/office/powerpoint/2010/main" val="3169262235"/>
+        <p14:creationId xmlns:p14="http://schemas.microsoft.com/office/powerpoint/2010/main" val="741890155"/>
       </p:ext>
     </p:extLst>
   </p:cSld>
@@ -723,6 +725,174 @@
             <a:fld id="{261CDD63-AF9B-4BBE-BAEE-FE96D596103A}" type="slidenum">
               <a:rPr lang="nl-NL" smtClean="0"/>
               <a:t>11</a:t>
+            </a:fld>
+            <a:endParaRPr lang="nl-NL"/>
+          </a:p>
+        </p:txBody>
+      </p:sp>
+    </p:spTree>
+    <p:extLst>
+      <p:ext uri="{BB962C8B-B14F-4D97-AF65-F5344CB8AC3E}">
+        <p14:creationId xmlns:p14="http://schemas.microsoft.com/office/powerpoint/2010/main" val="741890155"/>
+      </p:ext>
+    </p:extLst>
+  </p:cSld>
+  <p:clrMapOvr>
+    <a:masterClrMapping/>
+  </p:clrMapOvr>
+</p:notes>
+</file>
+
+<file path=ppt/notesSlides/notesSlide12.xml><?xml version="1.0" encoding="utf-8"?>
+<p:notes xmlns:a="http://schemas.openxmlformats.org/drawingml/2006/main" xmlns:r="http://schemas.openxmlformats.org/officeDocument/2006/relationships" xmlns:p="http://schemas.openxmlformats.org/presentationml/2006/main">
+  <p:cSld>
+    <p:spTree>
+      <p:nvGrpSpPr>
+        <p:cNvPr id="1" name=""/>
+        <p:cNvGrpSpPr/>
+        <p:nvPr/>
+      </p:nvGrpSpPr>
+      <p:grpSpPr>
+        <a:xfrm>
+          <a:off x="0" y="0"/>
+          <a:ext cx="0" cy="0"/>
+          <a:chOff x="0" y="0"/>
+          <a:chExt cx="0" cy="0"/>
+        </a:xfrm>
+      </p:grpSpPr>
+      <p:sp>
+        <p:nvSpPr>
+          <p:cNvPr id="2" name="Tijdelijke aanduiding voor dia-afbeelding 1"/>
+          <p:cNvSpPr>
+            <a:spLocks noGrp="1" noRot="1" noChangeAspect="1"/>
+          </p:cNvSpPr>
+          <p:nvPr>
+            <p:ph type="sldImg"/>
+          </p:nvPr>
+        </p:nvSpPr>
+        <p:spPr/>
+      </p:sp>
+      <p:sp>
+        <p:nvSpPr>
+          <p:cNvPr id="3" name="Tijdelijke aanduiding voor notities 2"/>
+          <p:cNvSpPr>
+            <a:spLocks noGrp="1"/>
+          </p:cNvSpPr>
+          <p:nvPr>
+            <p:ph type="body" idx="1"/>
+          </p:nvPr>
+        </p:nvSpPr>
+        <p:spPr/>
+        <p:txBody>
+          <a:bodyPr/>
+          <a:lstStyle/>
+          <a:p>
+            <a:endParaRPr lang="nl-NL" dirty="0"/>
+          </a:p>
+        </p:txBody>
+      </p:sp>
+      <p:sp>
+        <p:nvSpPr>
+          <p:cNvPr id="4" name="Tijdelijke aanduiding voor dianummer 3"/>
+          <p:cNvSpPr>
+            <a:spLocks noGrp="1"/>
+          </p:cNvSpPr>
+          <p:nvPr>
+            <p:ph type="sldNum" sz="quarter" idx="10"/>
+          </p:nvPr>
+        </p:nvSpPr>
+        <p:spPr/>
+        <p:txBody>
+          <a:bodyPr/>
+          <a:lstStyle/>
+          <a:p>
+            <a:fld id="{261CDD63-AF9B-4BBE-BAEE-FE96D596103A}" type="slidenum">
+              <a:rPr lang="nl-NL" smtClean="0"/>
+              <a:t>12</a:t>
+            </a:fld>
+            <a:endParaRPr lang="nl-NL"/>
+          </a:p>
+        </p:txBody>
+      </p:sp>
+    </p:spTree>
+    <p:extLst>
+      <p:ext uri="{BB962C8B-B14F-4D97-AF65-F5344CB8AC3E}">
+        <p14:creationId xmlns:p14="http://schemas.microsoft.com/office/powerpoint/2010/main" val="3169262235"/>
+      </p:ext>
+    </p:extLst>
+  </p:cSld>
+  <p:clrMapOvr>
+    <a:masterClrMapping/>
+  </p:clrMapOvr>
+</p:notes>
+</file>
+
+<file path=ppt/notesSlides/notesSlide13.xml><?xml version="1.0" encoding="utf-8"?>
+<p:notes xmlns:a="http://schemas.openxmlformats.org/drawingml/2006/main" xmlns:r="http://schemas.openxmlformats.org/officeDocument/2006/relationships" xmlns:p="http://schemas.openxmlformats.org/presentationml/2006/main">
+  <p:cSld>
+    <p:spTree>
+      <p:nvGrpSpPr>
+        <p:cNvPr id="1" name=""/>
+        <p:cNvGrpSpPr/>
+        <p:nvPr/>
+      </p:nvGrpSpPr>
+      <p:grpSpPr>
+        <a:xfrm>
+          <a:off x="0" y="0"/>
+          <a:ext cx="0" cy="0"/>
+          <a:chOff x="0" y="0"/>
+          <a:chExt cx="0" cy="0"/>
+        </a:xfrm>
+      </p:grpSpPr>
+      <p:sp>
+        <p:nvSpPr>
+          <p:cNvPr id="2" name="Tijdelijke aanduiding voor dia-afbeelding 1"/>
+          <p:cNvSpPr>
+            <a:spLocks noGrp="1" noRot="1" noChangeAspect="1"/>
+          </p:cNvSpPr>
+          <p:nvPr>
+            <p:ph type="sldImg"/>
+          </p:nvPr>
+        </p:nvSpPr>
+        <p:spPr/>
+      </p:sp>
+      <p:sp>
+        <p:nvSpPr>
+          <p:cNvPr id="3" name="Tijdelijke aanduiding voor notities 2"/>
+          <p:cNvSpPr>
+            <a:spLocks noGrp="1"/>
+          </p:cNvSpPr>
+          <p:nvPr>
+            <p:ph type="body" idx="1"/>
+          </p:nvPr>
+        </p:nvSpPr>
+        <p:spPr/>
+        <p:txBody>
+          <a:bodyPr/>
+          <a:lstStyle/>
+          <a:p>
+            <a:endParaRPr lang="nl-NL" dirty="0"/>
+          </a:p>
+        </p:txBody>
+      </p:sp>
+      <p:sp>
+        <p:nvSpPr>
+          <p:cNvPr id="4" name="Tijdelijke aanduiding voor dianummer 3"/>
+          <p:cNvSpPr>
+            <a:spLocks noGrp="1"/>
+          </p:cNvSpPr>
+          <p:nvPr>
+            <p:ph type="sldNum" sz="quarter" idx="10"/>
+          </p:nvPr>
+        </p:nvSpPr>
+        <p:spPr/>
+        <p:txBody>
+          <a:bodyPr/>
+          <a:lstStyle/>
+          <a:p>
+            <a:fld id="{261CDD63-AF9B-4BBE-BAEE-FE96D596103A}" type="slidenum">
+              <a:rPr lang="nl-NL" smtClean="0"/>
+              <a:t>13</a:t>
             </a:fld>
             <a:endParaRPr lang="nl-NL"/>
           </a:p>
@@ -15168,10 +15338,300 @@
       </p:grpSpPr>
       <p:sp>
         <p:nvSpPr>
+          <p:cNvPr id="6" name="Tekstvak 5"/>
+          <p:cNvSpPr txBox="1"/>
+          <p:nvPr/>
+        </p:nvSpPr>
+        <p:spPr>
+          <a:xfrm>
+            <a:off x="2093473" y="1012173"/>
+            <a:ext cx="1032655" cy="369332"/>
+          </a:xfrm>
+          <a:prstGeom prst="rect">
+            <a:avLst/>
+          </a:prstGeom>
+          <a:noFill/>
+        </p:spPr>
+        <p:txBody>
+          <a:bodyPr wrap="none" rtlCol="0">
+            <a:spAutoFit/>
+          </a:bodyPr>
+          <a:lstStyle/>
+          <a:p>
+            <a:r>
+              <a:rPr lang="nl-NL" dirty="0" smtClean="0"/>
+              <a:t>Spanish</a:t>
+            </a:r>
+            <a:endParaRPr lang="nl-NL" dirty="0"/>
+          </a:p>
+        </p:txBody>
+      </p:sp>
+      <p:pic>
+        <p:nvPicPr>
+          <p:cNvPr id="2051" name="Picture 3" descr="C:\Users\Eyokiha\Dropbox\Documents\Courses\Master\Blok2\LearningFromData\Final\Spanish.png"/>
+          <p:cNvPicPr>
+            <a:picLocks noChangeAspect="1" noChangeArrowheads="1"/>
+          </p:cNvPicPr>
+          <p:nvPr/>
+        </p:nvPicPr>
+        <p:blipFill rotWithShape="1">
+          <a:blip r:embed="rId3">
+            <a:extLst>
+              <a:ext uri="{28A0092B-C50C-407E-A947-70E740481C1C}">
+                <a14:useLocalDpi xmlns:a14="http://schemas.microsoft.com/office/drawing/2010/main" val="0"/>
+              </a:ext>
+            </a:extLst>
+          </a:blip>
+          <a:srcRect r="40863" b="41483"/>
+          <a:stretch/>
+        </p:blipFill>
+        <p:spPr bwMode="auto">
+          <a:xfrm>
+            <a:off x="549746" y="1412776"/>
+            <a:ext cx="4120111" cy="4455204"/>
+          </a:xfrm>
+          <a:prstGeom prst="rect">
+            <a:avLst/>
+          </a:prstGeom>
+          <a:noFill/>
+          <a:extLst>
+            <a:ext uri="{909E8E84-426E-40DD-AFC4-6F175D3DCCD1}">
+              <a14:hiddenFill xmlns:a14="http://schemas.microsoft.com/office/drawing/2010/main">
+                <a:solidFill>
+                  <a:srgbClr val="FFFFFF"/>
+                </a:solidFill>
+              </a14:hiddenFill>
+            </a:ext>
+          </a:extLst>
+        </p:spPr>
+      </p:pic>
+      <p:pic>
+        <p:nvPicPr>
+          <p:cNvPr id="2052" name="Picture 4" descr="C:\Users\Eyokiha\Dropbox\Documents\Courses\Master\Blok2\LearningFromData\Final\Spanish.png"/>
+          <p:cNvPicPr>
+            <a:picLocks noChangeAspect="1" noChangeArrowheads="1"/>
+          </p:cNvPicPr>
+          <p:nvPr/>
+        </p:nvPicPr>
+        <p:blipFill rotWithShape="1">
+          <a:blip r:embed="rId3">
+            <a:extLst>
+              <a:ext uri="{28A0092B-C50C-407E-A947-70E740481C1C}">
+                <a14:useLocalDpi xmlns:a14="http://schemas.microsoft.com/office/drawing/2010/main" val="0"/>
+              </a:ext>
+            </a:extLst>
+          </a:blip>
+          <a:srcRect l="752" t="59245" r="42290" b="2732"/>
+          <a:stretch/>
+        </p:blipFill>
+        <p:spPr bwMode="auto">
+          <a:xfrm>
+            <a:off x="4720855" y="1418092"/>
+            <a:ext cx="3891109" cy="2838686"/>
+          </a:xfrm>
+          <a:prstGeom prst="rect">
+            <a:avLst/>
+          </a:prstGeom>
+          <a:noFill/>
+          <a:extLst>
+            <a:ext uri="{909E8E84-426E-40DD-AFC4-6F175D3DCCD1}">
+              <a14:hiddenFill xmlns:a14="http://schemas.microsoft.com/office/drawing/2010/main">
+                <a:solidFill>
+                  <a:srgbClr val="FFFFFF"/>
+                </a:solidFill>
+              </a14:hiddenFill>
+            </a:ext>
+          </a:extLst>
+        </p:spPr>
+      </p:pic>
+    </p:spTree>
+    <p:extLst>
+      <p:ext uri="{BB962C8B-B14F-4D97-AF65-F5344CB8AC3E}">
+        <p14:creationId xmlns:p14="http://schemas.microsoft.com/office/powerpoint/2010/main" val="4183911328"/>
+      </p:ext>
+    </p:extLst>
+  </p:cSld>
+  <p:clrMapOvr>
+    <a:masterClrMapping/>
+  </p:clrMapOvr>
+  <p:timing>
+    <p:tnLst>
+      <p:par>
+        <p:cTn id="1" dur="indefinite" restart="never" nodeType="tmRoot"/>
+      </p:par>
+    </p:tnLst>
+  </p:timing>
+</p:sld>
+</file>
+
+<file path=ppt/slides/slide11.xml><?xml version="1.0" encoding="utf-8"?>
+<p:sld xmlns:a="http://schemas.openxmlformats.org/drawingml/2006/main" xmlns:r="http://schemas.openxmlformats.org/officeDocument/2006/relationships" xmlns:p="http://schemas.openxmlformats.org/presentationml/2006/main">
+  <p:cSld>
+    <p:spTree>
+      <p:nvGrpSpPr>
+        <p:cNvPr id="1" name=""/>
+        <p:cNvGrpSpPr/>
+        <p:nvPr/>
+      </p:nvGrpSpPr>
+      <p:grpSpPr>
+        <a:xfrm>
+          <a:off x="0" y="0"/>
+          <a:ext cx="0" cy="0"/>
+          <a:chOff x="0" y="0"/>
+          <a:chExt cx="0" cy="0"/>
+        </a:xfrm>
+      </p:grpSpPr>
+      <p:sp>
+        <p:nvSpPr>
+          <p:cNvPr id="6" name="Tekstvak 5"/>
+          <p:cNvSpPr txBox="1"/>
+          <p:nvPr/>
+        </p:nvSpPr>
+        <p:spPr>
+          <a:xfrm>
+            <a:off x="2093473" y="1012173"/>
+            <a:ext cx="928459" cy="369332"/>
+          </a:xfrm>
+          <a:prstGeom prst="rect">
+            <a:avLst/>
+          </a:prstGeom>
+          <a:noFill/>
+        </p:spPr>
+        <p:txBody>
+          <a:bodyPr wrap="none" rtlCol="0">
+            <a:spAutoFit/>
+          </a:bodyPr>
+          <a:lstStyle/>
+          <a:p>
+            <a:r>
+              <a:rPr lang="nl-NL" dirty="0" smtClean="0"/>
+              <a:t>English</a:t>
+            </a:r>
+            <a:endParaRPr lang="nl-NL" dirty="0"/>
+          </a:p>
+        </p:txBody>
+      </p:sp>
+      <p:pic>
+        <p:nvPicPr>
+          <p:cNvPr id="3074" name="Picture 2" descr="C:\Users\Eyokiha\Dropbox\Documents\Courses\Master\Blok2\LearningFromData\Final\English.png"/>
+          <p:cNvPicPr>
+            <a:picLocks noChangeAspect="1" noChangeArrowheads="1"/>
+          </p:cNvPicPr>
+          <p:nvPr/>
+        </p:nvPicPr>
+        <p:blipFill rotWithShape="1">
+          <a:blip r:embed="rId3">
+            <a:extLst>
+              <a:ext uri="{28A0092B-C50C-407E-A947-70E740481C1C}">
+                <a14:useLocalDpi xmlns:a14="http://schemas.microsoft.com/office/drawing/2010/main" val="0"/>
+              </a:ext>
+            </a:extLst>
+          </a:blip>
+          <a:srcRect l="1024" t="-1" r="41443" b="43039"/>
+          <a:stretch/>
+        </p:blipFill>
+        <p:spPr bwMode="auto">
+          <a:xfrm>
+            <a:off x="539552" y="1381505"/>
+            <a:ext cx="4160039" cy="4599653"/>
+          </a:xfrm>
+          <a:prstGeom prst="rect">
+            <a:avLst/>
+          </a:prstGeom>
+          <a:noFill/>
+          <a:extLst>
+            <a:ext uri="{909E8E84-426E-40DD-AFC4-6F175D3DCCD1}">
+              <a14:hiddenFill xmlns:a14="http://schemas.microsoft.com/office/drawing/2010/main">
+                <a:solidFill>
+                  <a:srgbClr val="FFFFFF"/>
+                </a:solidFill>
+              </a14:hiddenFill>
+            </a:ext>
+          </a:extLst>
+        </p:spPr>
+      </p:pic>
+      <p:pic>
+        <p:nvPicPr>
+          <p:cNvPr id="3075" name="Picture 3" descr="C:\Users\Eyokiha\Dropbox\Documents\Courses\Master\Blok2\LearningFromData\Final\English.png"/>
+          <p:cNvPicPr>
+            <a:picLocks noChangeAspect="1" noChangeArrowheads="1"/>
+          </p:cNvPicPr>
+          <p:nvPr/>
+        </p:nvPicPr>
+        <p:blipFill rotWithShape="1">
+          <a:blip r:embed="rId3">
+            <a:extLst>
+              <a:ext uri="{28A0092B-C50C-407E-A947-70E740481C1C}">
+                <a14:useLocalDpi xmlns:a14="http://schemas.microsoft.com/office/drawing/2010/main" val="0"/>
+              </a:ext>
+            </a:extLst>
+          </a:blip>
+          <a:srcRect l="716" t="59113" r="41347" b="3383"/>
+          <a:stretch/>
+        </p:blipFill>
+        <p:spPr bwMode="auto">
+          <a:xfrm>
+            <a:off x="4743800" y="1381505"/>
+            <a:ext cx="3879492" cy="2804550"/>
+          </a:xfrm>
+          <a:prstGeom prst="rect">
+            <a:avLst/>
+          </a:prstGeom>
+          <a:noFill/>
+          <a:extLst>
+            <a:ext uri="{909E8E84-426E-40DD-AFC4-6F175D3DCCD1}">
+              <a14:hiddenFill xmlns:a14="http://schemas.microsoft.com/office/drawing/2010/main">
+                <a:solidFill>
+                  <a:srgbClr val="FFFFFF"/>
+                </a:solidFill>
+              </a14:hiddenFill>
+            </a:ext>
+          </a:extLst>
+        </p:spPr>
+      </p:pic>
+    </p:spTree>
+    <p:extLst>
+      <p:ext uri="{BB962C8B-B14F-4D97-AF65-F5344CB8AC3E}">
+        <p14:creationId xmlns:p14="http://schemas.microsoft.com/office/powerpoint/2010/main" val="1422344118"/>
+      </p:ext>
+    </p:extLst>
+  </p:cSld>
+  <p:clrMapOvr>
+    <a:masterClrMapping/>
+  </p:clrMapOvr>
+  <p:timing>
+    <p:tnLst>
+      <p:par>
+        <p:cTn id="1" dur="indefinite" restart="never" nodeType="tmRoot"/>
+      </p:par>
+    </p:tnLst>
+  </p:timing>
+</p:sld>
+</file>
+
+<file path=ppt/slides/slide12.xml><?xml version="1.0" encoding="utf-8"?>
+<p:sld xmlns:a="http://schemas.openxmlformats.org/drawingml/2006/main" xmlns:r="http://schemas.openxmlformats.org/officeDocument/2006/relationships" xmlns:p="http://schemas.openxmlformats.org/presentationml/2006/main">
+  <p:cSld>
+    <p:spTree>
+      <p:nvGrpSpPr>
+        <p:cNvPr id="1" name=""/>
+        <p:cNvGrpSpPr/>
+        <p:nvPr/>
+      </p:nvGrpSpPr>
+      <p:grpSpPr>
+        <a:xfrm>
+          <a:off x="0" y="0"/>
+          <a:ext cx="0" cy="0"/>
+          <a:chOff x="0" y="0"/>
+          <a:chExt cx="0" cy="0"/>
+        </a:xfrm>
+      </p:grpSpPr>
+      <p:sp>
+        <p:nvSpPr>
           <p:cNvPr id="2" name="Titel 1">
             <a:extLst>
               <a:ext uri="{FF2B5EF4-FFF2-40B4-BE49-F238E27FC236}">
-                <a16:creationId xmlns="" xmlns:a16="http://schemas.microsoft.com/office/drawing/2014/main" id="{3BD06130-7454-483B-82E8-3B325B7F5FA6}"/>
+                <a16:creationId xmlns:a16="http://schemas.microsoft.com/office/drawing/2014/main" xmlns="" id="{3BD06130-7454-483B-82E8-3B325B7F5FA6}"/>
               </a:ext>
             </a:extLst>
           </p:cNvPr>
@@ -15200,7 +15660,7 @@
           <p:cNvPr id="3" name="Tijdelijke aanduiding voor inhoud 2">
             <a:extLst>
               <a:ext uri="{FF2B5EF4-FFF2-40B4-BE49-F238E27FC236}">
-                <a16:creationId xmlns="" xmlns:a16="http://schemas.microsoft.com/office/drawing/2014/main" id="{16182D30-848C-4CA3-810D-C0E20F0E9986}"/>
+                <a16:creationId xmlns:a16="http://schemas.microsoft.com/office/drawing/2014/main" xmlns="" id="{16182D30-848C-4CA3-810D-C0E20F0E9986}"/>
               </a:ext>
             </a:extLst>
           </p:cNvPr>
@@ -15225,11 +15685,7 @@
           <a:p>
             <a:r>
               <a:rPr lang="nl-NL" sz="2200" dirty="0" smtClean="0"/>
-              <a:t>[NOG TOEVOEGEN</a:t>
-            </a:r>
-            <a:r>
-              <a:rPr lang="nl-NL" sz="2200" dirty="0" smtClean="0"/>
-              <a:t>]</a:t>
+              <a:t>[NOG TOEVOEGEN]</a:t>
             </a:r>
           </a:p>
           <a:p>
@@ -15269,11 +15725,7 @@
             </a:r>
             <a:r>
               <a:rPr lang="nl-NL" sz="2200" dirty="0" err="1" smtClean="0"/>
-              <a:t>O</a:t>
-            </a:r>
-            <a:r>
-              <a:rPr lang="nl-NL" sz="2200" dirty="0" err="1" smtClean="0"/>
-              <a:t>ptimization</a:t>
+              <a:t>Optimization</a:t>
             </a:r>
             <a:r>
               <a:rPr lang="nl-NL" sz="2200" dirty="0" smtClean="0"/>
@@ -15325,7 +15777,6 @@
               <a:rPr lang="nl-NL" sz="2200" dirty="0" smtClean="0"/>
               <a:t> on different genres</a:t>
             </a:r>
-            <a:endParaRPr lang="nl-NL" sz="2200" dirty="0" smtClean="0"/>
           </a:p>
         </p:txBody>
       </p:sp>
@@ -15349,7 +15800,7 @@
 </p:sld>
 </file>
 
-<file path=ppt/slides/slide11.xml><?xml version="1.0" encoding="utf-8"?>
+<file path=ppt/slides/slide13.xml><?xml version="1.0" encoding="utf-8"?>
 <p:sld xmlns:a="http://schemas.openxmlformats.org/drawingml/2006/main" xmlns:r="http://schemas.openxmlformats.org/officeDocument/2006/relationships" xmlns:p="http://schemas.openxmlformats.org/presentationml/2006/main">
   <p:cSld>
     <p:spTree>
@@ -15933,7 +16384,7 @@
           <p:cNvPr id="2" name="Titel 1">
             <a:extLst>
               <a:ext uri="{FF2B5EF4-FFF2-40B4-BE49-F238E27FC236}">
-                <a16:creationId xmlns="" xmlns:a16="http://schemas.microsoft.com/office/drawing/2014/main" id="{3BD06130-7454-483B-82E8-3B325B7F5FA6}"/>
+                <a16:creationId xmlns:a16="http://schemas.microsoft.com/office/drawing/2014/main" xmlns="" id="{3BD06130-7454-483B-82E8-3B325B7F5FA6}"/>
               </a:ext>
             </a:extLst>
           </p:cNvPr>
@@ -15962,7 +16413,7 @@
           <p:cNvPr id="3" name="Tijdelijke aanduiding voor inhoud 2">
             <a:extLst>
               <a:ext uri="{FF2B5EF4-FFF2-40B4-BE49-F238E27FC236}">
-                <a16:creationId xmlns="" xmlns:a16="http://schemas.microsoft.com/office/drawing/2014/main" id="{16182D30-848C-4CA3-810D-C0E20F0E9986}"/>
+                <a16:creationId xmlns:a16="http://schemas.microsoft.com/office/drawing/2014/main" xmlns="" id="{16182D30-848C-4CA3-810D-C0E20F0E9986}"/>
               </a:ext>
             </a:extLst>
           </p:cNvPr>
@@ -16087,7 +16538,7 @@
           <p:cNvPr id="2" name="Titel 1">
             <a:extLst>
               <a:ext uri="{FF2B5EF4-FFF2-40B4-BE49-F238E27FC236}">
-                <a16:creationId xmlns="" xmlns:a16="http://schemas.microsoft.com/office/drawing/2014/main" id="{3BD06130-7454-483B-82E8-3B325B7F5FA6}"/>
+                <a16:creationId xmlns:a16="http://schemas.microsoft.com/office/drawing/2014/main" xmlns="" id="{3BD06130-7454-483B-82E8-3B325B7F5FA6}"/>
               </a:ext>
             </a:extLst>
           </p:cNvPr>
@@ -16116,7 +16567,7 @@
           <p:cNvPr id="3" name="Tijdelijke aanduiding voor inhoud 2">
             <a:extLst>
               <a:ext uri="{FF2B5EF4-FFF2-40B4-BE49-F238E27FC236}">
-                <a16:creationId xmlns="" xmlns:a16="http://schemas.microsoft.com/office/drawing/2014/main" id="{16182D30-848C-4CA3-810D-C0E20F0E9986}"/>
+                <a16:creationId xmlns:a16="http://schemas.microsoft.com/office/drawing/2014/main" xmlns="" id="{16182D30-848C-4CA3-810D-C0E20F0E9986}"/>
               </a:ext>
             </a:extLst>
           </p:cNvPr>
@@ -16204,7 +16655,7 @@
           <p:cNvPr id="4" name="Tijdelijke aanduiding voor inhoud 2">
             <a:extLst>
               <a:ext uri="{FF2B5EF4-FFF2-40B4-BE49-F238E27FC236}">
-                <a16:creationId xmlns="" xmlns:a16="http://schemas.microsoft.com/office/drawing/2014/main" id="{16182D30-848C-4CA3-810D-C0E20F0E9986}"/>
+                <a16:creationId xmlns:a16="http://schemas.microsoft.com/office/drawing/2014/main" xmlns="" id="{16182D30-848C-4CA3-810D-C0E20F0E9986}"/>
               </a:ext>
             </a:extLst>
           </p:cNvPr>
@@ -16764,32 +17215,9 @@
           <a:chExt cx="0" cy="0"/>
         </a:xfrm>
       </p:grpSpPr>
-      <p:sp>
-        <p:nvSpPr>
-          <p:cNvPr id="2" name="Titel 1"/>
-          <p:cNvSpPr>
-            <a:spLocks noGrp="1"/>
-          </p:cNvSpPr>
-          <p:nvPr>
-            <p:ph type="title"/>
-          </p:nvPr>
-        </p:nvSpPr>
-        <p:spPr/>
-        <p:txBody>
-          <a:bodyPr/>
-          <a:lstStyle/>
-          <a:p>
-            <a:r>
-              <a:rPr lang="nl-NL" dirty="0" err="1" smtClean="0"/>
-              <a:t>Results</a:t>
-            </a:r>
-            <a:endParaRPr lang="nl-NL" dirty="0"/>
-          </a:p>
-        </p:txBody>
-      </p:sp>
       <p:pic>
         <p:nvPicPr>
-          <p:cNvPr id="2050" name="Picture 2"/>
+          <p:cNvPr id="1026" name="Picture 2" descr="C:\Users\Eyokiha\Dropbox\Documents\Courses\Master\Blok2\LearningFromData\Final\Dutch.png"/>
           <p:cNvPicPr>
             <a:picLocks noChangeAspect="1" noChangeArrowheads="1"/>
           </p:cNvPicPr>
@@ -16798,66 +17226,83 @@
         <p:blipFill rotWithShape="1">
           <a:blip r:embed="rId3">
             <a:extLst>
-              <a:ext uri="{BEBA8EAE-BF5A-486C-A8C5-ECC9F3942E4B}">
-                <a14:imgProps xmlns:a14="http://schemas.microsoft.com/office/drawing/2010/main">
-                  <a14:imgLayer r:embed="rId4">
-                    <a14:imgEffect>
-                      <a14:sharpenSoften amount="-50000"/>
-                    </a14:imgEffect>
-                  </a14:imgLayer>
-                </a14:imgProps>
-              </a:ext>
               <a:ext uri="{28A0092B-C50C-407E-A947-70E740481C1C}">
                 <a14:useLocalDpi xmlns:a14="http://schemas.microsoft.com/office/drawing/2010/main" val="0"/>
               </a:ext>
             </a:extLst>
           </a:blip>
-          <a:srcRect l="49832" b="10714"/>
+          <a:srcRect l="900" r="42213" b="10497"/>
           <a:stretch/>
         </p:blipFill>
         <p:spPr bwMode="auto">
           <a:xfrm>
-            <a:off x="2411760" y="2110963"/>
-            <a:ext cx="3960440" cy="4087817"/>
+            <a:off x="2354209" y="1159000"/>
+            <a:ext cx="4003533" cy="1888984"/>
           </a:xfrm>
           <a:prstGeom prst="rect">
             <a:avLst/>
           </a:prstGeom>
           <a:noFill/>
-          <a:ln>
-            <a:noFill/>
-          </a:ln>
           <a:extLst>
             <a:ext uri="{909E8E84-426E-40DD-AFC4-6F175D3DCCD1}">
               <a14:hiddenFill xmlns:a14="http://schemas.microsoft.com/office/drawing/2010/main">
                 <a:solidFill>
-                  <a:schemeClr val="accent1"/>
+                  <a:srgbClr val="FFFFFF"/>
                 </a:solidFill>
               </a14:hiddenFill>
             </a:ext>
-            <a:ext uri="{91240B29-F687-4F45-9708-019B960494DF}">
-              <a14:hiddenLine xmlns:a14="http://schemas.microsoft.com/office/drawing/2010/main" w="9525">
+          </a:extLst>
+        </p:spPr>
+      </p:pic>
+      <p:pic>
+        <p:nvPicPr>
+          <p:cNvPr id="1027" name="Picture 3" descr="C:\Users\Eyokiha\Dropbox\Documents\Courses\Master\Blok2\LearningFromData\Final\Italian.png"/>
+          <p:cNvPicPr>
+            <a:picLocks noChangeAspect="1" noChangeArrowheads="1"/>
+          </p:cNvPicPr>
+          <p:nvPr/>
+        </p:nvPicPr>
+        <p:blipFill rotWithShape="1">
+          <a:blip r:embed="rId4">
+            <a:extLst>
+              <a:ext uri="{28A0092B-C50C-407E-A947-70E740481C1C}">
+                <a14:useLocalDpi xmlns:a14="http://schemas.microsoft.com/office/drawing/2010/main" val="0"/>
+              </a:ext>
+            </a:extLst>
+          </a:blip>
+          <a:srcRect l="985" r="41214" b="11446"/>
+          <a:stretch/>
+        </p:blipFill>
+        <p:spPr bwMode="auto">
+          <a:xfrm>
+            <a:off x="2267744" y="3546948"/>
+            <a:ext cx="4111428" cy="1888984"/>
+          </a:xfrm>
+          <a:prstGeom prst="rect">
+            <a:avLst/>
+          </a:prstGeom>
+          <a:noFill/>
+          <a:extLst>
+            <a:ext uri="{909E8E84-426E-40DD-AFC4-6F175D3DCCD1}">
+              <a14:hiddenFill xmlns:a14="http://schemas.microsoft.com/office/drawing/2010/main">
                 <a:solidFill>
-                  <a:schemeClr val="tx1"/>
+                  <a:srgbClr val="FFFFFF"/>
                 </a:solidFill>
-                <a:miter lim="800000"/>
-                <a:headEnd/>
-                <a:tailEnd/>
-              </a14:hiddenLine>
+              </a14:hiddenFill>
             </a:ext>
           </a:extLst>
         </p:spPr>
       </p:pic>
       <p:sp>
         <p:nvSpPr>
-          <p:cNvPr id="3" name="Tekstvak 2"/>
+          <p:cNvPr id="5" name="Tekstvak 4"/>
           <p:cNvSpPr txBox="1"/>
           <p:nvPr/>
         </p:nvSpPr>
         <p:spPr>
           <a:xfrm>
-            <a:off x="2411760" y="6198781"/>
-            <a:ext cx="3888432" cy="276999"/>
+            <a:off x="3923004" y="3047984"/>
+            <a:ext cx="865943" cy="369332"/>
           </a:xfrm>
           <a:prstGeom prst="rect">
             <a:avLst/>
@@ -16865,21 +17310,46 @@
           <a:noFill/>
         </p:spPr>
         <p:txBody>
-          <a:bodyPr wrap="square" rtlCol="0">
+          <a:bodyPr wrap="none" rtlCol="0">
             <a:spAutoFit/>
           </a:bodyPr>
           <a:lstStyle/>
           <a:p>
-            <a:pPr algn="ctr"/>
             <a:r>
-              <a:rPr lang="nl-NL" sz="1200" b="1" dirty="0" err="1" smtClean="0"/>
-              <a:t>Results</a:t>
+              <a:rPr lang="nl-NL" dirty="0" smtClean="0"/>
+              <a:t>Dutch</a:t>
             </a:r>
+            <a:endParaRPr lang="nl-NL" dirty="0"/>
+          </a:p>
+        </p:txBody>
+      </p:sp>
+      <p:sp>
+        <p:nvSpPr>
+          <p:cNvPr id="6" name="Tekstvak 5"/>
+          <p:cNvSpPr txBox="1"/>
+          <p:nvPr/>
+        </p:nvSpPr>
+        <p:spPr>
+          <a:xfrm>
+            <a:off x="3891288" y="5435932"/>
+            <a:ext cx="864339" cy="369332"/>
+          </a:xfrm>
+          <a:prstGeom prst="rect">
+            <a:avLst/>
+          </a:prstGeom>
+          <a:noFill/>
+        </p:spPr>
+        <p:txBody>
+          <a:bodyPr wrap="none" rtlCol="0">
+            <a:spAutoFit/>
+          </a:bodyPr>
+          <a:lstStyle/>
+          <a:p>
             <a:r>
-              <a:rPr lang="nl-NL" sz="1200" b="1" dirty="0" smtClean="0"/>
-              <a:t> test set</a:t>
+              <a:rPr lang="nl-NL" dirty="0" err="1" smtClean="0"/>
+              <a:t>Italian</a:t>
             </a:r>
-            <a:endParaRPr lang="nl-NL" sz="1200" b="1" dirty="0"/>
+            <a:endParaRPr lang="nl-NL" dirty="0"/>
           </a:p>
         </p:txBody>
       </p:sp>

--- a/Presentation.pptx
+++ b/Presentation.pptx
@@ -121,7 +121,7 @@
   </p:defaultTextStyle>
   <p:extLst>
     <p:ext uri="{EFAFB233-063F-42B5-8137-9DF3F51BA10A}">
-      <p15:sldGuideLst xmlns:p15="http://schemas.microsoft.com/office/powerpoint/2012/main" xmlns="">
+      <p15:sldGuideLst xmlns:p15="http://schemas.microsoft.com/office/powerpoint/2012/main">
         <p15:guide id="1" orient="horz" pos="2160">
           <p15:clr>
             <a:srgbClr val="A4A3A4"/>
@@ -15252,7 +15252,7 @@
           <a:lstStyle/>
           <a:p>
             <a:r>
-              <a:rPr lang="en-US" sz="3100" dirty="0" smtClean="0"/>
+              <a:rPr lang="en-US" sz="3100" dirty="0"/>
               <a:t>LFD Final Project</a:t>
             </a:r>
             <a:endParaRPr lang="nl-NL" dirty="0"/>
@@ -15283,18 +15283,14 @@
           </a:p>
           <a:p>
             <a:r>
-              <a:rPr lang="nl-NL" dirty="0" smtClean="0"/>
+              <a:rPr lang="nl-NL" dirty="0"/>
               <a:t>Daphne Groot</a:t>
             </a:r>
           </a:p>
           <a:p>
             <a:r>
-              <a:rPr lang="nl-NL" dirty="0" smtClean="0"/>
-              <a:t>Hennie </a:t>
-            </a:r>
-            <a:r>
               <a:rPr lang="nl-NL" dirty="0"/>
-              <a:t>Veldthuis</a:t>
+              <a:t>Hennie Veldthuis</a:t>
             </a:r>
           </a:p>
         </p:txBody>
@@ -15309,13 +15305,6 @@
   <p:clrMapOvr>
     <a:masterClrMapping/>
   </p:clrMapOvr>
-  <p:timing>
-    <p:tnLst>
-      <p:par>
-        <p:cTn id="1" dur="indefinite" restart="never" nodeType="tmRoot"/>
-      </p:par>
-    </p:tnLst>
-  </p:timing>
 </p:sld>
 </file>
 
@@ -15359,10 +15348,9 @@
           <a:lstStyle/>
           <a:p>
             <a:r>
-              <a:rPr lang="nl-NL" dirty="0" smtClean="0"/>
+              <a:rPr lang="nl-NL" dirty="0"/>
               <a:t>Spanish</a:t>
             </a:r>
-            <a:endParaRPr lang="nl-NL" dirty="0"/>
           </a:p>
         </p:txBody>
       </p:sp>
@@ -15454,13 +15442,6 @@
   <p:clrMapOvr>
     <a:masterClrMapping/>
   </p:clrMapOvr>
-  <p:timing>
-    <p:tnLst>
-      <p:par>
-        <p:cTn id="1" dur="indefinite" restart="never" nodeType="tmRoot"/>
-      </p:par>
-    </p:tnLst>
-  </p:timing>
 </p:sld>
 </file>
 
@@ -15504,10 +15485,9 @@
           <a:lstStyle/>
           <a:p>
             <a:r>
-              <a:rPr lang="nl-NL" dirty="0" smtClean="0"/>
+              <a:rPr lang="nl-NL" dirty="0"/>
               <a:t>English</a:t>
             </a:r>
-            <a:endParaRPr lang="nl-NL" dirty="0"/>
           </a:p>
         </p:txBody>
       </p:sp>
@@ -15599,13 +15579,6 @@
   <p:clrMapOvr>
     <a:masterClrMapping/>
   </p:clrMapOvr>
-  <p:timing>
-    <p:tnLst>
-      <p:par>
-        <p:cTn id="1" dur="indefinite" restart="never" nodeType="tmRoot"/>
-      </p:par>
-    </p:tnLst>
-  </p:timing>
 </p:sld>
 </file>
 
@@ -15631,7 +15604,7 @@
           <p:cNvPr id="2" name="Titel 1">
             <a:extLst>
               <a:ext uri="{FF2B5EF4-FFF2-40B4-BE49-F238E27FC236}">
-                <a16:creationId xmlns:a16="http://schemas.microsoft.com/office/drawing/2014/main" xmlns="" id="{3BD06130-7454-483B-82E8-3B325B7F5FA6}"/>
+                <a16:creationId xmlns:a16="http://schemas.microsoft.com/office/drawing/2014/main" id="{3BD06130-7454-483B-82E8-3B325B7F5FA6}"/>
               </a:ext>
             </a:extLst>
           </p:cNvPr>
@@ -15648,7 +15621,7 @@
           <a:lstStyle/>
           <a:p>
             <a:r>
-              <a:rPr lang="nl-NL" dirty="0" err="1" smtClean="0"/>
+              <a:rPr lang="nl-NL" dirty="0" err="1"/>
               <a:t>Conclusion</a:t>
             </a:r>
             <a:endParaRPr lang="nl-NL" dirty="0"/>
@@ -15660,7 +15633,7 @@
           <p:cNvPr id="3" name="Tijdelijke aanduiding voor inhoud 2">
             <a:extLst>
               <a:ext uri="{FF2B5EF4-FFF2-40B4-BE49-F238E27FC236}">
-                <a16:creationId xmlns:a16="http://schemas.microsoft.com/office/drawing/2014/main" xmlns="" id="{16182D30-848C-4CA3-810D-C0E20F0E9986}"/>
+                <a16:creationId xmlns:a16="http://schemas.microsoft.com/office/drawing/2014/main" id="{16182D30-848C-4CA3-810D-C0E20F0E9986}"/>
               </a:ext>
             </a:extLst>
           </p:cNvPr>
@@ -15684,7 +15657,7 @@
           <a:lstStyle/>
           <a:p>
             <a:r>
-              <a:rPr lang="nl-NL" sz="2200" dirty="0" smtClean="0"/>
+              <a:rPr lang="nl-NL" sz="2200" dirty="0"/>
               <a:t>[NOG TOEVOEGEN]</a:t>
             </a:r>
           </a:p>
@@ -15692,89 +15665,81 @@
             <a:endParaRPr lang="nl-NL" sz="2200" dirty="0"/>
           </a:p>
           <a:p>
-            <a:endParaRPr lang="nl-NL" sz="2200" dirty="0" smtClean="0"/>
-          </a:p>
-          <a:p>
             <a:endParaRPr lang="nl-NL" sz="2200" dirty="0"/>
           </a:p>
           <a:p>
-            <a:endParaRPr lang="nl-NL" sz="2200" dirty="0" smtClean="0"/>
-          </a:p>
-          <a:p>
-            <a:endParaRPr lang="nl-NL" sz="2200" dirty="0" smtClean="0"/>
-          </a:p>
-          <a:p>
             <a:endParaRPr lang="nl-NL" sz="2200" dirty="0"/>
           </a:p>
           <a:p>
+            <a:endParaRPr lang="nl-NL" sz="2200" dirty="0"/>
+          </a:p>
+          <a:p>
+            <a:endParaRPr lang="nl-NL" sz="2200" dirty="0"/>
+          </a:p>
+          <a:p>
+            <a:endParaRPr lang="nl-NL" sz="2200" dirty="0"/>
+          </a:p>
+          <a:p>
             <a:r>
-              <a:rPr lang="nl-NL" sz="2200" dirty="0" err="1" smtClean="0"/>
+              <a:rPr lang="nl-NL" sz="2200" dirty="0" err="1"/>
               <a:t>Future</a:t>
             </a:r>
             <a:r>
-              <a:rPr lang="nl-NL" sz="2200" dirty="0" smtClean="0"/>
+              <a:rPr lang="nl-NL" sz="2200" dirty="0"/>
               <a:t> </a:t>
             </a:r>
             <a:r>
-              <a:rPr lang="nl-NL" sz="2200" dirty="0" err="1" smtClean="0"/>
+              <a:rPr lang="nl-NL" sz="2200" dirty="0" err="1"/>
               <a:t>work</a:t>
             </a:r>
             <a:r>
-              <a:rPr lang="nl-NL" sz="2200" dirty="0" smtClean="0"/>
+              <a:rPr lang="nl-NL" sz="2200" dirty="0"/>
               <a:t>: 	</a:t>
             </a:r>
             <a:r>
-              <a:rPr lang="nl-NL" sz="2200" dirty="0" err="1" smtClean="0"/>
+              <a:rPr lang="nl-NL" sz="2200" dirty="0" err="1"/>
               <a:t>Optimization</a:t>
             </a:r>
             <a:r>
-              <a:rPr lang="nl-NL" sz="2200" dirty="0" smtClean="0"/>
+              <a:rPr lang="nl-NL" sz="2200" dirty="0"/>
               <a:t> per </a:t>
             </a:r>
             <a:r>
-              <a:rPr lang="nl-NL" sz="2200" dirty="0" err="1" smtClean="0"/>
+              <a:rPr lang="nl-NL" sz="2200" dirty="0" err="1"/>
               <a:t>language</a:t>
-            </a:r>
-            <a:r>
-              <a:rPr lang="nl-NL" sz="2200" dirty="0" smtClean="0"/>
-              <a:t/>
-            </a:r>
-            <a:br>
-              <a:rPr lang="nl-NL" sz="2200" dirty="0" smtClean="0"/>
-            </a:br>
-            <a:r>
-              <a:rPr lang="nl-NL" sz="2200" dirty="0" smtClean="0"/>
-              <a:t>		    	Advanced </a:t>
-            </a:r>
-            <a:r>
-              <a:rPr lang="nl-NL" sz="2200" dirty="0" err="1" smtClean="0"/>
-              <a:t>neural</a:t>
-            </a:r>
-            <a:r>
-              <a:rPr lang="nl-NL" sz="2200" dirty="0" smtClean="0"/>
-              <a:t> </a:t>
-            </a:r>
-            <a:r>
-              <a:rPr lang="nl-NL" sz="2200" dirty="0" err="1" smtClean="0"/>
-              <a:t>networks</a:t>
-            </a:r>
-            <a:r>
-              <a:rPr lang="nl-NL" sz="2200" dirty="0"/>
-              <a:t/>
             </a:r>
             <a:br>
               <a:rPr lang="nl-NL" sz="2200" dirty="0"/>
             </a:br>
             <a:r>
-              <a:rPr lang="nl-NL" sz="2200" dirty="0" smtClean="0"/>
+              <a:rPr lang="nl-NL" sz="2200" dirty="0"/>
+              <a:t>		    	Advanced </a:t>
+            </a:r>
+            <a:r>
+              <a:rPr lang="nl-NL" sz="2200" dirty="0" err="1"/>
+              <a:t>neural</a:t>
+            </a:r>
+            <a:r>
+              <a:rPr lang="nl-NL" sz="2200" dirty="0"/>
+              <a:t> </a:t>
+            </a:r>
+            <a:r>
+              <a:rPr lang="nl-NL" sz="2200" dirty="0" err="1"/>
+              <a:t>networks</a:t>
+            </a:r>
+            <a:br>
+              <a:rPr lang="nl-NL" sz="2200" dirty="0"/>
+            </a:br>
+            <a:r>
+              <a:rPr lang="nl-NL" sz="2200" dirty="0"/>
               <a:t>			</a:t>
             </a:r>
             <a:r>
-              <a:rPr lang="nl-NL" sz="2200" dirty="0" err="1" smtClean="0"/>
+              <a:rPr lang="nl-NL" sz="2200" dirty="0" err="1"/>
               <a:t>Testing</a:t>
             </a:r>
             <a:r>
-              <a:rPr lang="nl-NL" sz="2200" dirty="0" smtClean="0"/>
+              <a:rPr lang="nl-NL" sz="2200" dirty="0"/>
               <a:t> on different genres</a:t>
             </a:r>
           </a:p>
@@ -15790,13 +15755,6 @@
   <p:clrMapOvr>
     <a:masterClrMapping/>
   </p:clrMapOvr>
-  <p:timing>
-    <p:tnLst>
-      <p:par>
-        <p:cTn id="1" dur="indefinite" restart="never" nodeType="tmRoot"/>
-      </p:par>
-    </p:tnLst>
-  </p:timing>
 </p:sld>
 </file>
 
@@ -15833,14 +15791,13 @@
           <a:lstStyle/>
           <a:p>
             <a:r>
-              <a:rPr lang="nl-NL" dirty="0" err="1" smtClean="0"/>
+              <a:rPr lang="nl-NL" dirty="0" err="1"/>
               <a:t>Questions</a:t>
             </a:r>
             <a:r>
-              <a:rPr lang="nl-NL" dirty="0" smtClean="0"/>
+              <a:rPr lang="nl-NL" dirty="0"/>
               <a:t>?</a:t>
             </a:r>
-            <a:endParaRPr lang="nl-NL" dirty="0"/>
           </a:p>
         </p:txBody>
       </p:sp>
@@ -15854,13 +15811,6 @@
   <p:clrMapOvr>
     <a:masterClrMapping/>
   </p:clrMapOvr>
-  <p:timing>
-    <p:tnLst>
-      <p:par>
-        <p:cTn id="1" dur="indefinite" restart="never" nodeType="tmRoot"/>
-      </p:par>
-    </p:tnLst>
-  </p:timing>
 </p:sld>
 </file>
 
@@ -15897,10 +15847,9 @@
           <a:lstStyle/>
           <a:p>
             <a:r>
-              <a:rPr lang="nl-NL" dirty="0" smtClean="0"/>
+              <a:rPr lang="nl-NL" dirty="0"/>
               <a:t>Intro</a:t>
             </a:r>
-            <a:endParaRPr lang="nl-NL" dirty="0"/>
           </a:p>
         </p:txBody>
       </p:sp>
@@ -15926,26 +15875,18 @@
           </a:bodyPr>
           <a:lstStyle/>
           <a:p>
-            <a:endParaRPr lang="nl-NL" dirty="0" smtClean="0"/>
-          </a:p>
-          <a:p>
             <a:endParaRPr lang="nl-NL" dirty="0"/>
           </a:p>
           <a:p>
-            <a:r>
-              <a:rPr lang="en-US" dirty="0" smtClean="0"/>
-              <a:t>To </a:t>
-            </a:r>
+            <a:endParaRPr lang="nl-NL" dirty="0"/>
+          </a:p>
+          <a:p>
             <a:r>
               <a:rPr lang="en-US" dirty="0"/>
-              <a:t>what extent can we automatically detect the gender and age range of a Twitter user based on a single </a:t>
-            </a:r>
-            <a:r>
-              <a:rPr lang="en-US" dirty="0" smtClean="0"/>
-              <a:t>tweet?</a:t>
+              <a:t>To what extent can we automatically detect the gender and age range of a Twitter user based on a single tweet?</a:t>
             </a:r>
             <a:br>
-              <a:rPr lang="en-US" dirty="0" smtClean="0"/>
+              <a:rPr lang="en-US" dirty="0"/>
             </a:br>
             <a:endParaRPr lang="nl-NL" dirty="0"/>
           </a:p>
@@ -15961,13 +15902,6 @@
   <p:clrMapOvr>
     <a:masterClrMapping/>
   </p:clrMapOvr>
-  <p:timing>
-    <p:tnLst>
-      <p:par>
-        <p:cTn id="1" dur="indefinite" restart="never" nodeType="tmRoot"/>
-      </p:par>
-    </p:tnLst>
-  </p:timing>
 </p:sld>
 </file>
 
@@ -16004,10 +15938,9 @@
           <a:lstStyle/>
           <a:p>
             <a:r>
-              <a:rPr lang="nl-NL" dirty="0" smtClean="0"/>
+              <a:rPr lang="nl-NL" dirty="0"/>
               <a:t>Background</a:t>
             </a:r>
-            <a:endParaRPr lang="nl-NL" dirty="0"/>
           </a:p>
         </p:txBody>
       </p:sp>
@@ -16034,7 +15967,7 @@
           <a:lstStyle/>
           <a:p>
             <a:r>
-              <a:rPr lang="nl-NL" dirty="0" smtClean="0"/>
+              <a:rPr lang="nl-NL" dirty="0"/>
               <a:t>[NOG TOEVOEGEN]</a:t>
             </a:r>
           </a:p>
@@ -16050,13 +15983,6 @@
   <p:clrMapOvr>
     <a:masterClrMapping/>
   </p:clrMapOvr>
-  <p:timing>
-    <p:tnLst>
-      <p:par>
-        <p:cTn id="1" dur="indefinite" restart="never" nodeType="tmRoot"/>
-      </p:par>
-    </p:tnLst>
-  </p:timing>
 </p:sld>
 </file>
 
@@ -16093,10 +16019,9 @@
           <a:lstStyle/>
           <a:p>
             <a:r>
-              <a:rPr lang="nl-NL" dirty="0" smtClean="0"/>
+              <a:rPr lang="nl-NL" dirty="0"/>
               <a:t>Data</a:t>
             </a:r>
-            <a:endParaRPr lang="nl-NL" dirty="0"/>
           </a:p>
         </p:txBody>
       </p:sp>
@@ -16118,51 +16043,47 @@
           <a:lstStyle/>
           <a:p>
             <a:r>
-              <a:rPr lang="nl-NL" dirty="0" smtClean="0"/>
+              <a:rPr lang="nl-NL" dirty="0"/>
               <a:t>English, Spanish, </a:t>
             </a:r>
             <a:r>
-              <a:rPr lang="nl-NL" dirty="0" err="1" smtClean="0"/>
+              <a:rPr lang="nl-NL" dirty="0" err="1"/>
               <a:t>Italian</a:t>
             </a:r>
             <a:r>
-              <a:rPr lang="nl-NL" dirty="0" smtClean="0"/>
+              <a:rPr lang="nl-NL" dirty="0"/>
               <a:t> </a:t>
             </a:r>
             <a:r>
-              <a:rPr lang="nl-NL" dirty="0" err="1" smtClean="0"/>
+              <a:rPr lang="nl-NL" dirty="0" err="1"/>
               <a:t>and</a:t>
             </a:r>
             <a:r>
-              <a:rPr lang="nl-NL" dirty="0" smtClean="0"/>
+              <a:rPr lang="nl-NL" dirty="0"/>
               <a:t> Dutch tweets</a:t>
-            </a:r>
-            <a:r>
-              <a:rPr lang="nl-NL" dirty="0"/>
-              <a:t/>
             </a:r>
             <a:br>
               <a:rPr lang="nl-NL" dirty="0"/>
             </a:br>
-            <a:endParaRPr lang="nl-NL" dirty="0" smtClean="0"/>
+            <a:endParaRPr lang="nl-NL" dirty="0"/>
           </a:p>
           <a:p>
             <a:r>
-              <a:rPr lang="nl-NL" dirty="0" smtClean="0"/>
+              <a:rPr lang="nl-NL" dirty="0"/>
               <a:t>Age (18-24, 25-34, 35-49, 50-XX)</a:t>
             </a:r>
           </a:p>
           <a:p>
             <a:r>
-              <a:rPr lang="nl-NL" dirty="0" smtClean="0"/>
+              <a:rPr lang="nl-NL" dirty="0"/>
               <a:t>Gender (male/</a:t>
             </a:r>
             <a:r>
-              <a:rPr lang="nl-NL" dirty="0" err="1" smtClean="0"/>
+              <a:rPr lang="nl-NL" dirty="0" err="1"/>
               <a:t>female</a:t>
             </a:r>
             <a:r>
-              <a:rPr lang="nl-NL" dirty="0" smtClean="0"/>
+              <a:rPr lang="nl-NL" dirty="0"/>
               <a:t>)</a:t>
             </a:r>
           </a:p>
@@ -16238,13 +16159,6 @@
   <p:clrMapOvr>
     <a:masterClrMapping/>
   </p:clrMapOvr>
-  <p:timing>
-    <p:tnLst>
-      <p:par>
-        <p:cTn id="1" dur="indefinite" restart="never" nodeType="tmRoot"/>
-      </p:par>
-    </p:tnLst>
-  </p:timing>
 </p:sld>
 </file>
 
@@ -16281,10 +16195,9 @@
           <a:lstStyle/>
           <a:p>
             <a:r>
-              <a:rPr lang="nl-NL" dirty="0" smtClean="0"/>
+              <a:rPr lang="nl-NL" dirty="0"/>
               <a:t>Data</a:t>
             </a:r>
-            <a:endParaRPr lang="nl-NL" dirty="0"/>
           </a:p>
         </p:txBody>
       </p:sp>
@@ -16352,13 +16265,6 @@
   <p:clrMapOvr>
     <a:masterClrMapping/>
   </p:clrMapOvr>
-  <p:timing>
-    <p:tnLst>
-      <p:par>
-        <p:cTn id="1" dur="indefinite" restart="never" nodeType="tmRoot"/>
-      </p:par>
-    </p:tnLst>
-  </p:timing>
 </p:sld>
 </file>
 
@@ -16384,7 +16290,7 @@
           <p:cNvPr id="2" name="Titel 1">
             <a:extLst>
               <a:ext uri="{FF2B5EF4-FFF2-40B4-BE49-F238E27FC236}">
-                <a16:creationId xmlns:a16="http://schemas.microsoft.com/office/drawing/2014/main" xmlns="" id="{3BD06130-7454-483B-82E8-3B325B7F5FA6}"/>
+                <a16:creationId xmlns:a16="http://schemas.microsoft.com/office/drawing/2014/main" id="{3BD06130-7454-483B-82E8-3B325B7F5FA6}"/>
               </a:ext>
             </a:extLst>
           </p:cNvPr>
@@ -16401,10 +16307,9 @@
           <a:lstStyle/>
           <a:p>
             <a:r>
-              <a:rPr lang="nl-NL" dirty="0" smtClean="0"/>
+              <a:rPr lang="nl-NL" dirty="0"/>
               <a:t>Method</a:t>
             </a:r>
-            <a:endParaRPr lang="nl-NL" dirty="0"/>
           </a:p>
         </p:txBody>
       </p:sp>
@@ -16413,7 +16318,7 @@
           <p:cNvPr id="3" name="Tijdelijke aanduiding voor inhoud 2">
             <a:extLst>
               <a:ext uri="{FF2B5EF4-FFF2-40B4-BE49-F238E27FC236}">
-                <a16:creationId xmlns:a16="http://schemas.microsoft.com/office/drawing/2014/main" xmlns="" id="{16182D30-848C-4CA3-810D-C0E20F0E9986}"/>
+                <a16:creationId xmlns:a16="http://schemas.microsoft.com/office/drawing/2014/main" id="{16182D30-848C-4CA3-810D-C0E20F0E9986}"/>
               </a:ext>
             </a:extLst>
           </p:cNvPr>
@@ -16432,61 +16337,37 @@
           <a:lstStyle/>
           <a:p>
             <a:r>
-              <a:rPr lang="en-US" dirty="0" smtClean="0"/>
-              <a:t>Baseline: most common </a:t>
+              <a:rPr lang="en-US" dirty="0"/>
+              <a:t>Baseline: most common gender or age</a:t>
             </a:r>
+          </a:p>
+          <a:p>
+            <a:endParaRPr lang="en-US" dirty="0"/>
+          </a:p>
+          <a:p>
             <a:r>
               <a:rPr lang="en-US" dirty="0"/>
-              <a:t>gender or </a:t>
-            </a:r>
-            <a:r>
-              <a:rPr lang="en-US" dirty="0" smtClean="0"/>
-              <a:t>age</a:t>
-            </a:r>
-          </a:p>
-          <a:p>
-            <a:endParaRPr lang="en-US" dirty="0"/>
-          </a:p>
-          <a:p>
-            <a:r>
-              <a:rPr lang="en-US" dirty="0" smtClean="0"/>
               <a:t>2 SVM models (age and gender)</a:t>
             </a:r>
           </a:p>
           <a:p>
             <a:r>
-              <a:rPr lang="en-US" dirty="0" smtClean="0"/>
-              <a:t>word </a:t>
+              <a:rPr lang="en-US" dirty="0"/>
+              <a:t>word n-gram range of 1-2</a:t>
             </a:r>
+          </a:p>
+          <a:p>
             <a:r>
               <a:rPr lang="en-US" dirty="0"/>
-              <a:t>n-gram range of </a:t>
+              <a:t>character  n-gram range of 3-5</a:t>
             </a:r>
+          </a:p>
+          <a:p>
             <a:r>
-              <a:rPr lang="en-US" dirty="0" smtClean="0"/>
-              <a:t>1-2</a:t>
-            </a:r>
-          </a:p>
-          <a:p>
-            <a:r>
-              <a:rPr lang="en-US" dirty="0" smtClean="0"/>
-              <a:t>character  n-gram </a:t>
-            </a:r>
-            <a:r>
-              <a:rPr lang="en-US" dirty="0"/>
-              <a:t>range of </a:t>
-            </a:r>
-            <a:r>
-              <a:rPr lang="en-US" dirty="0" smtClean="0"/>
-              <a:t>3-5</a:t>
-            </a:r>
-          </a:p>
-          <a:p>
-            <a:r>
-              <a:rPr lang="en-US" dirty="0" err="1" smtClean="0"/>
+              <a:rPr lang="en-US" dirty="0" err="1"/>
               <a:t>linearSVC</a:t>
             </a:r>
-            <a:endParaRPr lang="en-US" dirty="0" smtClean="0"/>
+            <a:endParaRPr lang="en-US" dirty="0"/>
           </a:p>
           <a:p>
             <a:endParaRPr lang="en-US" dirty="0"/>
@@ -16506,13 +16387,6 @@
   <p:clrMapOvr>
     <a:masterClrMapping/>
   </p:clrMapOvr>
-  <p:timing>
-    <p:tnLst>
-      <p:par>
-        <p:cTn id="1" dur="indefinite" restart="never" nodeType="tmRoot"/>
-      </p:par>
-    </p:tnLst>
-  </p:timing>
 </p:sld>
 </file>
 
@@ -16538,7 +16412,7 @@
           <p:cNvPr id="2" name="Titel 1">
             <a:extLst>
               <a:ext uri="{FF2B5EF4-FFF2-40B4-BE49-F238E27FC236}">
-                <a16:creationId xmlns:a16="http://schemas.microsoft.com/office/drawing/2014/main" xmlns="" id="{3BD06130-7454-483B-82E8-3B325B7F5FA6}"/>
+                <a16:creationId xmlns:a16="http://schemas.microsoft.com/office/drawing/2014/main" id="{3BD06130-7454-483B-82E8-3B325B7F5FA6}"/>
               </a:ext>
             </a:extLst>
           </p:cNvPr>
@@ -16555,10 +16429,9 @@
           <a:lstStyle/>
           <a:p>
             <a:r>
-              <a:rPr lang="nl-NL" dirty="0" smtClean="0"/>
+              <a:rPr lang="nl-NL" dirty="0"/>
               <a:t>Method</a:t>
             </a:r>
-            <a:endParaRPr lang="nl-NL" dirty="0"/>
           </a:p>
         </p:txBody>
       </p:sp>
@@ -16567,7 +16440,7 @@
           <p:cNvPr id="3" name="Tijdelijke aanduiding voor inhoud 2">
             <a:extLst>
               <a:ext uri="{FF2B5EF4-FFF2-40B4-BE49-F238E27FC236}">
-                <a16:creationId xmlns:a16="http://schemas.microsoft.com/office/drawing/2014/main" xmlns="" id="{16182D30-848C-4CA3-810D-C0E20F0E9986}"/>
+                <a16:creationId xmlns:a16="http://schemas.microsoft.com/office/drawing/2014/main" id="{16182D30-848C-4CA3-810D-C0E20F0E9986}"/>
               </a:ext>
             </a:extLst>
           </p:cNvPr>
@@ -16591,60 +16464,60 @@
           <a:lstStyle/>
           <a:p>
             <a:r>
-              <a:rPr lang="en-US" sz="2000" dirty="0" err="1" smtClean="0"/>
+              <a:rPr lang="en-US" sz="2000" dirty="0" err="1"/>
               <a:t>TweetTokenizer</a:t>
             </a:r>
             <a:endParaRPr lang="en-US" sz="2000" dirty="0"/>
           </a:p>
           <a:p>
             <a:r>
-              <a:rPr lang="nl-NL" sz="2000" dirty="0" err="1" smtClean="0"/>
+              <a:rPr lang="nl-NL" sz="2000" dirty="0" err="1"/>
               <a:t>Lemmatizing</a:t>
             </a:r>
             <a:r>
-              <a:rPr lang="nl-NL" sz="2000" dirty="0" smtClean="0"/>
+              <a:rPr lang="nl-NL" sz="2000" dirty="0"/>
               <a:t> &amp; Stemming</a:t>
             </a:r>
           </a:p>
           <a:p>
             <a:r>
-              <a:rPr lang="nl-NL" sz="2000" dirty="0" err="1" smtClean="0"/>
+              <a:rPr lang="nl-NL" sz="2000" dirty="0" err="1"/>
               <a:t>Max_features</a:t>
             </a:r>
             <a:r>
-              <a:rPr lang="nl-NL" sz="2000" dirty="0" smtClean="0"/>
+              <a:rPr lang="nl-NL" sz="2000" dirty="0"/>
               <a:t> = 400000</a:t>
             </a:r>
           </a:p>
           <a:p>
             <a:r>
-              <a:rPr lang="nl-NL" sz="2000" dirty="0" err="1" smtClean="0"/>
+              <a:rPr lang="nl-NL" sz="2000" dirty="0" err="1"/>
               <a:t>Stopwords</a:t>
             </a:r>
-            <a:endParaRPr lang="nl-NL" sz="2000" dirty="0" smtClean="0"/>
-          </a:p>
-          <a:p>
             <a:endParaRPr lang="nl-NL" sz="2000" dirty="0"/>
           </a:p>
           <a:p>
+            <a:endParaRPr lang="nl-NL" sz="2000" dirty="0"/>
+          </a:p>
+          <a:p>
             <a:r>
-              <a:rPr lang="nl-NL" sz="2000" dirty="0" smtClean="0"/>
+              <a:rPr lang="nl-NL" sz="2000" dirty="0"/>
               <a:t>k-</a:t>
             </a:r>
             <a:r>
-              <a:rPr lang="nl-NL" sz="2000" dirty="0" err="1" smtClean="0"/>
+              <a:rPr lang="nl-NL" sz="2000" dirty="0" err="1"/>
               <a:t>Fold</a:t>
             </a:r>
             <a:r>
-              <a:rPr lang="nl-NL" sz="2000" dirty="0" smtClean="0"/>
+              <a:rPr lang="nl-NL" sz="2000" dirty="0"/>
               <a:t> cross </a:t>
             </a:r>
             <a:r>
-              <a:rPr lang="nl-NL" sz="2000" dirty="0" err="1" smtClean="0"/>
+              <a:rPr lang="nl-NL" sz="2000" dirty="0" err="1"/>
               <a:t>validation</a:t>
             </a:r>
             <a:r>
-              <a:rPr lang="nl-NL" sz="2000" dirty="0" smtClean="0"/>
+              <a:rPr lang="nl-NL" sz="2000" dirty="0"/>
               <a:t> (k=5)</a:t>
             </a:r>
           </a:p>
@@ -16655,7 +16528,7 @@
           <p:cNvPr id="4" name="Tijdelijke aanduiding voor inhoud 2">
             <a:extLst>
               <a:ext uri="{FF2B5EF4-FFF2-40B4-BE49-F238E27FC236}">
-                <a16:creationId xmlns:a16="http://schemas.microsoft.com/office/drawing/2014/main" xmlns="" id="{16182D30-848C-4CA3-810D-C0E20F0E9986}"/>
+                <a16:creationId xmlns:a16="http://schemas.microsoft.com/office/drawing/2014/main" id="{16182D30-848C-4CA3-810D-C0E20F0E9986}"/>
               </a:ext>
             </a:extLst>
           </p:cNvPr>
@@ -16855,33 +16728,33 @@
               <a:buNone/>
             </a:pPr>
             <a:r>
-              <a:rPr lang="nl-NL" sz="1600" dirty="0" smtClean="0"/>
+              <a:rPr lang="nl-NL" sz="1600" dirty="0"/>
               <a:t>No </a:t>
             </a:r>
             <a:r>
-              <a:rPr lang="nl-NL" sz="1600" dirty="0" err="1" smtClean="0"/>
+              <a:rPr lang="nl-NL" sz="1600" dirty="0" err="1"/>
               <a:t>improvement</a:t>
             </a:r>
             <a:r>
-              <a:rPr lang="nl-NL" sz="1600" dirty="0" smtClean="0"/>
+              <a:rPr lang="nl-NL" sz="1600" dirty="0"/>
               <a:t> </a:t>
             </a:r>
             <a:r>
-              <a:rPr lang="nl-NL" sz="1600" dirty="0" err="1" smtClean="0"/>
+              <a:rPr lang="nl-NL" sz="1600" dirty="0" err="1"/>
               <a:t>with</a:t>
             </a:r>
             <a:r>
-              <a:rPr lang="nl-NL" sz="1600" dirty="0" smtClean="0"/>
+              <a:rPr lang="nl-NL" sz="1600" dirty="0"/>
               <a:t>:</a:t>
             </a:r>
             <a:br>
-              <a:rPr lang="nl-NL" sz="1600" dirty="0" smtClean="0"/>
+              <a:rPr lang="nl-NL" sz="1600" dirty="0"/>
             </a:br>
-            <a:endParaRPr lang="nl-NL" sz="1600" dirty="0" smtClean="0"/>
+            <a:endParaRPr lang="nl-NL" sz="1600" dirty="0"/>
           </a:p>
           <a:p>
             <a:r>
-              <a:rPr lang="nl-NL" sz="1600" dirty="0" err="1" smtClean="0"/>
+              <a:rPr lang="nl-NL" sz="1600" dirty="0" err="1"/>
               <a:t>POStagging</a:t>
             </a:r>
             <a:endParaRPr lang="nl-NL" sz="1600" dirty="0"/>
@@ -16889,118 +16762,110 @@
           <a:p>
             <a:r>
               <a:rPr lang="nl-NL" sz="1600" dirty="0"/>
-              <a:t>t</a:t>
+              <a:t>tekst </a:t>
             </a:r>
             <a:r>
-              <a:rPr lang="nl-NL" sz="1600" dirty="0" smtClean="0"/>
-              <a:t>ekst </a:t>
+              <a:rPr lang="nl-NL" sz="1600" dirty="0" err="1"/>
+              <a:t>length</a:t>
+            </a:r>
+            <a:endParaRPr lang="nl-NL" sz="1600" dirty="0"/>
+          </a:p>
+          <a:p>
+            <a:r>
+              <a:rPr lang="nl-NL" sz="1600" dirty="0" err="1"/>
+              <a:t>emoticons</a:t>
+            </a:r>
+            <a:endParaRPr lang="nl-NL" sz="1600" dirty="0"/>
+          </a:p>
+          <a:p>
+            <a:r>
+              <a:rPr lang="nl-NL" sz="1600" dirty="0" err="1"/>
+              <a:t>stereotypical</a:t>
             </a:r>
             <a:r>
-              <a:rPr lang="nl-NL" sz="1600" dirty="0" err="1" smtClean="0"/>
-              <a:t>length</a:t>
-            </a:r>
-            <a:endParaRPr lang="nl-NL" sz="1600" dirty="0" smtClean="0"/>
-          </a:p>
-          <a:p>
-            <a:r>
-              <a:rPr lang="nl-NL" sz="1600" dirty="0" err="1" smtClean="0"/>
-              <a:t>emoticons</a:t>
-            </a:r>
-            <a:endParaRPr lang="nl-NL" sz="1600" dirty="0" smtClean="0"/>
-          </a:p>
-          <a:p>
-            <a:r>
-              <a:rPr lang="nl-NL" sz="1600" dirty="0" err="1"/>
-              <a:t>s</a:t>
-            </a:r>
-            <a:r>
-              <a:rPr lang="nl-NL" sz="1600" dirty="0" err="1" smtClean="0"/>
-              <a:t>tereotypical</a:t>
-            </a:r>
-            <a:r>
-              <a:rPr lang="nl-NL" sz="1600" dirty="0" smtClean="0"/>
+              <a:rPr lang="nl-NL" sz="1600" dirty="0"/>
               <a:t> </a:t>
             </a:r>
             <a:r>
-              <a:rPr lang="nl-NL" sz="1600" dirty="0" err="1" smtClean="0"/>
+              <a:rPr lang="nl-NL" sz="1600" dirty="0" err="1"/>
               <a:t>linguistic</a:t>
             </a:r>
             <a:r>
-              <a:rPr lang="nl-NL" sz="1600" dirty="0" smtClean="0"/>
+              <a:rPr lang="nl-NL" sz="1600" dirty="0"/>
               <a:t> features</a:t>
             </a:r>
           </a:p>
           <a:p>
             <a:r>
-              <a:rPr lang="nl-NL" sz="1600" dirty="0" err="1" smtClean="0"/>
+              <a:rPr lang="nl-NL" sz="1600" dirty="0" err="1"/>
               <a:t>binary</a:t>
             </a:r>
             <a:r>
-              <a:rPr lang="nl-NL" sz="1600" dirty="0" smtClean="0"/>
+              <a:rPr lang="nl-NL" sz="1600" dirty="0"/>
               <a:t> = </a:t>
             </a:r>
             <a:r>
-              <a:rPr lang="nl-NL" sz="1600" dirty="0" err="1" smtClean="0"/>
+              <a:rPr lang="nl-NL" sz="1600" dirty="0" err="1"/>
               <a:t>False</a:t>
             </a:r>
-            <a:endParaRPr lang="nl-NL" sz="1600" dirty="0" smtClean="0"/>
+            <a:endParaRPr lang="nl-NL" sz="1600" dirty="0"/>
           </a:p>
           <a:p>
             <a:r>
-              <a:rPr lang="nl-NL" sz="1600" dirty="0" err="1" smtClean="0"/>
+              <a:rPr lang="nl-NL" sz="1600" dirty="0" err="1"/>
               <a:t>lowercase</a:t>
             </a:r>
             <a:r>
-              <a:rPr lang="nl-NL" sz="1600" dirty="0" smtClean="0"/>
+              <a:rPr lang="nl-NL" sz="1600" dirty="0"/>
               <a:t> = True</a:t>
             </a:r>
           </a:p>
           <a:p>
             <a:r>
-              <a:rPr lang="nl-NL" sz="1600" dirty="0" err="1" smtClean="0"/>
+              <a:rPr lang="nl-NL" sz="1600" dirty="0" err="1"/>
               <a:t>strip_accents</a:t>
             </a:r>
-            <a:endParaRPr lang="nl-NL" sz="1600" dirty="0" smtClean="0"/>
+            <a:endParaRPr lang="nl-NL" sz="1600" dirty="0"/>
           </a:p>
           <a:p>
             <a:r>
-              <a:rPr lang="nl-NL" sz="1600" dirty="0" err="1" smtClean="0"/>
+              <a:rPr lang="nl-NL" sz="1600" dirty="0" err="1"/>
               <a:t>min_df</a:t>
             </a:r>
-            <a:endParaRPr lang="nl-NL" sz="1600" dirty="0" smtClean="0"/>
+            <a:endParaRPr lang="nl-NL" sz="1600" dirty="0"/>
           </a:p>
           <a:p>
             <a:r>
-              <a:rPr lang="nl-NL" sz="1600" dirty="0" smtClean="0"/>
+              <a:rPr lang="nl-NL" sz="1600" dirty="0"/>
               <a:t>norm</a:t>
             </a:r>
           </a:p>
           <a:p>
             <a:r>
-              <a:rPr lang="nl-NL" sz="1600" dirty="0" err="1" smtClean="0"/>
+              <a:rPr lang="nl-NL" sz="1600" dirty="0" err="1"/>
               <a:t>sublinear_tf</a:t>
             </a:r>
-            <a:endParaRPr lang="nl-NL" sz="1600" dirty="0" smtClean="0"/>
+            <a:endParaRPr lang="nl-NL" sz="1600" dirty="0"/>
           </a:p>
           <a:p>
             <a:r>
-              <a:rPr lang="nl-NL" sz="1600" dirty="0" err="1" smtClean="0"/>
+              <a:rPr lang="nl-NL" sz="1600" dirty="0" err="1"/>
               <a:t>max_features</a:t>
             </a:r>
-            <a:endParaRPr lang="nl-NL" sz="1600" dirty="0" smtClean="0"/>
+            <a:endParaRPr lang="nl-NL" sz="1600" dirty="0"/>
           </a:p>
           <a:p>
             <a:r>
-              <a:rPr lang="nl-NL" sz="1600" dirty="0" smtClean="0"/>
+              <a:rPr lang="nl-NL" sz="1600" dirty="0"/>
               <a:t>penalty</a:t>
             </a:r>
           </a:p>
           <a:p>
             <a:r>
-              <a:rPr lang="nl-NL" sz="1600" dirty="0" err="1" smtClean="0"/>
+              <a:rPr lang="nl-NL" sz="1600" dirty="0" err="1"/>
               <a:t>multi_class</a:t>
             </a:r>
-            <a:endParaRPr lang="nl-NL" sz="1600" dirty="0" smtClean="0"/>
+            <a:endParaRPr lang="nl-NL" sz="1600" dirty="0"/>
           </a:p>
         </p:txBody>
       </p:sp>
@@ -17014,13 +16879,6 @@
   <p:clrMapOvr>
     <a:masterClrMapping/>
   </p:clrMapOvr>
-  <p:timing>
-    <p:tnLst>
-      <p:par>
-        <p:cTn id="1" dur="indefinite" restart="never" nodeType="tmRoot"/>
-      </p:par>
-    </p:tnLst>
-  </p:timing>
 </p:sld>
 </file>
 
@@ -17057,7 +16915,7 @@
           <a:lstStyle/>
           <a:p>
             <a:r>
-              <a:rPr lang="nl-NL" dirty="0" err="1" smtClean="0"/>
+              <a:rPr lang="nl-NL" dirty="0" err="1"/>
               <a:t>Results</a:t>
             </a:r>
             <a:endParaRPr lang="nl-NL" dirty="0"/>
@@ -17087,42 +16945,33 @@
           <a:lstStyle/>
           <a:p>
             <a:r>
-              <a:rPr lang="nl-NL" sz="1200" b="1" dirty="0" smtClean="0"/>
+              <a:rPr lang="nl-NL" sz="1200" b="1" dirty="0"/>
               <a:t>	</a:t>
             </a:r>
             <a:r>
-              <a:rPr lang="nl-NL" sz="1200" b="1" dirty="0" err="1" smtClean="0"/>
+              <a:rPr lang="nl-NL" sz="1200" b="1" dirty="0" err="1"/>
               <a:t>Results</a:t>
             </a:r>
             <a:r>
-              <a:rPr lang="nl-NL" sz="1200" b="1" dirty="0" smtClean="0"/>
-              <a:t> baseline		</a:t>
+              <a:rPr lang="nl-NL" sz="1200" b="1" dirty="0"/>
+              <a:t> baseline		                </a:t>
+            </a:r>
+            <a:r>
+              <a:rPr lang="nl-NL" sz="1200" b="1" dirty="0" err="1"/>
+              <a:t>Results</a:t>
             </a:r>
             <a:r>
               <a:rPr lang="nl-NL" sz="1200" b="1" dirty="0"/>
-              <a:t> </a:t>
-            </a:r>
-            <a:r>
-              <a:rPr lang="nl-NL" sz="1200" b="1" dirty="0" smtClean="0"/>
-              <a:t>               </a:t>
-            </a:r>
-            <a:r>
-              <a:rPr lang="nl-NL" sz="1200" b="1" dirty="0" err="1" smtClean="0"/>
-              <a:t>Results</a:t>
-            </a:r>
-            <a:r>
-              <a:rPr lang="nl-NL" sz="1200" b="1" dirty="0" smtClean="0"/>
               <a:t> cross </a:t>
             </a:r>
             <a:r>
-              <a:rPr lang="nl-NL" sz="1200" b="1" dirty="0" err="1" smtClean="0"/>
+              <a:rPr lang="nl-NL" sz="1200" b="1" dirty="0" err="1"/>
               <a:t>validation</a:t>
             </a:r>
             <a:r>
-              <a:rPr lang="nl-NL" sz="1200" b="1" dirty="0" smtClean="0"/>
+              <a:rPr lang="nl-NL" sz="1200" b="1" dirty="0"/>
               <a:t> training set</a:t>
             </a:r>
-            <a:endParaRPr lang="nl-NL" sz="1200" b="1" dirty="0"/>
           </a:p>
         </p:txBody>
       </p:sp>
@@ -17188,13 +17037,6 @@
   <p:clrMapOvr>
     <a:masterClrMapping/>
   </p:clrMapOvr>
-  <p:timing>
-    <p:tnLst>
-      <p:par>
-        <p:cTn id="1" dur="indefinite" restart="never" nodeType="tmRoot"/>
-      </p:par>
-    </p:tnLst>
-  </p:timing>
 </p:sld>
 </file>
 
@@ -17236,7 +17078,7 @@
         </p:blipFill>
         <p:spPr bwMode="auto">
           <a:xfrm>
-            <a:off x="2354209" y="1159000"/>
+            <a:off x="2354209" y="1422068"/>
             <a:ext cx="4003533" cy="1888984"/>
           </a:xfrm>
           <a:prstGeom prst="rect">
@@ -17275,7 +17117,7 @@
         </p:blipFill>
         <p:spPr bwMode="auto">
           <a:xfrm>
-            <a:off x="2267744" y="3546948"/>
+            <a:off x="2267744" y="3810016"/>
             <a:ext cx="4111428" cy="1888984"/>
           </a:xfrm>
           <a:prstGeom prst="rect">
@@ -17301,7 +17143,7 @@
         </p:nvSpPr>
         <p:spPr>
           <a:xfrm>
-            <a:off x="3923004" y="3047984"/>
+            <a:off x="3891288" y="1052736"/>
             <a:ext cx="865943" cy="369332"/>
           </a:xfrm>
           <a:prstGeom prst="rect">
@@ -17316,10 +17158,9 @@
           <a:lstStyle/>
           <a:p>
             <a:r>
-              <a:rPr lang="nl-NL" dirty="0" smtClean="0"/>
+              <a:rPr lang="nl-NL" dirty="0"/>
               <a:t>Dutch</a:t>
             </a:r>
-            <a:endParaRPr lang="nl-NL" dirty="0"/>
           </a:p>
         </p:txBody>
       </p:sp>
@@ -17331,7 +17172,7 @@
         </p:nvSpPr>
         <p:spPr>
           <a:xfrm>
-            <a:off x="3891288" y="5435932"/>
+            <a:off x="3891288" y="3440684"/>
             <a:ext cx="864339" cy="369332"/>
           </a:xfrm>
           <a:prstGeom prst="rect">
@@ -17346,7 +17187,7 @@
           <a:lstStyle/>
           <a:p>
             <a:r>
-              <a:rPr lang="nl-NL" dirty="0" err="1" smtClean="0"/>
+              <a:rPr lang="nl-NL" dirty="0" err="1"/>
               <a:t>Italian</a:t>
             </a:r>
             <a:endParaRPr lang="nl-NL" dirty="0"/>
@@ -17363,13 +17204,6 @@
   <p:clrMapOvr>
     <a:masterClrMapping/>
   </p:clrMapOvr>
-  <p:timing>
-    <p:tnLst>
-      <p:par>
-        <p:cTn id="1" dur="indefinite" restart="never" nodeType="tmRoot"/>
-      </p:par>
-    </p:tnLst>
-  </p:timing>
 </p:sld>
 </file>
 

--- a/Presentation.pptx
+++ b/Presentation.pptx
@@ -5,7 +5,7 @@
     <p:sldMasterId id="2147483660" r:id="rId1"/>
   </p:sldMasterIdLst>
   <p:notesMasterIdLst>
-    <p:notesMasterId r:id="rId15"/>
+    <p:notesMasterId r:id="rId20"/>
   </p:notesMasterIdLst>
   <p:sldIdLst>
     <p:sldId id="256" r:id="rId2"/>
@@ -16,11 +16,16 @@
     <p:sldId id="263" r:id="rId7"/>
     <p:sldId id="267" r:id="rId8"/>
     <p:sldId id="266" r:id="rId9"/>
-    <p:sldId id="269" r:id="rId10"/>
-    <p:sldId id="270" r:id="rId11"/>
-    <p:sldId id="271" r:id="rId12"/>
-    <p:sldId id="268" r:id="rId13"/>
-    <p:sldId id="262" r:id="rId14"/>
+    <p:sldId id="272" r:id="rId10"/>
+    <p:sldId id="273" r:id="rId11"/>
+    <p:sldId id="270" r:id="rId12"/>
+    <p:sldId id="274" r:id="rId13"/>
+    <p:sldId id="275" r:id="rId14"/>
+    <p:sldId id="276" r:id="rId15"/>
+    <p:sldId id="277" r:id="rId16"/>
+    <p:sldId id="278" r:id="rId17"/>
+    <p:sldId id="268" r:id="rId18"/>
+    <p:sldId id="262" r:id="rId19"/>
   </p:sldIdLst>
   <p:sldSz cx="9144000" cy="6858000" type="screen4x3"/>
   <p:notesSz cx="6858000" cy="9144000"/>
@@ -649,7 +654,7 @@
     </p:spTree>
     <p:extLst>
       <p:ext uri="{BB962C8B-B14F-4D97-AF65-F5344CB8AC3E}">
-        <p14:creationId xmlns:p14="http://schemas.microsoft.com/office/powerpoint/2010/main" val="741890155"/>
+        <p14:creationId xmlns:p14="http://schemas.microsoft.com/office/powerpoint/2010/main" val="1288295108"/>
       </p:ext>
     </p:extLst>
   </p:cSld>
@@ -817,7 +822,7 @@
     </p:spTree>
     <p:extLst>
       <p:ext uri="{BB962C8B-B14F-4D97-AF65-F5344CB8AC3E}">
-        <p14:creationId xmlns:p14="http://schemas.microsoft.com/office/powerpoint/2010/main" val="3169262235"/>
+        <p14:creationId xmlns:p14="http://schemas.microsoft.com/office/powerpoint/2010/main" val="3081532623"/>
       </p:ext>
     </p:extLst>
   </p:cSld>
@@ -893,6 +898,426 @@
             <a:fld id="{261CDD63-AF9B-4BBE-BAEE-FE96D596103A}" type="slidenum">
               <a:rPr lang="nl-NL" smtClean="0"/>
               <a:t>13</a:t>
+            </a:fld>
+            <a:endParaRPr lang="nl-NL"/>
+          </a:p>
+        </p:txBody>
+      </p:sp>
+    </p:spTree>
+    <p:extLst>
+      <p:ext uri="{BB962C8B-B14F-4D97-AF65-F5344CB8AC3E}">
+        <p14:creationId xmlns:p14="http://schemas.microsoft.com/office/powerpoint/2010/main" val="2503243919"/>
+      </p:ext>
+    </p:extLst>
+  </p:cSld>
+  <p:clrMapOvr>
+    <a:masterClrMapping/>
+  </p:clrMapOvr>
+</p:notes>
+</file>
+
+<file path=ppt/notesSlides/notesSlide14.xml><?xml version="1.0" encoding="utf-8"?>
+<p:notes xmlns:a="http://schemas.openxmlformats.org/drawingml/2006/main" xmlns:r="http://schemas.openxmlformats.org/officeDocument/2006/relationships" xmlns:p="http://schemas.openxmlformats.org/presentationml/2006/main">
+  <p:cSld>
+    <p:spTree>
+      <p:nvGrpSpPr>
+        <p:cNvPr id="1" name=""/>
+        <p:cNvGrpSpPr/>
+        <p:nvPr/>
+      </p:nvGrpSpPr>
+      <p:grpSpPr>
+        <a:xfrm>
+          <a:off x="0" y="0"/>
+          <a:ext cx="0" cy="0"/>
+          <a:chOff x="0" y="0"/>
+          <a:chExt cx="0" cy="0"/>
+        </a:xfrm>
+      </p:grpSpPr>
+      <p:sp>
+        <p:nvSpPr>
+          <p:cNvPr id="2" name="Tijdelijke aanduiding voor dia-afbeelding 1"/>
+          <p:cNvSpPr>
+            <a:spLocks noGrp="1" noRot="1" noChangeAspect="1"/>
+          </p:cNvSpPr>
+          <p:nvPr>
+            <p:ph type="sldImg"/>
+          </p:nvPr>
+        </p:nvSpPr>
+        <p:spPr/>
+      </p:sp>
+      <p:sp>
+        <p:nvSpPr>
+          <p:cNvPr id="3" name="Tijdelijke aanduiding voor notities 2"/>
+          <p:cNvSpPr>
+            <a:spLocks noGrp="1"/>
+          </p:cNvSpPr>
+          <p:nvPr>
+            <p:ph type="body" idx="1"/>
+          </p:nvPr>
+        </p:nvSpPr>
+        <p:spPr/>
+        <p:txBody>
+          <a:bodyPr/>
+          <a:lstStyle/>
+          <a:p>
+            <a:endParaRPr lang="nl-NL" dirty="0"/>
+          </a:p>
+        </p:txBody>
+      </p:sp>
+      <p:sp>
+        <p:nvSpPr>
+          <p:cNvPr id="4" name="Tijdelijke aanduiding voor dianummer 3"/>
+          <p:cNvSpPr>
+            <a:spLocks noGrp="1"/>
+          </p:cNvSpPr>
+          <p:nvPr>
+            <p:ph type="sldNum" sz="quarter" idx="10"/>
+          </p:nvPr>
+        </p:nvSpPr>
+        <p:spPr/>
+        <p:txBody>
+          <a:bodyPr/>
+          <a:lstStyle/>
+          <a:p>
+            <a:fld id="{261CDD63-AF9B-4BBE-BAEE-FE96D596103A}" type="slidenum">
+              <a:rPr lang="nl-NL" smtClean="0"/>
+              <a:t>14</a:t>
+            </a:fld>
+            <a:endParaRPr lang="nl-NL"/>
+          </a:p>
+        </p:txBody>
+      </p:sp>
+    </p:spTree>
+    <p:extLst>
+      <p:ext uri="{BB962C8B-B14F-4D97-AF65-F5344CB8AC3E}">
+        <p14:creationId xmlns:p14="http://schemas.microsoft.com/office/powerpoint/2010/main" val="4059709009"/>
+      </p:ext>
+    </p:extLst>
+  </p:cSld>
+  <p:clrMapOvr>
+    <a:masterClrMapping/>
+  </p:clrMapOvr>
+</p:notes>
+</file>
+
+<file path=ppt/notesSlides/notesSlide15.xml><?xml version="1.0" encoding="utf-8"?>
+<p:notes xmlns:a="http://schemas.openxmlformats.org/drawingml/2006/main" xmlns:r="http://schemas.openxmlformats.org/officeDocument/2006/relationships" xmlns:p="http://schemas.openxmlformats.org/presentationml/2006/main">
+  <p:cSld>
+    <p:spTree>
+      <p:nvGrpSpPr>
+        <p:cNvPr id="1" name=""/>
+        <p:cNvGrpSpPr/>
+        <p:nvPr/>
+      </p:nvGrpSpPr>
+      <p:grpSpPr>
+        <a:xfrm>
+          <a:off x="0" y="0"/>
+          <a:ext cx="0" cy="0"/>
+          <a:chOff x="0" y="0"/>
+          <a:chExt cx="0" cy="0"/>
+        </a:xfrm>
+      </p:grpSpPr>
+      <p:sp>
+        <p:nvSpPr>
+          <p:cNvPr id="2" name="Tijdelijke aanduiding voor dia-afbeelding 1"/>
+          <p:cNvSpPr>
+            <a:spLocks noGrp="1" noRot="1" noChangeAspect="1"/>
+          </p:cNvSpPr>
+          <p:nvPr>
+            <p:ph type="sldImg"/>
+          </p:nvPr>
+        </p:nvSpPr>
+        <p:spPr/>
+      </p:sp>
+      <p:sp>
+        <p:nvSpPr>
+          <p:cNvPr id="3" name="Tijdelijke aanduiding voor notities 2"/>
+          <p:cNvSpPr>
+            <a:spLocks noGrp="1"/>
+          </p:cNvSpPr>
+          <p:nvPr>
+            <p:ph type="body" idx="1"/>
+          </p:nvPr>
+        </p:nvSpPr>
+        <p:spPr/>
+        <p:txBody>
+          <a:bodyPr/>
+          <a:lstStyle/>
+          <a:p>
+            <a:endParaRPr lang="nl-NL" dirty="0"/>
+          </a:p>
+        </p:txBody>
+      </p:sp>
+      <p:sp>
+        <p:nvSpPr>
+          <p:cNvPr id="4" name="Tijdelijke aanduiding voor dianummer 3"/>
+          <p:cNvSpPr>
+            <a:spLocks noGrp="1"/>
+          </p:cNvSpPr>
+          <p:nvPr>
+            <p:ph type="sldNum" sz="quarter" idx="10"/>
+          </p:nvPr>
+        </p:nvSpPr>
+        <p:spPr/>
+        <p:txBody>
+          <a:bodyPr/>
+          <a:lstStyle/>
+          <a:p>
+            <a:fld id="{261CDD63-AF9B-4BBE-BAEE-FE96D596103A}" type="slidenum">
+              <a:rPr lang="nl-NL" smtClean="0"/>
+              <a:t>15</a:t>
+            </a:fld>
+            <a:endParaRPr lang="nl-NL"/>
+          </a:p>
+        </p:txBody>
+      </p:sp>
+    </p:spTree>
+    <p:extLst>
+      <p:ext uri="{BB962C8B-B14F-4D97-AF65-F5344CB8AC3E}">
+        <p14:creationId xmlns:p14="http://schemas.microsoft.com/office/powerpoint/2010/main" val="216240560"/>
+      </p:ext>
+    </p:extLst>
+  </p:cSld>
+  <p:clrMapOvr>
+    <a:masterClrMapping/>
+  </p:clrMapOvr>
+</p:notes>
+</file>
+
+<file path=ppt/notesSlides/notesSlide16.xml><?xml version="1.0" encoding="utf-8"?>
+<p:notes xmlns:a="http://schemas.openxmlformats.org/drawingml/2006/main" xmlns:r="http://schemas.openxmlformats.org/officeDocument/2006/relationships" xmlns:p="http://schemas.openxmlformats.org/presentationml/2006/main">
+  <p:cSld>
+    <p:spTree>
+      <p:nvGrpSpPr>
+        <p:cNvPr id="1" name=""/>
+        <p:cNvGrpSpPr/>
+        <p:nvPr/>
+      </p:nvGrpSpPr>
+      <p:grpSpPr>
+        <a:xfrm>
+          <a:off x="0" y="0"/>
+          <a:ext cx="0" cy="0"/>
+          <a:chOff x="0" y="0"/>
+          <a:chExt cx="0" cy="0"/>
+        </a:xfrm>
+      </p:grpSpPr>
+      <p:sp>
+        <p:nvSpPr>
+          <p:cNvPr id="2" name="Tijdelijke aanduiding voor dia-afbeelding 1"/>
+          <p:cNvSpPr>
+            <a:spLocks noGrp="1" noRot="1" noChangeAspect="1"/>
+          </p:cNvSpPr>
+          <p:nvPr>
+            <p:ph type="sldImg"/>
+          </p:nvPr>
+        </p:nvSpPr>
+        <p:spPr/>
+      </p:sp>
+      <p:sp>
+        <p:nvSpPr>
+          <p:cNvPr id="3" name="Tijdelijke aanduiding voor notities 2"/>
+          <p:cNvSpPr>
+            <a:spLocks noGrp="1"/>
+          </p:cNvSpPr>
+          <p:nvPr>
+            <p:ph type="body" idx="1"/>
+          </p:nvPr>
+        </p:nvSpPr>
+        <p:spPr/>
+        <p:txBody>
+          <a:bodyPr/>
+          <a:lstStyle/>
+          <a:p>
+            <a:endParaRPr lang="nl-NL" dirty="0"/>
+          </a:p>
+        </p:txBody>
+      </p:sp>
+      <p:sp>
+        <p:nvSpPr>
+          <p:cNvPr id="4" name="Tijdelijke aanduiding voor dianummer 3"/>
+          <p:cNvSpPr>
+            <a:spLocks noGrp="1"/>
+          </p:cNvSpPr>
+          <p:nvPr>
+            <p:ph type="sldNum" sz="quarter" idx="10"/>
+          </p:nvPr>
+        </p:nvSpPr>
+        <p:spPr/>
+        <p:txBody>
+          <a:bodyPr/>
+          <a:lstStyle/>
+          <a:p>
+            <a:fld id="{261CDD63-AF9B-4BBE-BAEE-FE96D596103A}" type="slidenum">
+              <a:rPr lang="nl-NL" smtClean="0"/>
+              <a:t>16</a:t>
+            </a:fld>
+            <a:endParaRPr lang="nl-NL"/>
+          </a:p>
+        </p:txBody>
+      </p:sp>
+    </p:spTree>
+    <p:extLst>
+      <p:ext uri="{BB962C8B-B14F-4D97-AF65-F5344CB8AC3E}">
+        <p14:creationId xmlns:p14="http://schemas.microsoft.com/office/powerpoint/2010/main" val="3733731071"/>
+      </p:ext>
+    </p:extLst>
+  </p:cSld>
+  <p:clrMapOvr>
+    <a:masterClrMapping/>
+  </p:clrMapOvr>
+</p:notes>
+</file>
+
+<file path=ppt/notesSlides/notesSlide17.xml><?xml version="1.0" encoding="utf-8"?>
+<p:notes xmlns:a="http://schemas.openxmlformats.org/drawingml/2006/main" xmlns:r="http://schemas.openxmlformats.org/officeDocument/2006/relationships" xmlns:p="http://schemas.openxmlformats.org/presentationml/2006/main">
+  <p:cSld>
+    <p:spTree>
+      <p:nvGrpSpPr>
+        <p:cNvPr id="1" name=""/>
+        <p:cNvGrpSpPr/>
+        <p:nvPr/>
+      </p:nvGrpSpPr>
+      <p:grpSpPr>
+        <a:xfrm>
+          <a:off x="0" y="0"/>
+          <a:ext cx="0" cy="0"/>
+          <a:chOff x="0" y="0"/>
+          <a:chExt cx="0" cy="0"/>
+        </a:xfrm>
+      </p:grpSpPr>
+      <p:sp>
+        <p:nvSpPr>
+          <p:cNvPr id="2" name="Tijdelijke aanduiding voor dia-afbeelding 1"/>
+          <p:cNvSpPr>
+            <a:spLocks noGrp="1" noRot="1" noChangeAspect="1"/>
+          </p:cNvSpPr>
+          <p:nvPr>
+            <p:ph type="sldImg"/>
+          </p:nvPr>
+        </p:nvSpPr>
+        <p:spPr/>
+      </p:sp>
+      <p:sp>
+        <p:nvSpPr>
+          <p:cNvPr id="3" name="Tijdelijke aanduiding voor notities 2"/>
+          <p:cNvSpPr>
+            <a:spLocks noGrp="1"/>
+          </p:cNvSpPr>
+          <p:nvPr>
+            <p:ph type="body" idx="1"/>
+          </p:nvPr>
+        </p:nvSpPr>
+        <p:spPr/>
+        <p:txBody>
+          <a:bodyPr/>
+          <a:lstStyle/>
+          <a:p>
+            <a:endParaRPr lang="nl-NL" dirty="0"/>
+          </a:p>
+        </p:txBody>
+      </p:sp>
+      <p:sp>
+        <p:nvSpPr>
+          <p:cNvPr id="4" name="Tijdelijke aanduiding voor dianummer 3"/>
+          <p:cNvSpPr>
+            <a:spLocks noGrp="1"/>
+          </p:cNvSpPr>
+          <p:nvPr>
+            <p:ph type="sldNum" sz="quarter" idx="10"/>
+          </p:nvPr>
+        </p:nvSpPr>
+        <p:spPr/>
+        <p:txBody>
+          <a:bodyPr/>
+          <a:lstStyle/>
+          <a:p>
+            <a:fld id="{261CDD63-AF9B-4BBE-BAEE-FE96D596103A}" type="slidenum">
+              <a:rPr lang="nl-NL" smtClean="0"/>
+              <a:t>17</a:t>
+            </a:fld>
+            <a:endParaRPr lang="nl-NL"/>
+          </a:p>
+        </p:txBody>
+      </p:sp>
+    </p:spTree>
+    <p:extLst>
+      <p:ext uri="{BB962C8B-B14F-4D97-AF65-F5344CB8AC3E}">
+        <p14:creationId xmlns:p14="http://schemas.microsoft.com/office/powerpoint/2010/main" val="3169262235"/>
+      </p:ext>
+    </p:extLst>
+  </p:cSld>
+  <p:clrMapOvr>
+    <a:masterClrMapping/>
+  </p:clrMapOvr>
+</p:notes>
+</file>
+
+<file path=ppt/notesSlides/notesSlide18.xml><?xml version="1.0" encoding="utf-8"?>
+<p:notes xmlns:a="http://schemas.openxmlformats.org/drawingml/2006/main" xmlns:r="http://schemas.openxmlformats.org/officeDocument/2006/relationships" xmlns:p="http://schemas.openxmlformats.org/presentationml/2006/main">
+  <p:cSld>
+    <p:spTree>
+      <p:nvGrpSpPr>
+        <p:cNvPr id="1" name=""/>
+        <p:cNvGrpSpPr/>
+        <p:nvPr/>
+      </p:nvGrpSpPr>
+      <p:grpSpPr>
+        <a:xfrm>
+          <a:off x="0" y="0"/>
+          <a:ext cx="0" cy="0"/>
+          <a:chOff x="0" y="0"/>
+          <a:chExt cx="0" cy="0"/>
+        </a:xfrm>
+      </p:grpSpPr>
+      <p:sp>
+        <p:nvSpPr>
+          <p:cNvPr id="2" name="Tijdelijke aanduiding voor dia-afbeelding 1"/>
+          <p:cNvSpPr>
+            <a:spLocks noGrp="1" noRot="1" noChangeAspect="1"/>
+          </p:cNvSpPr>
+          <p:nvPr>
+            <p:ph type="sldImg"/>
+          </p:nvPr>
+        </p:nvSpPr>
+        <p:spPr/>
+      </p:sp>
+      <p:sp>
+        <p:nvSpPr>
+          <p:cNvPr id="3" name="Tijdelijke aanduiding voor notities 2"/>
+          <p:cNvSpPr>
+            <a:spLocks noGrp="1"/>
+          </p:cNvSpPr>
+          <p:nvPr>
+            <p:ph type="body" idx="1"/>
+          </p:nvPr>
+        </p:nvSpPr>
+        <p:spPr/>
+        <p:txBody>
+          <a:bodyPr/>
+          <a:lstStyle/>
+          <a:p>
+            <a:endParaRPr lang="nl-NL" dirty="0"/>
+          </a:p>
+        </p:txBody>
+      </p:sp>
+      <p:sp>
+        <p:nvSpPr>
+          <p:cNvPr id="4" name="Tijdelijke aanduiding voor dianummer 3"/>
+          <p:cNvSpPr>
+            <a:spLocks noGrp="1"/>
+          </p:cNvSpPr>
+          <p:nvPr>
+            <p:ph type="sldNum" sz="quarter" idx="10"/>
+          </p:nvPr>
+        </p:nvSpPr>
+        <p:spPr/>
+        <p:txBody>
+          <a:bodyPr/>
+          <a:lstStyle/>
+          <a:p>
+            <a:fld id="{261CDD63-AF9B-4BBE-BAEE-FE96D596103A}" type="slidenum">
+              <a:rPr lang="nl-NL" smtClean="0"/>
+              <a:t>18</a:t>
             </a:fld>
             <a:endParaRPr lang="nl-NL"/>
           </a:p>
@@ -1598,7 +2023,7 @@
     </p:spTree>
     <p:extLst>
       <p:ext uri="{BB962C8B-B14F-4D97-AF65-F5344CB8AC3E}">
-        <p14:creationId xmlns:p14="http://schemas.microsoft.com/office/powerpoint/2010/main" val="741890155"/>
+        <p14:creationId xmlns:p14="http://schemas.microsoft.com/office/powerpoint/2010/main" val="3041729587"/>
       </p:ext>
     </p:extLst>
   </p:cSld>
@@ -15327,14 +15752,14 @@
       </p:grpSpPr>
       <p:sp>
         <p:nvSpPr>
-          <p:cNvPr id="6" name="Tekstvak 5"/>
+          <p:cNvPr id="5" name="Tekstvak 4"/>
           <p:cNvSpPr txBox="1"/>
           <p:nvPr/>
         </p:nvSpPr>
         <p:spPr>
           <a:xfrm>
-            <a:off x="2093473" y="1012173"/>
-            <a:ext cx="1032655" cy="369332"/>
+            <a:off x="3944264" y="962393"/>
+            <a:ext cx="1255472" cy="523220"/>
           </a:xfrm>
           <a:prstGeom prst="rect">
             <a:avLst/>
@@ -15348,15 +15773,384 @@
           <a:lstStyle/>
           <a:p>
             <a:r>
-              <a:rPr lang="nl-NL" dirty="0"/>
-              <a:t>Spanish</a:t>
+              <a:rPr lang="nl-NL" sz="2800" b="1" dirty="0" err="1"/>
+              <a:t>Italian</a:t>
             </a:r>
+            <a:endParaRPr lang="nl-NL" b="1" dirty="0"/>
           </a:p>
         </p:txBody>
       </p:sp>
+      <p:graphicFrame>
+        <p:nvGraphicFramePr>
+          <p:cNvPr id="2" name="Tabel 1">
+            <a:extLst>
+              <a:ext uri="{FF2B5EF4-FFF2-40B4-BE49-F238E27FC236}">
+                <a16:creationId xmlns:a16="http://schemas.microsoft.com/office/drawing/2014/main" id="{31E65C9A-F6D8-4708-9B29-5688F854CD09}"/>
+              </a:ext>
+            </a:extLst>
+          </p:cNvPr>
+          <p:cNvGraphicFramePr>
+            <a:graphicFrameLocks noGrp="1"/>
+          </p:cNvGraphicFramePr>
+          <p:nvPr>
+            <p:extLst>
+              <p:ext uri="{D42A27DB-BD31-4B8C-83A1-F6EECF244321}">
+                <p14:modId xmlns:p14="http://schemas.microsoft.com/office/powerpoint/2010/main" val="2770137535"/>
+              </p:ext>
+            </p:extLst>
+          </p:nvPr>
+        </p:nvGraphicFramePr>
+        <p:xfrm>
+          <a:off x="763428" y="1574800"/>
+          <a:ext cx="7617144" cy="2123440"/>
+        </p:xfrm>
+        <a:graphic>
+          <a:graphicData uri="http://schemas.openxmlformats.org/drawingml/2006/table">
+            <a:tbl>
+              <a:tblPr firstRow="1" bandRow="1">
+                <a:tableStyleId>{5C22544A-7EE6-4342-B048-85BDC9FD1C3A}</a:tableStyleId>
+              </a:tblPr>
+              <a:tblGrid>
+                <a:gridCol w="1904286">
+                  <a:extLst>
+                    <a:ext uri="{9D8B030D-6E8A-4147-A177-3AD203B41FA5}">
+                      <a16:colId xmlns:a16="http://schemas.microsoft.com/office/drawing/2014/main" val="1712131747"/>
+                    </a:ext>
+                  </a:extLst>
+                </a:gridCol>
+                <a:gridCol w="1904286">
+                  <a:extLst>
+                    <a:ext uri="{9D8B030D-6E8A-4147-A177-3AD203B41FA5}">
+                      <a16:colId xmlns:a16="http://schemas.microsoft.com/office/drawing/2014/main" val="1260638577"/>
+                    </a:ext>
+                  </a:extLst>
+                </a:gridCol>
+                <a:gridCol w="1904286">
+                  <a:extLst>
+                    <a:ext uri="{9D8B030D-6E8A-4147-A177-3AD203B41FA5}">
+                      <a16:colId xmlns:a16="http://schemas.microsoft.com/office/drawing/2014/main" val="2573910689"/>
+                    </a:ext>
+                  </a:extLst>
+                </a:gridCol>
+                <a:gridCol w="1904286">
+                  <a:extLst>
+                    <a:ext uri="{9D8B030D-6E8A-4147-A177-3AD203B41FA5}">
+                      <a16:colId xmlns:a16="http://schemas.microsoft.com/office/drawing/2014/main" val="1833719600"/>
+                    </a:ext>
+                  </a:extLst>
+                </a:gridCol>
+              </a:tblGrid>
+              <a:tr h="370840">
+                <a:tc>
+                  <a:txBody>
+                    <a:bodyPr/>
+                    <a:lstStyle/>
+                    <a:p>
+                      <a:pPr algn="ctr"/>
+                      <a:r>
+                        <a:rPr lang="nl-NL" i="1" u="sng" dirty="0"/>
+                        <a:t>Gender</a:t>
+                      </a:r>
+                    </a:p>
+                  </a:txBody>
+                  <a:tcPr anchor="ctr"/>
+                </a:tc>
+                <a:tc>
+                  <a:txBody>
+                    <a:bodyPr/>
+                    <a:lstStyle/>
+                    <a:p>
+                      <a:r>
+                        <a:rPr lang="nl-NL" dirty="0"/>
+                        <a:t>Baseline</a:t>
+                      </a:r>
+                    </a:p>
+                  </a:txBody>
+                  <a:tcPr/>
+                </a:tc>
+                <a:tc>
+                  <a:txBody>
+                    <a:bodyPr/>
+                    <a:lstStyle/>
+                    <a:p>
+                      <a:r>
+                        <a:rPr lang="nl-NL" dirty="0"/>
+                        <a:t>Development-set</a:t>
+                      </a:r>
+                    </a:p>
+                  </a:txBody>
+                  <a:tcPr/>
+                </a:tc>
+                <a:tc>
+                  <a:txBody>
+                    <a:bodyPr/>
+                    <a:lstStyle/>
+                    <a:p>
+                      <a:r>
+                        <a:rPr lang="nl-NL" dirty="0"/>
+                        <a:t>Test-set</a:t>
+                      </a:r>
+                    </a:p>
+                  </a:txBody>
+                  <a:tcPr/>
+                </a:tc>
+                <a:extLst>
+                  <a:ext uri="{0D108BD9-81ED-4DB2-BD59-A6C34878D82A}">
+                    <a16:rowId xmlns:a16="http://schemas.microsoft.com/office/drawing/2014/main" val="3039594110"/>
+                  </a:ext>
+                </a:extLst>
+              </a:tr>
+              <a:tr h="370840">
+                <a:tc>
+                  <a:txBody>
+                    <a:bodyPr/>
+                    <a:lstStyle/>
+                    <a:p>
+                      <a:r>
+                        <a:rPr lang="nl-NL" dirty="0" err="1"/>
+                        <a:t>Accuracy</a:t>
+                      </a:r>
+                      <a:endParaRPr lang="nl-NL" dirty="0"/>
+                    </a:p>
+                  </a:txBody>
+                  <a:tcPr/>
+                </a:tc>
+                <a:tc>
+                  <a:txBody>
+                    <a:bodyPr/>
+                    <a:lstStyle/>
+                    <a:p>
+                      <a:r>
+                        <a:rPr lang="nl-NL" dirty="0"/>
+                        <a:t>0.433</a:t>
+                      </a:r>
+                    </a:p>
+                  </a:txBody>
+                  <a:tcPr/>
+                </a:tc>
+                <a:tc>
+                  <a:txBody>
+                    <a:bodyPr/>
+                    <a:lstStyle/>
+                    <a:p>
+                      <a:r>
+                        <a:rPr lang="nl-NL" dirty="0"/>
+                        <a:t>0.460</a:t>
+                      </a:r>
+                    </a:p>
+                  </a:txBody>
+                  <a:tcPr/>
+                </a:tc>
+                <a:tc>
+                  <a:txBody>
+                    <a:bodyPr/>
+                    <a:lstStyle/>
+                    <a:p>
+                      <a:r>
+                        <a:rPr lang="nl-NL" dirty="0"/>
+                        <a:t>0.800</a:t>
+                      </a:r>
+                    </a:p>
+                  </a:txBody>
+                  <a:tcPr/>
+                </a:tc>
+                <a:extLst>
+                  <a:ext uri="{0D108BD9-81ED-4DB2-BD59-A6C34878D82A}">
+                    <a16:rowId xmlns:a16="http://schemas.microsoft.com/office/drawing/2014/main" val="1056561172"/>
+                  </a:ext>
+                </a:extLst>
+              </a:tr>
+              <a:tr h="370840">
+                <a:tc>
+                  <a:txBody>
+                    <a:bodyPr/>
+                    <a:lstStyle/>
+                    <a:p>
+                      <a:r>
+                        <a:rPr lang="nl-NL" dirty="0"/>
+                        <a:t>Precision</a:t>
+                      </a:r>
+                    </a:p>
+                  </a:txBody>
+                  <a:tcPr/>
+                </a:tc>
+                <a:tc>
+                  <a:txBody>
+                    <a:bodyPr/>
+                    <a:lstStyle/>
+                    <a:p>
+                      <a:r>
+                        <a:rPr lang="nl-NL" dirty="0"/>
+                        <a:t>0.217</a:t>
+                      </a:r>
+                    </a:p>
+                  </a:txBody>
+                  <a:tcPr/>
+                </a:tc>
+                <a:tc>
+                  <a:txBody>
+                    <a:bodyPr/>
+                    <a:lstStyle/>
+                    <a:p>
+                      <a:r>
+                        <a:rPr lang="nl-NL" dirty="0"/>
+                        <a:t>0.378</a:t>
+                      </a:r>
+                    </a:p>
+                  </a:txBody>
+                  <a:tcPr/>
+                </a:tc>
+                <a:tc>
+                  <a:txBody>
+                    <a:bodyPr/>
+                    <a:lstStyle/>
+                    <a:p>
+                      <a:r>
+                        <a:rPr lang="nl-NL" dirty="0"/>
+                        <a:t>0.800</a:t>
+                      </a:r>
+                    </a:p>
+                  </a:txBody>
+                  <a:tcPr/>
+                </a:tc>
+                <a:extLst>
+                  <a:ext uri="{0D108BD9-81ED-4DB2-BD59-A6C34878D82A}">
+                    <a16:rowId xmlns:a16="http://schemas.microsoft.com/office/drawing/2014/main" val="1040604747"/>
+                  </a:ext>
+                </a:extLst>
+              </a:tr>
+              <a:tr h="370840">
+                <a:tc>
+                  <a:txBody>
+                    <a:bodyPr/>
+                    <a:lstStyle/>
+                    <a:p>
+                      <a:r>
+                        <a:rPr lang="nl-NL" dirty="0" err="1"/>
+                        <a:t>Recall</a:t>
+                      </a:r>
+                      <a:endParaRPr lang="nl-NL" dirty="0"/>
+                    </a:p>
+                  </a:txBody>
+                  <a:tcPr/>
+                </a:tc>
+                <a:tc>
+                  <a:txBody>
+                    <a:bodyPr/>
+                    <a:lstStyle/>
+                    <a:p>
+                      <a:r>
+                        <a:rPr lang="nl-NL" dirty="0"/>
+                        <a:t>0.500</a:t>
+                      </a:r>
+                    </a:p>
+                  </a:txBody>
+                  <a:tcPr/>
+                </a:tc>
+                <a:tc>
+                  <a:txBody>
+                    <a:bodyPr/>
+                    <a:lstStyle/>
+                    <a:p>
+                      <a:r>
+                        <a:rPr lang="nl-NL" dirty="0"/>
+                        <a:t>0.540</a:t>
+                      </a:r>
+                    </a:p>
+                  </a:txBody>
+                  <a:tcPr/>
+                </a:tc>
+                <a:tc>
+                  <a:txBody>
+                    <a:bodyPr/>
+                    <a:lstStyle/>
+                    <a:p>
+                      <a:r>
+                        <a:rPr lang="nl-NL" dirty="0"/>
+                        <a:t>0.857</a:t>
+                      </a:r>
+                    </a:p>
+                  </a:txBody>
+                  <a:tcPr/>
+                </a:tc>
+                <a:extLst>
+                  <a:ext uri="{0D108BD9-81ED-4DB2-BD59-A6C34878D82A}">
+                    <a16:rowId xmlns:a16="http://schemas.microsoft.com/office/drawing/2014/main" val="2535849655"/>
+                  </a:ext>
+                </a:extLst>
+              </a:tr>
+              <a:tr h="370840">
+                <a:tc>
+                  <a:txBody>
+                    <a:bodyPr/>
+                    <a:lstStyle/>
+                    <a:p>
+                      <a:r>
+                        <a:rPr lang="nl-NL" dirty="0"/>
+                        <a:t>F1-score</a:t>
+                      </a:r>
+                    </a:p>
+                  </a:txBody>
+                  <a:tcPr/>
+                </a:tc>
+                <a:tc>
+                  <a:txBody>
+                    <a:bodyPr/>
+                    <a:lstStyle/>
+                    <a:p>
+                      <a:r>
+                        <a:rPr lang="nl-NL" dirty="0"/>
+                        <a:t>0.281</a:t>
+                      </a:r>
+                    </a:p>
+                  </a:txBody>
+                  <a:tcPr/>
+                </a:tc>
+                <a:tc>
+                  <a:txBody>
+                    <a:bodyPr/>
+                    <a:lstStyle/>
+                    <a:p>
+                      <a:r>
+                        <a:rPr lang="nl-NL" dirty="0"/>
+                        <a:t>0.38</a:t>
+                      </a:r>
+                    </a:p>
+                  </a:txBody>
+                  <a:tcPr/>
+                </a:tc>
+                <a:tc>
+                  <a:txBody>
+                    <a:bodyPr/>
+                    <a:lstStyle/>
+                    <a:p>
+                      <a:r>
+                        <a:rPr lang="nl-NL" dirty="0"/>
+                        <a:t>0.792</a:t>
+                      </a:r>
+                    </a:p>
+                  </a:txBody>
+                  <a:tcPr/>
+                </a:tc>
+                <a:extLst>
+                  <a:ext uri="{0D108BD9-81ED-4DB2-BD59-A6C34878D82A}">
+                    <a16:rowId xmlns:a16="http://schemas.microsoft.com/office/drawing/2014/main" val="2134136561"/>
+                  </a:ext>
+                </a:extLst>
+              </a:tr>
+            </a:tbl>
+          </a:graphicData>
+        </a:graphic>
+      </p:graphicFrame>
       <p:pic>
         <p:nvPicPr>
-          <p:cNvPr id="2051" name="Picture 3" descr="C:\Users\Eyokiha\Dropbox\Documents\Courses\Master\Blok2\LearningFromData\Final\Spanish.png"/>
+          <p:cNvPr id="1026" name="Picture 2" descr="https://attachment.outlook.office.net/owa/daphnegroot1996@hotmail.com/service.svc/s/GetAttachmentThumbnail?id=AQMkADAwATYwMAItOTAwADQtODYxNS0wMAItMDAKAEYAAAMQhbqMMd6UQ7FPxU6vOvaeBwBd83Uke58QQ6Kl%2FoGQ7oghAAACAQwAAABd83Uke58QQ6Kl%2FoGQ7oghAAFG6%2FuFAAAAARIAEACs8bMgMZ7JRrPrEg8Bt0oi&amp;thumbnailType=2&amp;owa=outlook.live.com&amp;scriptVer=20180119.01.02&amp;isc=1&amp;X-OWA-CANARY=jxN_i2zEHk6RNlJyv8sZKbBMMX7kaNUYEW0N3uxkbA3gcmjdVLLi4wvTORTZMVX7We8Hml2ApJU.&amp;token=eyJ0eXAiOiJKV1QiLCJhbGciOiJSUzI1NiIsIng1dCI6ImVuaDlCSnJWUFU1aWpWMXFqWmpWLWZMMmJjbyJ9.eyJ2ZXIiOiJFeGNoYW5nZS5DYWxsYmFjay5WMSIsImFwcGN0eHNlbmRlciI6Ik93YURvd25sb2FkQDg0ZGY5ZTdmLWU5ZjYtNDBhZi1iNDM1LWFhYWFhYWFhYWFhYSIsImFwcGN0eCI6IntcIm1zZXhjaHByb3RcIjpcIm93YVwiLFwicHJpbWFyeXNpZFwiOlwiUy0xLTI4MjctMzkzMjE2LTI0MTYyMTU1NzNcIixcInB1aWRcIjpcIjE2ODg4NTIyNzY0Nzk1MDlcIixcIm9pZFwiOlwiMDAwNjAwMDAtOTAwNC04NjE1LTAwMDAtMDAwMDAwMDAwMDAwXCIsXCJzY29wZVwiOlwiT3dhRG93bmxvYWRcIn0iLCJpc3MiOiIwMDAwMDAwMi0wMDAwLTBmZjEtY2UwMC0wMDAwMDAwMDAwMDBAODRkZjllN2YtZTlmNi00MGFmLWI0MzUtYWFhYWFhYWFhYWFhIiwiYXVkIjoiMDAwMDAwMDItMDAwMC0wZmYxLWNlMDAtMDAwMDAwMDAwMDAwL2F0dGFjaG1lbnQub3V0bG9vay5vZmZpY2UubmV0QDg0ZGY5ZTdmLWU5ZjYtNDBhZi1iNDM1LWFhYWFhYWFhYWFhYSIsImV4cCI6MTUxNzQyOTA3OCwibmJmIjoxNTE3NDI4NDc4fQ.kci09AASYaWlmtCs0XBXL_0nB7amWzGv3qmO6njSi82q3-WeT0-YxfpVm2Qm8P9t1SBt7qXIStysOL4dXLVUNAhtN_zdH0zW-OI_BP2gsuQgZP5h7NzsfJRPgZHzfot6WLIY054JZKVcF-myrA9MQrrPdK3FvaiN1PtD5lW6nqKBVwcpx1R26CwRqC8Wn1BlUDuv8M-IwH8ArmCuEhawjv6yv-6MS4xxp7l_aP0WhkGKvTsnq6jccRhwC4GlxgKHu5vhX3moUqjuW68EoZ1AtcPCA8m76-oh61pk7O3xk6-MgK72iYIbRVrbYrYSvidaM6JOybK3UXYL9IRh-u9yaA&amp;animation=true">
+            <a:extLst>
+              <a:ext uri="{FF2B5EF4-FFF2-40B4-BE49-F238E27FC236}">
+                <a16:creationId xmlns:a16="http://schemas.microsoft.com/office/drawing/2014/main" id="{2CC17DD3-974E-4452-A1C9-C42961819D84}"/>
+              </a:ext>
+            </a:extLst>
+          </p:cNvPr>
           <p:cNvPicPr>
             <a:picLocks noChangeAspect="1" noChangeArrowheads="1"/>
           </p:cNvPicPr>
@@ -15370,52 +16164,13 @@
               </a:ext>
             </a:extLst>
           </a:blip>
-          <a:srcRect r="40863" b="41483"/>
+          <a:srcRect t="73824" r="62295"/>
           <a:stretch/>
         </p:blipFill>
         <p:spPr bwMode="auto">
           <a:xfrm>
-            <a:off x="549746" y="1412776"/>
-            <a:ext cx="4120111" cy="4455204"/>
-          </a:xfrm>
-          <a:prstGeom prst="rect">
-            <a:avLst/>
-          </a:prstGeom>
-          <a:noFill/>
-          <a:extLst>
-            <a:ext uri="{909E8E84-426E-40DD-AFC4-6F175D3DCCD1}">
-              <a14:hiddenFill xmlns:a14="http://schemas.microsoft.com/office/drawing/2010/main">
-                <a:solidFill>
-                  <a:srgbClr val="FFFFFF"/>
-                </a:solidFill>
-              </a14:hiddenFill>
-            </a:ext>
-          </a:extLst>
-        </p:spPr>
-      </p:pic>
-      <p:pic>
-        <p:nvPicPr>
-          <p:cNvPr id="2052" name="Picture 4" descr="C:\Users\Eyokiha\Dropbox\Documents\Courses\Master\Blok2\LearningFromData\Final\Spanish.png"/>
-          <p:cNvPicPr>
-            <a:picLocks noChangeAspect="1" noChangeArrowheads="1"/>
-          </p:cNvPicPr>
-          <p:nvPr/>
-        </p:nvPicPr>
-        <p:blipFill rotWithShape="1">
-          <a:blip r:embed="rId3">
-            <a:extLst>
-              <a:ext uri="{28A0092B-C50C-407E-A947-70E740481C1C}">
-                <a14:useLocalDpi xmlns:a14="http://schemas.microsoft.com/office/drawing/2010/main" val="0"/>
-              </a:ext>
-            </a:extLst>
-          </a:blip>
-          <a:srcRect l="752" t="59245" r="42290" b="2732"/>
-          <a:stretch/>
-        </p:blipFill>
-        <p:spPr bwMode="auto">
-          <a:xfrm>
-            <a:off x="4720855" y="1418092"/>
-            <a:ext cx="3891109" cy="2838686"/>
+            <a:off x="3141000" y="4344359"/>
+            <a:ext cx="2862000" cy="911910"/>
           </a:xfrm>
           <a:prstGeom prst="rect">
             <a:avLst/>
@@ -15435,7 +16190,7 @@
     </p:spTree>
     <p:extLst>
       <p:ext uri="{BB962C8B-B14F-4D97-AF65-F5344CB8AC3E}">
-        <p14:creationId xmlns:p14="http://schemas.microsoft.com/office/powerpoint/2010/main" val="4183911328"/>
+        <p14:creationId xmlns:p14="http://schemas.microsoft.com/office/powerpoint/2010/main" val="2855509726"/>
       </p:ext>
     </p:extLst>
   </p:cSld>
@@ -15462,38 +16217,9 @@
           <a:chExt cx="0" cy="0"/>
         </a:xfrm>
       </p:grpSpPr>
-      <p:sp>
-        <p:nvSpPr>
-          <p:cNvPr id="6" name="Tekstvak 5"/>
-          <p:cNvSpPr txBox="1"/>
-          <p:nvPr/>
-        </p:nvSpPr>
-        <p:spPr>
-          <a:xfrm>
-            <a:off x="2093473" y="1012173"/>
-            <a:ext cx="928459" cy="369332"/>
-          </a:xfrm>
-          <a:prstGeom prst="rect">
-            <a:avLst/>
-          </a:prstGeom>
-          <a:noFill/>
-        </p:spPr>
-        <p:txBody>
-          <a:bodyPr wrap="none" rtlCol="0">
-            <a:spAutoFit/>
-          </a:bodyPr>
-          <a:lstStyle/>
-          <a:p>
-            <a:r>
-              <a:rPr lang="nl-NL" dirty="0"/>
-              <a:t>English</a:t>
-            </a:r>
-          </a:p>
-        </p:txBody>
-      </p:sp>
       <p:pic>
         <p:nvPicPr>
-          <p:cNvPr id="3074" name="Picture 2" descr="C:\Users\Eyokiha\Dropbox\Documents\Courses\Master\Blok2\LearningFromData\Final\English.png"/>
+          <p:cNvPr id="2051" name="Picture 3" descr="C:\Users\Eyokiha\Dropbox\Documents\Courses\Master\Blok2\LearningFromData\Final\Spanish.png"/>
           <p:cNvPicPr>
             <a:picLocks noChangeAspect="1" noChangeArrowheads="1"/>
           </p:cNvPicPr>
@@ -15507,13 +16233,13 @@
               </a:ext>
             </a:extLst>
           </a:blip>
-          <a:srcRect l="1024" t="-1" r="41443" b="43039"/>
+          <a:srcRect l="1" t="18633" r="77328" b="74063"/>
           <a:stretch/>
         </p:blipFill>
         <p:spPr bwMode="auto">
           <a:xfrm>
-            <a:off x="539552" y="1381505"/>
-            <a:ext cx="4160039" cy="4599653"/>
+            <a:off x="3141000" y="4293096"/>
+            <a:ext cx="2862000" cy="1007534"/>
           </a:xfrm>
           <a:prstGeom prst="rect">
             <a:avLst/>
@@ -15530,9 +16256,437 @@
           </a:extLst>
         </p:spPr>
       </p:pic>
+      <p:sp>
+        <p:nvSpPr>
+          <p:cNvPr id="7" name="Tekstvak 6">
+            <a:extLst>
+              <a:ext uri="{FF2B5EF4-FFF2-40B4-BE49-F238E27FC236}">
+                <a16:creationId xmlns:a16="http://schemas.microsoft.com/office/drawing/2014/main" id="{84C5B99A-F4E4-46AF-BE7E-A7FC0E7F2683}"/>
+              </a:ext>
+            </a:extLst>
+          </p:cNvPr>
+          <p:cNvSpPr txBox="1"/>
+          <p:nvPr/>
+        </p:nvSpPr>
+        <p:spPr>
+          <a:xfrm>
+            <a:off x="3812016" y="953138"/>
+            <a:ext cx="1519968" cy="523220"/>
+          </a:xfrm>
+          <a:prstGeom prst="rect">
+            <a:avLst/>
+          </a:prstGeom>
+          <a:noFill/>
+        </p:spPr>
+        <p:txBody>
+          <a:bodyPr wrap="none" rtlCol="0">
+            <a:spAutoFit/>
+          </a:bodyPr>
+          <a:lstStyle/>
+          <a:p>
+            <a:r>
+              <a:rPr lang="nl-NL" sz="2800" b="1" dirty="0"/>
+              <a:t>Spanish</a:t>
+            </a:r>
+            <a:endParaRPr lang="nl-NL" b="1" dirty="0"/>
+          </a:p>
+        </p:txBody>
+      </p:sp>
+      <p:graphicFrame>
+        <p:nvGraphicFramePr>
+          <p:cNvPr id="8" name="Tabel 7">
+            <a:extLst>
+              <a:ext uri="{FF2B5EF4-FFF2-40B4-BE49-F238E27FC236}">
+                <a16:creationId xmlns:a16="http://schemas.microsoft.com/office/drawing/2014/main" id="{1B1F05E1-2F76-4DD1-849A-B6F5E0A0EEC2}"/>
+              </a:ext>
+            </a:extLst>
+          </p:cNvPr>
+          <p:cNvGraphicFramePr>
+            <a:graphicFrameLocks noGrp="1"/>
+          </p:cNvGraphicFramePr>
+          <p:nvPr>
+            <p:extLst>
+              <p:ext uri="{D42A27DB-BD31-4B8C-83A1-F6EECF244321}">
+                <p14:modId xmlns:p14="http://schemas.microsoft.com/office/powerpoint/2010/main" val="2847876969"/>
+              </p:ext>
+            </p:extLst>
+          </p:nvPr>
+        </p:nvGraphicFramePr>
+        <p:xfrm>
+          <a:off x="763428" y="1557370"/>
+          <a:ext cx="7617144" cy="2123440"/>
+        </p:xfrm>
+        <a:graphic>
+          <a:graphicData uri="http://schemas.openxmlformats.org/drawingml/2006/table">
+            <a:tbl>
+              <a:tblPr firstRow="1" bandRow="1">
+                <a:tableStyleId>{5C22544A-7EE6-4342-B048-85BDC9FD1C3A}</a:tableStyleId>
+              </a:tblPr>
+              <a:tblGrid>
+                <a:gridCol w="1904286">
+                  <a:extLst>
+                    <a:ext uri="{9D8B030D-6E8A-4147-A177-3AD203B41FA5}">
+                      <a16:colId xmlns:a16="http://schemas.microsoft.com/office/drawing/2014/main" val="1712131747"/>
+                    </a:ext>
+                  </a:extLst>
+                </a:gridCol>
+                <a:gridCol w="1904286">
+                  <a:extLst>
+                    <a:ext uri="{9D8B030D-6E8A-4147-A177-3AD203B41FA5}">
+                      <a16:colId xmlns:a16="http://schemas.microsoft.com/office/drawing/2014/main" val="1064206649"/>
+                    </a:ext>
+                  </a:extLst>
+                </a:gridCol>
+                <a:gridCol w="1904286">
+                  <a:extLst>
+                    <a:ext uri="{9D8B030D-6E8A-4147-A177-3AD203B41FA5}">
+                      <a16:colId xmlns:a16="http://schemas.microsoft.com/office/drawing/2014/main" val="2573910689"/>
+                    </a:ext>
+                  </a:extLst>
+                </a:gridCol>
+                <a:gridCol w="1904286">
+                  <a:extLst>
+                    <a:ext uri="{9D8B030D-6E8A-4147-A177-3AD203B41FA5}">
+                      <a16:colId xmlns:a16="http://schemas.microsoft.com/office/drawing/2014/main" val="1833719600"/>
+                    </a:ext>
+                  </a:extLst>
+                </a:gridCol>
+              </a:tblGrid>
+              <a:tr h="370840">
+                <a:tc>
+                  <a:txBody>
+                    <a:bodyPr/>
+                    <a:lstStyle/>
+                    <a:p>
+                      <a:pPr algn="ctr"/>
+                      <a:r>
+                        <a:rPr lang="nl-NL" i="1" u="sng" dirty="0"/>
+                        <a:t>Gender</a:t>
+                      </a:r>
+                    </a:p>
+                  </a:txBody>
+                  <a:tcPr anchor="ctr"/>
+                </a:tc>
+                <a:tc>
+                  <a:txBody>
+                    <a:bodyPr/>
+                    <a:lstStyle/>
+                    <a:p>
+                      <a:r>
+                        <a:rPr lang="nl-NL" dirty="0"/>
+                        <a:t>Baseline</a:t>
+                      </a:r>
+                    </a:p>
+                  </a:txBody>
+                  <a:tcPr/>
+                </a:tc>
+                <a:tc>
+                  <a:txBody>
+                    <a:bodyPr/>
+                    <a:lstStyle/>
+                    <a:p>
+                      <a:r>
+                        <a:rPr lang="nl-NL" dirty="0"/>
+                        <a:t>Development-set</a:t>
+                      </a:r>
+                    </a:p>
+                  </a:txBody>
+                  <a:tcPr/>
+                </a:tc>
+                <a:tc>
+                  <a:txBody>
+                    <a:bodyPr/>
+                    <a:lstStyle/>
+                    <a:p>
+                      <a:r>
+                        <a:rPr lang="nl-NL" dirty="0"/>
+                        <a:t>Test-set</a:t>
+                      </a:r>
+                    </a:p>
+                  </a:txBody>
+                  <a:tcPr/>
+                </a:tc>
+                <a:extLst>
+                  <a:ext uri="{0D108BD9-81ED-4DB2-BD59-A6C34878D82A}">
+                    <a16:rowId xmlns:a16="http://schemas.microsoft.com/office/drawing/2014/main" val="3039594110"/>
+                  </a:ext>
+                </a:extLst>
+              </a:tr>
+              <a:tr h="370840">
+                <a:tc>
+                  <a:txBody>
+                    <a:bodyPr/>
+                    <a:lstStyle/>
+                    <a:p>
+                      <a:r>
+                        <a:rPr lang="nl-NL" dirty="0" err="1"/>
+                        <a:t>Accuracy</a:t>
+                      </a:r>
+                      <a:endParaRPr lang="nl-NL" dirty="0"/>
+                    </a:p>
+                  </a:txBody>
+                  <a:tcPr/>
+                </a:tc>
+                <a:tc>
+                  <a:txBody>
+                    <a:bodyPr/>
+                    <a:lstStyle/>
+                    <a:p>
+                      <a:r>
+                        <a:rPr lang="nl-NL" dirty="0"/>
+                        <a:t>0.557</a:t>
+                      </a:r>
+                    </a:p>
+                  </a:txBody>
+                  <a:tcPr/>
+                </a:tc>
+                <a:tc>
+                  <a:txBody>
+                    <a:bodyPr/>
+                    <a:lstStyle/>
+                    <a:p>
+                      <a:r>
+                        <a:rPr lang="nl-NL" dirty="0"/>
+                        <a:t>0.571</a:t>
+                      </a:r>
+                    </a:p>
+                  </a:txBody>
+                  <a:tcPr/>
+                </a:tc>
+                <a:tc>
+                  <a:txBody>
+                    <a:bodyPr/>
+                    <a:lstStyle/>
+                    <a:p>
+                      <a:r>
+                        <a:rPr lang="nl-NL" dirty="0"/>
+                        <a:t>0.833</a:t>
+                      </a:r>
+                    </a:p>
+                  </a:txBody>
+                  <a:tcPr/>
+                </a:tc>
+                <a:extLst>
+                  <a:ext uri="{0D108BD9-81ED-4DB2-BD59-A6C34878D82A}">
+                    <a16:rowId xmlns:a16="http://schemas.microsoft.com/office/drawing/2014/main" val="1056561172"/>
+                  </a:ext>
+                </a:extLst>
+              </a:tr>
+              <a:tr h="370840">
+                <a:tc>
+                  <a:txBody>
+                    <a:bodyPr/>
+                    <a:lstStyle/>
+                    <a:p>
+                      <a:r>
+                        <a:rPr lang="nl-NL" dirty="0"/>
+                        <a:t>Precision</a:t>
+                      </a:r>
+                    </a:p>
+                  </a:txBody>
+                  <a:tcPr/>
+                </a:tc>
+                <a:tc>
+                  <a:txBody>
+                    <a:bodyPr/>
+                    <a:lstStyle/>
+                    <a:p>
+                      <a:r>
+                        <a:rPr lang="nl-NL" dirty="0"/>
+                        <a:t>0.279</a:t>
+                      </a:r>
+                    </a:p>
+                  </a:txBody>
+                  <a:tcPr/>
+                </a:tc>
+                <a:tc>
+                  <a:txBody>
+                    <a:bodyPr/>
+                    <a:lstStyle/>
+                    <a:p>
+                      <a:r>
+                        <a:rPr lang="nl-NL" dirty="0"/>
+                        <a:t>0.561</a:t>
+                      </a:r>
+                    </a:p>
+                  </a:txBody>
+                  <a:tcPr/>
+                </a:tc>
+                <a:tc>
+                  <a:txBody>
+                    <a:bodyPr/>
+                    <a:lstStyle/>
+                    <a:p>
+                      <a:r>
+                        <a:rPr lang="nl-NL" dirty="0"/>
+                        <a:t>0.844</a:t>
+                      </a:r>
+                    </a:p>
+                  </a:txBody>
+                  <a:tcPr/>
+                </a:tc>
+                <a:extLst>
+                  <a:ext uri="{0D108BD9-81ED-4DB2-BD59-A6C34878D82A}">
+                    <a16:rowId xmlns:a16="http://schemas.microsoft.com/office/drawing/2014/main" val="1040604747"/>
+                  </a:ext>
+                </a:extLst>
+              </a:tr>
+              <a:tr h="370840">
+                <a:tc>
+                  <a:txBody>
+                    <a:bodyPr/>
+                    <a:lstStyle/>
+                    <a:p>
+                      <a:r>
+                        <a:rPr lang="nl-NL" dirty="0" err="1"/>
+                        <a:t>Recall</a:t>
+                      </a:r>
+                      <a:endParaRPr lang="nl-NL" dirty="0"/>
+                    </a:p>
+                  </a:txBody>
+                  <a:tcPr/>
+                </a:tc>
+                <a:tc>
+                  <a:txBody>
+                    <a:bodyPr/>
+                    <a:lstStyle/>
+                    <a:p>
+                      <a:r>
+                        <a:rPr lang="nl-NL" dirty="0"/>
+                        <a:t>0.500</a:t>
+                      </a:r>
+                    </a:p>
+                  </a:txBody>
+                  <a:tcPr/>
+                </a:tc>
+                <a:tc>
+                  <a:txBody>
+                    <a:bodyPr/>
+                    <a:lstStyle/>
+                    <a:p>
+                      <a:r>
+                        <a:rPr lang="nl-NL" dirty="0"/>
+                        <a:t>0.560</a:t>
+                      </a:r>
+                    </a:p>
+                  </a:txBody>
+                  <a:tcPr/>
+                </a:tc>
+                <a:tc>
+                  <a:txBody>
+                    <a:bodyPr/>
+                    <a:lstStyle/>
+                    <a:p>
+                      <a:r>
+                        <a:rPr lang="nl-NL" dirty="0"/>
+                        <a:t>0.868</a:t>
+                      </a:r>
+                    </a:p>
+                  </a:txBody>
+                  <a:tcPr/>
+                </a:tc>
+                <a:extLst>
+                  <a:ext uri="{0D108BD9-81ED-4DB2-BD59-A6C34878D82A}">
+                    <a16:rowId xmlns:a16="http://schemas.microsoft.com/office/drawing/2014/main" val="2535849655"/>
+                  </a:ext>
+                </a:extLst>
+              </a:tr>
+              <a:tr h="370840">
+                <a:tc>
+                  <a:txBody>
+                    <a:bodyPr/>
+                    <a:lstStyle/>
+                    <a:p>
+                      <a:r>
+                        <a:rPr lang="nl-NL" dirty="0"/>
+                        <a:t>F1-score</a:t>
+                      </a:r>
+                    </a:p>
+                  </a:txBody>
+                  <a:tcPr/>
+                </a:tc>
+                <a:tc>
+                  <a:txBody>
+                    <a:bodyPr/>
+                    <a:lstStyle/>
+                    <a:p>
+                      <a:r>
+                        <a:rPr lang="nl-NL" dirty="0"/>
+                        <a:t>0.357</a:t>
+                      </a:r>
+                    </a:p>
+                  </a:txBody>
+                  <a:tcPr/>
+                </a:tc>
+                <a:tc>
+                  <a:txBody>
+                    <a:bodyPr/>
+                    <a:lstStyle/>
+                    <a:p>
+                      <a:r>
+                        <a:rPr lang="nl-NL" dirty="0"/>
+                        <a:t>0.557</a:t>
+                      </a:r>
+                    </a:p>
+                  </a:txBody>
+                  <a:tcPr/>
+                </a:tc>
+                <a:tc>
+                  <a:txBody>
+                    <a:bodyPr/>
+                    <a:lstStyle/>
+                    <a:p>
+                      <a:r>
+                        <a:rPr lang="nl-NL" dirty="0"/>
+                        <a:t>0.832</a:t>
+                      </a:r>
+                    </a:p>
+                  </a:txBody>
+                  <a:tcPr/>
+                </a:tc>
+                <a:extLst>
+                  <a:ext uri="{0D108BD9-81ED-4DB2-BD59-A6C34878D82A}">
+                    <a16:rowId xmlns:a16="http://schemas.microsoft.com/office/drawing/2014/main" val="2134136561"/>
+                  </a:ext>
+                </a:extLst>
+              </a:tr>
+            </a:tbl>
+          </a:graphicData>
+        </a:graphic>
+      </p:graphicFrame>
+    </p:spTree>
+    <p:extLst>
+      <p:ext uri="{BB962C8B-B14F-4D97-AF65-F5344CB8AC3E}">
+        <p14:creationId xmlns:p14="http://schemas.microsoft.com/office/powerpoint/2010/main" val="4183911328"/>
+      </p:ext>
+    </p:extLst>
+  </p:cSld>
+  <p:clrMapOvr>
+    <a:masterClrMapping/>
+  </p:clrMapOvr>
+</p:sld>
+</file>
+
+<file path=ppt/slides/slide12.xml><?xml version="1.0" encoding="utf-8"?>
+<p:sld xmlns:a="http://schemas.openxmlformats.org/drawingml/2006/main" xmlns:r="http://schemas.openxmlformats.org/officeDocument/2006/relationships" xmlns:p="http://schemas.openxmlformats.org/presentationml/2006/main">
+  <p:cSld>
+    <p:spTree>
+      <p:nvGrpSpPr>
+        <p:cNvPr id="1" name=""/>
+        <p:cNvGrpSpPr/>
+        <p:nvPr/>
+      </p:nvGrpSpPr>
+      <p:grpSpPr>
+        <a:xfrm>
+          <a:off x="0" y="0"/>
+          <a:ext cx="0" cy="0"/>
+          <a:chOff x="0" y="0"/>
+          <a:chExt cx="0" cy="0"/>
+        </a:xfrm>
+      </p:grpSpPr>
       <p:pic>
         <p:nvPicPr>
-          <p:cNvPr id="3075" name="Picture 3" descr="C:\Users\Eyokiha\Dropbox\Documents\Courses\Master\Blok2\LearningFromData\Final\English.png"/>
+          <p:cNvPr id="2051" name="Picture 3" descr="C:\Users\Eyokiha\Dropbox\Documents\Courses\Master\Blok2\LearningFromData\Final\Spanish.png"/>
           <p:cNvPicPr>
             <a:picLocks noChangeAspect="1" noChangeArrowheads="1"/>
           </p:cNvPicPr>
@@ -15546,13 +16700,1825 @@
               </a:ext>
             </a:extLst>
           </a:blip>
-          <a:srcRect l="716" t="59113" r="41347" b="3383"/>
+          <a:srcRect l="969" t="46745" r="59757" b="42851"/>
           <a:stretch/>
         </p:blipFill>
         <p:spPr bwMode="auto">
           <a:xfrm>
-            <a:off x="4743800" y="1381505"/>
-            <a:ext cx="3879492" cy="2804550"/>
+            <a:off x="1960073" y="4149080"/>
+            <a:ext cx="5223853" cy="1512168"/>
+          </a:xfrm>
+          <a:prstGeom prst="rect">
+            <a:avLst/>
+          </a:prstGeom>
+          <a:noFill/>
+          <a:extLst>
+            <a:ext uri="{909E8E84-426E-40DD-AFC4-6F175D3DCCD1}">
+              <a14:hiddenFill xmlns:a14="http://schemas.microsoft.com/office/drawing/2010/main">
+                <a:solidFill>
+                  <a:srgbClr val="FFFFFF"/>
+                </a:solidFill>
+              </a14:hiddenFill>
+            </a:ext>
+          </a:extLst>
+        </p:spPr>
+      </p:pic>
+      <p:sp>
+        <p:nvSpPr>
+          <p:cNvPr id="7" name="Tekstvak 6">
+            <a:extLst>
+              <a:ext uri="{FF2B5EF4-FFF2-40B4-BE49-F238E27FC236}">
+                <a16:creationId xmlns:a16="http://schemas.microsoft.com/office/drawing/2014/main" id="{84C5B99A-F4E4-46AF-BE7E-A7FC0E7F2683}"/>
+              </a:ext>
+            </a:extLst>
+          </p:cNvPr>
+          <p:cNvSpPr txBox="1"/>
+          <p:nvPr/>
+        </p:nvSpPr>
+        <p:spPr>
+          <a:xfrm>
+            <a:off x="3812015" y="935142"/>
+            <a:ext cx="1519968" cy="523220"/>
+          </a:xfrm>
+          <a:prstGeom prst="rect">
+            <a:avLst/>
+          </a:prstGeom>
+          <a:noFill/>
+        </p:spPr>
+        <p:txBody>
+          <a:bodyPr wrap="none" rtlCol="0">
+            <a:spAutoFit/>
+          </a:bodyPr>
+          <a:lstStyle/>
+          <a:p>
+            <a:r>
+              <a:rPr lang="nl-NL" sz="2800" b="1" dirty="0"/>
+              <a:t>Spanish</a:t>
+            </a:r>
+            <a:endParaRPr lang="nl-NL" b="1" dirty="0"/>
+          </a:p>
+        </p:txBody>
+      </p:sp>
+      <p:graphicFrame>
+        <p:nvGraphicFramePr>
+          <p:cNvPr id="9" name="Tabel 8">
+            <a:extLst>
+              <a:ext uri="{FF2B5EF4-FFF2-40B4-BE49-F238E27FC236}">
+                <a16:creationId xmlns:a16="http://schemas.microsoft.com/office/drawing/2014/main" id="{009ABCA2-5DEA-418B-BC92-6E5F57E1F802}"/>
+              </a:ext>
+            </a:extLst>
+          </p:cNvPr>
+          <p:cNvGraphicFramePr>
+            <a:graphicFrameLocks noGrp="1"/>
+          </p:cNvGraphicFramePr>
+          <p:nvPr>
+            <p:extLst>
+              <p:ext uri="{D42A27DB-BD31-4B8C-83A1-F6EECF244321}">
+                <p14:modId xmlns:p14="http://schemas.microsoft.com/office/powerpoint/2010/main" val="3079853891"/>
+              </p:ext>
+            </p:extLst>
+          </p:nvPr>
+        </p:nvGraphicFramePr>
+        <p:xfrm>
+          <a:off x="763428" y="1556792"/>
+          <a:ext cx="7617144" cy="2123440"/>
+        </p:xfrm>
+        <a:graphic>
+          <a:graphicData uri="http://schemas.openxmlformats.org/drawingml/2006/table">
+            <a:tbl>
+              <a:tblPr firstRow="1" bandRow="1">
+                <a:tableStyleId>{5C22544A-7EE6-4342-B048-85BDC9FD1C3A}</a:tableStyleId>
+              </a:tblPr>
+              <a:tblGrid>
+                <a:gridCol w="1904286">
+                  <a:extLst>
+                    <a:ext uri="{9D8B030D-6E8A-4147-A177-3AD203B41FA5}">
+                      <a16:colId xmlns:a16="http://schemas.microsoft.com/office/drawing/2014/main" val="1712131747"/>
+                    </a:ext>
+                  </a:extLst>
+                </a:gridCol>
+                <a:gridCol w="1904286">
+                  <a:extLst>
+                    <a:ext uri="{9D8B030D-6E8A-4147-A177-3AD203B41FA5}">
+                      <a16:colId xmlns:a16="http://schemas.microsoft.com/office/drawing/2014/main" val="1064206649"/>
+                    </a:ext>
+                  </a:extLst>
+                </a:gridCol>
+                <a:gridCol w="1904286">
+                  <a:extLst>
+                    <a:ext uri="{9D8B030D-6E8A-4147-A177-3AD203B41FA5}">
+                      <a16:colId xmlns:a16="http://schemas.microsoft.com/office/drawing/2014/main" val="2573910689"/>
+                    </a:ext>
+                  </a:extLst>
+                </a:gridCol>
+                <a:gridCol w="1904286">
+                  <a:extLst>
+                    <a:ext uri="{9D8B030D-6E8A-4147-A177-3AD203B41FA5}">
+                      <a16:colId xmlns:a16="http://schemas.microsoft.com/office/drawing/2014/main" val="1833719600"/>
+                    </a:ext>
+                  </a:extLst>
+                </a:gridCol>
+              </a:tblGrid>
+              <a:tr h="370840">
+                <a:tc>
+                  <a:txBody>
+                    <a:bodyPr/>
+                    <a:lstStyle/>
+                    <a:p>
+                      <a:pPr algn="ctr"/>
+                      <a:r>
+                        <a:rPr lang="nl-NL" i="1" u="sng" dirty="0"/>
+                        <a:t>Age</a:t>
+                      </a:r>
+                    </a:p>
+                  </a:txBody>
+                  <a:tcPr anchor="ctr"/>
+                </a:tc>
+                <a:tc>
+                  <a:txBody>
+                    <a:bodyPr/>
+                    <a:lstStyle/>
+                    <a:p>
+                      <a:r>
+                        <a:rPr lang="nl-NL" dirty="0"/>
+                        <a:t>Baseline</a:t>
+                      </a:r>
+                    </a:p>
+                  </a:txBody>
+                  <a:tcPr/>
+                </a:tc>
+                <a:tc>
+                  <a:txBody>
+                    <a:bodyPr/>
+                    <a:lstStyle/>
+                    <a:p>
+                      <a:r>
+                        <a:rPr lang="nl-NL" dirty="0"/>
+                        <a:t>Development-set</a:t>
+                      </a:r>
+                    </a:p>
+                  </a:txBody>
+                  <a:tcPr/>
+                </a:tc>
+                <a:tc>
+                  <a:txBody>
+                    <a:bodyPr/>
+                    <a:lstStyle/>
+                    <a:p>
+                      <a:r>
+                        <a:rPr lang="nl-NL" dirty="0"/>
+                        <a:t>Test-set</a:t>
+                      </a:r>
+                    </a:p>
+                  </a:txBody>
+                  <a:tcPr/>
+                </a:tc>
+                <a:extLst>
+                  <a:ext uri="{0D108BD9-81ED-4DB2-BD59-A6C34878D82A}">
+                    <a16:rowId xmlns:a16="http://schemas.microsoft.com/office/drawing/2014/main" val="3039594110"/>
+                  </a:ext>
+                </a:extLst>
+              </a:tr>
+              <a:tr h="370840">
+                <a:tc>
+                  <a:txBody>
+                    <a:bodyPr/>
+                    <a:lstStyle/>
+                    <a:p>
+                      <a:r>
+                        <a:rPr lang="nl-NL" dirty="0" err="1"/>
+                        <a:t>Accuracy</a:t>
+                      </a:r>
+                      <a:endParaRPr lang="nl-NL" dirty="0"/>
+                    </a:p>
+                  </a:txBody>
+                  <a:tcPr/>
+                </a:tc>
+                <a:tc>
+                  <a:txBody>
+                    <a:bodyPr/>
+                    <a:lstStyle/>
+                    <a:p>
+                      <a:r>
+                        <a:rPr lang="nl-NL" dirty="0"/>
+                        <a:t>0.471</a:t>
+                      </a:r>
+                    </a:p>
+                  </a:txBody>
+                  <a:tcPr/>
+                </a:tc>
+                <a:tc>
+                  <a:txBody>
+                    <a:bodyPr/>
+                    <a:lstStyle/>
+                    <a:p>
+                      <a:r>
+                        <a:rPr lang="nl-NL" dirty="0"/>
+                        <a:t>0.386</a:t>
+                      </a:r>
+                    </a:p>
+                  </a:txBody>
+                  <a:tcPr/>
+                </a:tc>
+                <a:tc>
+                  <a:txBody>
+                    <a:bodyPr/>
+                    <a:lstStyle/>
+                    <a:p>
+                      <a:r>
+                        <a:rPr lang="nl-NL" dirty="0"/>
+                        <a:t>0.567</a:t>
+                      </a:r>
+                    </a:p>
+                  </a:txBody>
+                  <a:tcPr/>
+                </a:tc>
+                <a:extLst>
+                  <a:ext uri="{0D108BD9-81ED-4DB2-BD59-A6C34878D82A}">
+                    <a16:rowId xmlns:a16="http://schemas.microsoft.com/office/drawing/2014/main" val="1056561172"/>
+                  </a:ext>
+                </a:extLst>
+              </a:tr>
+              <a:tr h="370840">
+                <a:tc>
+                  <a:txBody>
+                    <a:bodyPr/>
+                    <a:lstStyle/>
+                    <a:p>
+                      <a:r>
+                        <a:rPr lang="nl-NL" dirty="0"/>
+                        <a:t>Precision</a:t>
+                      </a:r>
+                    </a:p>
+                  </a:txBody>
+                  <a:tcPr/>
+                </a:tc>
+                <a:tc>
+                  <a:txBody>
+                    <a:bodyPr/>
+                    <a:lstStyle/>
+                    <a:p>
+                      <a:r>
+                        <a:rPr lang="nl-NL" dirty="0"/>
+                        <a:t>0.139</a:t>
+                      </a:r>
+                    </a:p>
+                  </a:txBody>
+                  <a:tcPr/>
+                </a:tc>
+                <a:tc>
+                  <a:txBody>
+                    <a:bodyPr/>
+                    <a:lstStyle/>
+                    <a:p>
+                      <a:r>
+                        <a:rPr lang="nl-NL" dirty="0"/>
+                        <a:t>0.176</a:t>
+                      </a:r>
+                    </a:p>
+                  </a:txBody>
+                  <a:tcPr/>
+                </a:tc>
+                <a:tc>
+                  <a:txBody>
+                    <a:bodyPr/>
+                    <a:lstStyle/>
+                    <a:p>
+                      <a:r>
+                        <a:rPr lang="nl-NL" dirty="0"/>
+                        <a:t>0.625</a:t>
+                      </a:r>
+                    </a:p>
+                  </a:txBody>
+                  <a:tcPr/>
+                </a:tc>
+                <a:extLst>
+                  <a:ext uri="{0D108BD9-81ED-4DB2-BD59-A6C34878D82A}">
+                    <a16:rowId xmlns:a16="http://schemas.microsoft.com/office/drawing/2014/main" val="1040604747"/>
+                  </a:ext>
+                </a:extLst>
+              </a:tr>
+              <a:tr h="370840">
+                <a:tc>
+                  <a:txBody>
+                    <a:bodyPr/>
+                    <a:lstStyle/>
+                    <a:p>
+                      <a:r>
+                        <a:rPr lang="nl-NL" dirty="0" err="1"/>
+                        <a:t>Recall</a:t>
+                      </a:r>
+                      <a:endParaRPr lang="nl-NL" dirty="0"/>
+                    </a:p>
+                  </a:txBody>
+                  <a:tcPr/>
+                </a:tc>
+                <a:tc>
+                  <a:txBody>
+                    <a:bodyPr/>
+                    <a:lstStyle/>
+                    <a:p>
+                      <a:r>
+                        <a:rPr lang="nl-NL" dirty="0"/>
+                        <a:t>0.283</a:t>
+                      </a:r>
+                    </a:p>
+                  </a:txBody>
+                  <a:tcPr/>
+                </a:tc>
+                <a:tc>
+                  <a:txBody>
+                    <a:bodyPr/>
+                    <a:lstStyle/>
+                    <a:p>
+                      <a:r>
+                        <a:rPr lang="nl-NL" dirty="0"/>
+                        <a:t>0.245</a:t>
+                      </a:r>
+                    </a:p>
+                  </a:txBody>
+                  <a:tcPr/>
+                </a:tc>
+                <a:tc>
+                  <a:txBody>
+                    <a:bodyPr/>
+                    <a:lstStyle/>
+                    <a:p>
+                      <a:r>
+                        <a:rPr lang="nl-NL" dirty="0"/>
+                        <a:t>0.383</a:t>
+                      </a:r>
+                    </a:p>
+                  </a:txBody>
+                  <a:tcPr/>
+                </a:tc>
+                <a:extLst>
+                  <a:ext uri="{0D108BD9-81ED-4DB2-BD59-A6C34878D82A}">
+                    <a16:rowId xmlns:a16="http://schemas.microsoft.com/office/drawing/2014/main" val="2535849655"/>
+                  </a:ext>
+                </a:extLst>
+              </a:tr>
+              <a:tr h="370840">
+                <a:tc>
+                  <a:txBody>
+                    <a:bodyPr/>
+                    <a:lstStyle/>
+                    <a:p>
+                      <a:r>
+                        <a:rPr lang="nl-NL" dirty="0"/>
+                        <a:t>F1-score</a:t>
+                      </a:r>
+                    </a:p>
+                  </a:txBody>
+                  <a:tcPr/>
+                </a:tc>
+                <a:tc>
+                  <a:txBody>
+                    <a:bodyPr/>
+                    <a:lstStyle/>
+                    <a:p>
+                      <a:r>
+                        <a:rPr lang="nl-NL" dirty="0"/>
+                        <a:t>0.183</a:t>
+                      </a:r>
+                    </a:p>
+                  </a:txBody>
+                  <a:tcPr/>
+                </a:tc>
+                <a:tc>
+                  <a:txBody>
+                    <a:bodyPr/>
+                    <a:lstStyle/>
+                    <a:p>
+                      <a:r>
+                        <a:rPr lang="nl-NL" dirty="0"/>
+                        <a:t>0.196</a:t>
+                      </a:r>
+                    </a:p>
+                  </a:txBody>
+                  <a:tcPr/>
+                </a:tc>
+                <a:tc>
+                  <a:txBody>
+                    <a:bodyPr/>
+                    <a:lstStyle/>
+                    <a:p>
+                      <a:r>
+                        <a:rPr lang="nl-NL" dirty="0"/>
+                        <a:t>0.375</a:t>
+                      </a:r>
+                    </a:p>
+                  </a:txBody>
+                  <a:tcPr/>
+                </a:tc>
+                <a:extLst>
+                  <a:ext uri="{0D108BD9-81ED-4DB2-BD59-A6C34878D82A}">
+                    <a16:rowId xmlns:a16="http://schemas.microsoft.com/office/drawing/2014/main" val="2134136561"/>
+                  </a:ext>
+                </a:extLst>
+              </a:tr>
+            </a:tbl>
+          </a:graphicData>
+        </a:graphic>
+      </p:graphicFrame>
+    </p:spTree>
+    <p:extLst>
+      <p:ext uri="{BB962C8B-B14F-4D97-AF65-F5344CB8AC3E}">
+        <p14:creationId xmlns:p14="http://schemas.microsoft.com/office/powerpoint/2010/main" val="3217394702"/>
+      </p:ext>
+    </p:extLst>
+  </p:cSld>
+  <p:clrMapOvr>
+    <a:masterClrMapping/>
+  </p:clrMapOvr>
+</p:sld>
+</file>
+
+<file path=ppt/slides/slide13.xml><?xml version="1.0" encoding="utf-8"?>
+<p:sld xmlns:a="http://schemas.openxmlformats.org/drawingml/2006/main" xmlns:r="http://schemas.openxmlformats.org/officeDocument/2006/relationships" xmlns:p="http://schemas.openxmlformats.org/presentationml/2006/main">
+  <p:cSld>
+    <p:spTree>
+      <p:nvGrpSpPr>
+        <p:cNvPr id="1" name=""/>
+        <p:cNvGrpSpPr/>
+        <p:nvPr/>
+      </p:nvGrpSpPr>
+      <p:grpSpPr>
+        <a:xfrm>
+          <a:off x="0" y="0"/>
+          <a:ext cx="0" cy="0"/>
+          <a:chOff x="0" y="0"/>
+          <a:chExt cx="0" cy="0"/>
+        </a:xfrm>
+      </p:grpSpPr>
+      <p:pic>
+        <p:nvPicPr>
+          <p:cNvPr id="2052" name="Picture 4" descr="C:\Users\Eyokiha\Dropbox\Documents\Courses\Master\Blok2\LearningFromData\Final\Spanish.png"/>
+          <p:cNvPicPr>
+            <a:picLocks noChangeAspect="1" noChangeArrowheads="1"/>
+          </p:cNvPicPr>
+          <p:nvPr/>
+        </p:nvPicPr>
+        <p:blipFill rotWithShape="1">
+          <a:blip r:embed="rId3">
+            <a:extLst>
+              <a:ext uri="{28A0092B-C50C-407E-A947-70E740481C1C}">
+                <a14:useLocalDpi xmlns:a14="http://schemas.microsoft.com/office/drawing/2010/main" val="0"/>
+              </a:ext>
+            </a:extLst>
+          </a:blip>
+          <a:srcRect l="752" t="83090" r="45385" b="2732"/>
+          <a:stretch/>
+        </p:blipFill>
+        <p:spPr bwMode="auto">
+          <a:xfrm>
+            <a:off x="1568069" y="4077072"/>
+            <a:ext cx="6007861" cy="1728192"/>
+          </a:xfrm>
+          <a:prstGeom prst="rect">
+            <a:avLst/>
+          </a:prstGeom>
+          <a:noFill/>
+          <a:extLst>
+            <a:ext uri="{909E8E84-426E-40DD-AFC4-6F175D3DCCD1}">
+              <a14:hiddenFill xmlns:a14="http://schemas.microsoft.com/office/drawing/2010/main">
+                <a:solidFill>
+                  <a:srgbClr val="FFFFFF"/>
+                </a:solidFill>
+              </a14:hiddenFill>
+            </a:ext>
+          </a:extLst>
+        </p:spPr>
+      </p:pic>
+      <p:sp>
+        <p:nvSpPr>
+          <p:cNvPr id="7" name="Tekstvak 6">
+            <a:extLst>
+              <a:ext uri="{FF2B5EF4-FFF2-40B4-BE49-F238E27FC236}">
+                <a16:creationId xmlns:a16="http://schemas.microsoft.com/office/drawing/2014/main" id="{84C5B99A-F4E4-46AF-BE7E-A7FC0E7F2683}"/>
+              </a:ext>
+            </a:extLst>
+          </p:cNvPr>
+          <p:cNvSpPr txBox="1"/>
+          <p:nvPr/>
+        </p:nvSpPr>
+        <p:spPr>
+          <a:xfrm>
+            <a:off x="3812016" y="954233"/>
+            <a:ext cx="1519968" cy="523220"/>
+          </a:xfrm>
+          <a:prstGeom prst="rect">
+            <a:avLst/>
+          </a:prstGeom>
+          <a:noFill/>
+        </p:spPr>
+        <p:txBody>
+          <a:bodyPr wrap="none" rtlCol="0">
+            <a:spAutoFit/>
+          </a:bodyPr>
+          <a:lstStyle/>
+          <a:p>
+            <a:r>
+              <a:rPr lang="nl-NL" sz="2800" b="1" dirty="0"/>
+              <a:t>Spanish</a:t>
+            </a:r>
+            <a:endParaRPr lang="nl-NL" b="1" dirty="0"/>
+          </a:p>
+        </p:txBody>
+      </p:sp>
+      <p:graphicFrame>
+        <p:nvGraphicFramePr>
+          <p:cNvPr id="10" name="Tabel 9">
+            <a:extLst>
+              <a:ext uri="{FF2B5EF4-FFF2-40B4-BE49-F238E27FC236}">
+                <a16:creationId xmlns:a16="http://schemas.microsoft.com/office/drawing/2014/main" id="{C65BEA78-DAE4-4CC5-A2BD-18100D9C3F4F}"/>
+              </a:ext>
+            </a:extLst>
+          </p:cNvPr>
+          <p:cNvGraphicFramePr>
+            <a:graphicFrameLocks noGrp="1"/>
+          </p:cNvGraphicFramePr>
+          <p:nvPr>
+            <p:extLst>
+              <p:ext uri="{D42A27DB-BD31-4B8C-83A1-F6EECF244321}">
+                <p14:modId xmlns:p14="http://schemas.microsoft.com/office/powerpoint/2010/main" val="1480060718"/>
+              </p:ext>
+            </p:extLst>
+          </p:nvPr>
+        </p:nvGraphicFramePr>
+        <p:xfrm>
+          <a:off x="763428" y="1556792"/>
+          <a:ext cx="7617144" cy="2123440"/>
+        </p:xfrm>
+        <a:graphic>
+          <a:graphicData uri="http://schemas.openxmlformats.org/drawingml/2006/table">
+            <a:tbl>
+              <a:tblPr firstRow="1" bandRow="1">
+                <a:tableStyleId>{5C22544A-7EE6-4342-B048-85BDC9FD1C3A}</a:tableStyleId>
+              </a:tblPr>
+              <a:tblGrid>
+                <a:gridCol w="1904286">
+                  <a:extLst>
+                    <a:ext uri="{9D8B030D-6E8A-4147-A177-3AD203B41FA5}">
+                      <a16:colId xmlns:a16="http://schemas.microsoft.com/office/drawing/2014/main" val="1712131747"/>
+                    </a:ext>
+                  </a:extLst>
+                </a:gridCol>
+                <a:gridCol w="1904286">
+                  <a:extLst>
+                    <a:ext uri="{9D8B030D-6E8A-4147-A177-3AD203B41FA5}">
+                      <a16:colId xmlns:a16="http://schemas.microsoft.com/office/drawing/2014/main" val="1064206649"/>
+                    </a:ext>
+                  </a:extLst>
+                </a:gridCol>
+                <a:gridCol w="1904286">
+                  <a:extLst>
+                    <a:ext uri="{9D8B030D-6E8A-4147-A177-3AD203B41FA5}">
+                      <a16:colId xmlns:a16="http://schemas.microsoft.com/office/drawing/2014/main" val="2573910689"/>
+                    </a:ext>
+                  </a:extLst>
+                </a:gridCol>
+                <a:gridCol w="1904286">
+                  <a:extLst>
+                    <a:ext uri="{9D8B030D-6E8A-4147-A177-3AD203B41FA5}">
+                      <a16:colId xmlns:a16="http://schemas.microsoft.com/office/drawing/2014/main" val="1833719600"/>
+                    </a:ext>
+                  </a:extLst>
+                </a:gridCol>
+              </a:tblGrid>
+              <a:tr h="370840">
+                <a:tc>
+                  <a:txBody>
+                    <a:bodyPr/>
+                    <a:lstStyle/>
+                    <a:p>
+                      <a:pPr algn="ctr"/>
+                      <a:r>
+                        <a:rPr lang="nl-NL" i="1" u="sng" dirty="0" err="1"/>
+                        <a:t>Combined</a:t>
+                      </a:r>
+                      <a:endParaRPr lang="nl-NL" i="1" u="sng" dirty="0"/>
+                    </a:p>
+                  </a:txBody>
+                  <a:tcPr anchor="ctr"/>
+                </a:tc>
+                <a:tc>
+                  <a:txBody>
+                    <a:bodyPr/>
+                    <a:lstStyle/>
+                    <a:p>
+                      <a:r>
+                        <a:rPr lang="nl-NL" dirty="0"/>
+                        <a:t>Baseline</a:t>
+                      </a:r>
+                    </a:p>
+                  </a:txBody>
+                  <a:tcPr/>
+                </a:tc>
+                <a:tc>
+                  <a:txBody>
+                    <a:bodyPr/>
+                    <a:lstStyle/>
+                    <a:p>
+                      <a:r>
+                        <a:rPr lang="nl-NL" dirty="0"/>
+                        <a:t>Development-set</a:t>
+                      </a:r>
+                    </a:p>
+                  </a:txBody>
+                  <a:tcPr/>
+                </a:tc>
+                <a:tc>
+                  <a:txBody>
+                    <a:bodyPr/>
+                    <a:lstStyle/>
+                    <a:p>
+                      <a:r>
+                        <a:rPr lang="nl-NL" dirty="0"/>
+                        <a:t>Test-set</a:t>
+                      </a:r>
+                    </a:p>
+                  </a:txBody>
+                  <a:tcPr/>
+                </a:tc>
+                <a:extLst>
+                  <a:ext uri="{0D108BD9-81ED-4DB2-BD59-A6C34878D82A}">
+                    <a16:rowId xmlns:a16="http://schemas.microsoft.com/office/drawing/2014/main" val="3039594110"/>
+                  </a:ext>
+                </a:extLst>
+              </a:tr>
+              <a:tr h="370840">
+                <a:tc>
+                  <a:txBody>
+                    <a:bodyPr/>
+                    <a:lstStyle/>
+                    <a:p>
+                      <a:r>
+                        <a:rPr lang="nl-NL" dirty="0" err="1"/>
+                        <a:t>Accuracy</a:t>
+                      </a:r>
+                      <a:endParaRPr lang="nl-NL" dirty="0"/>
+                    </a:p>
+                  </a:txBody>
+                  <a:tcPr/>
+                </a:tc>
+                <a:tc>
+                  <a:txBody>
+                    <a:bodyPr/>
+                    <a:lstStyle/>
+                    <a:p>
+                      <a:r>
+                        <a:rPr lang="nl-NL" dirty="0"/>
+                        <a:t>0.421</a:t>
+                      </a:r>
+                    </a:p>
+                  </a:txBody>
+                  <a:tcPr/>
+                </a:tc>
+                <a:tc>
+                  <a:txBody>
+                    <a:bodyPr/>
+                    <a:lstStyle/>
+                    <a:p>
+                      <a:r>
+                        <a:rPr lang="nl-NL" dirty="0"/>
+                        <a:t>0.479</a:t>
+                      </a:r>
+                    </a:p>
+                  </a:txBody>
+                  <a:tcPr/>
+                </a:tc>
+                <a:tc>
+                  <a:txBody>
+                    <a:bodyPr/>
+                    <a:lstStyle/>
+                    <a:p>
+                      <a:r>
+                        <a:rPr lang="nl-NL" dirty="0"/>
+                        <a:t>0.700</a:t>
+                      </a:r>
+                    </a:p>
+                  </a:txBody>
+                  <a:tcPr/>
+                </a:tc>
+                <a:extLst>
+                  <a:ext uri="{0D108BD9-81ED-4DB2-BD59-A6C34878D82A}">
+                    <a16:rowId xmlns:a16="http://schemas.microsoft.com/office/drawing/2014/main" val="1056561172"/>
+                  </a:ext>
+                </a:extLst>
+              </a:tr>
+              <a:tr h="370840">
+                <a:tc>
+                  <a:txBody>
+                    <a:bodyPr/>
+                    <a:lstStyle/>
+                    <a:p>
+                      <a:r>
+                        <a:rPr lang="nl-NL" dirty="0"/>
+                        <a:t>Precision</a:t>
+                      </a:r>
+                    </a:p>
+                  </a:txBody>
+                  <a:tcPr/>
+                </a:tc>
+                <a:tc>
+                  <a:txBody>
+                    <a:bodyPr/>
+                    <a:lstStyle/>
+                    <a:p>
+                      <a:r>
+                        <a:rPr lang="nl-NL" dirty="0"/>
+                        <a:t>0.140</a:t>
+                      </a:r>
+                    </a:p>
+                  </a:txBody>
+                  <a:tcPr/>
+                </a:tc>
+                <a:tc>
+                  <a:txBody>
+                    <a:bodyPr/>
+                    <a:lstStyle/>
+                    <a:p>
+                      <a:r>
+                        <a:rPr lang="nl-NL" dirty="0"/>
+                        <a:t>0.313</a:t>
+                      </a:r>
+                    </a:p>
+                  </a:txBody>
+                  <a:tcPr/>
+                </a:tc>
+                <a:tc>
+                  <a:txBody>
+                    <a:bodyPr/>
+                    <a:lstStyle/>
+                    <a:p>
+                      <a:r>
+                        <a:rPr lang="nl-NL" dirty="0"/>
+                        <a:t>0.698</a:t>
+                      </a:r>
+                    </a:p>
+                  </a:txBody>
+                  <a:tcPr/>
+                </a:tc>
+                <a:extLst>
+                  <a:ext uri="{0D108BD9-81ED-4DB2-BD59-A6C34878D82A}">
+                    <a16:rowId xmlns:a16="http://schemas.microsoft.com/office/drawing/2014/main" val="1040604747"/>
+                  </a:ext>
+                </a:extLst>
+              </a:tr>
+              <a:tr h="370840">
+                <a:tc>
+                  <a:txBody>
+                    <a:bodyPr/>
+                    <a:lstStyle/>
+                    <a:p>
+                      <a:r>
+                        <a:rPr lang="nl-NL" dirty="0" err="1"/>
+                        <a:t>Recall</a:t>
+                      </a:r>
+                      <a:endParaRPr lang="nl-NL" dirty="0"/>
+                    </a:p>
+                  </a:txBody>
+                  <a:tcPr/>
+                </a:tc>
+                <a:tc>
+                  <a:txBody>
+                    <a:bodyPr/>
+                    <a:lstStyle/>
+                    <a:p>
+                      <a:r>
+                        <a:rPr lang="nl-NL" dirty="0"/>
+                        <a:t>0.333</a:t>
+                      </a:r>
+                    </a:p>
+                  </a:txBody>
+                  <a:tcPr/>
+                </a:tc>
+                <a:tc>
+                  <a:txBody>
+                    <a:bodyPr/>
+                    <a:lstStyle/>
+                    <a:p>
+                      <a:r>
+                        <a:rPr lang="nl-NL" dirty="0"/>
+                        <a:t>0.357</a:t>
+                      </a:r>
+                    </a:p>
+                  </a:txBody>
+                  <a:tcPr/>
+                </a:tc>
+                <a:tc>
+                  <a:txBody>
+                    <a:bodyPr/>
+                    <a:lstStyle/>
+                    <a:p>
+                      <a:r>
+                        <a:rPr lang="nl-NL" dirty="0"/>
+                        <a:t>0.545</a:t>
+                      </a:r>
+                    </a:p>
+                  </a:txBody>
+                  <a:tcPr/>
+                </a:tc>
+                <a:extLst>
+                  <a:ext uri="{0D108BD9-81ED-4DB2-BD59-A6C34878D82A}">
+                    <a16:rowId xmlns:a16="http://schemas.microsoft.com/office/drawing/2014/main" val="2535849655"/>
+                  </a:ext>
+                </a:extLst>
+              </a:tr>
+              <a:tr h="370840">
+                <a:tc>
+                  <a:txBody>
+                    <a:bodyPr/>
+                    <a:lstStyle/>
+                    <a:p>
+                      <a:r>
+                        <a:rPr lang="nl-NL" dirty="0"/>
+                        <a:t>F1-score</a:t>
+                      </a:r>
+                    </a:p>
+                  </a:txBody>
+                  <a:tcPr/>
+                </a:tc>
+                <a:tc>
+                  <a:txBody>
+                    <a:bodyPr/>
+                    <a:lstStyle/>
+                    <a:p>
+                      <a:r>
+                        <a:rPr lang="nl-NL" dirty="0"/>
+                        <a:t>0.195</a:t>
+                      </a:r>
+                    </a:p>
+                  </a:txBody>
+                  <a:tcPr/>
+                </a:tc>
+                <a:tc>
+                  <a:txBody>
+                    <a:bodyPr/>
+                    <a:lstStyle/>
+                    <a:p>
+                      <a:r>
+                        <a:rPr lang="nl-NL" dirty="0"/>
+                        <a:t>0.324</a:t>
+                      </a:r>
+                    </a:p>
+                  </a:txBody>
+                  <a:tcPr/>
+                </a:tc>
+                <a:tc>
+                  <a:txBody>
+                    <a:bodyPr/>
+                    <a:lstStyle/>
+                    <a:p>
+                      <a:r>
+                        <a:rPr lang="nl-NL" dirty="0"/>
+                        <a:t>0.527</a:t>
+                      </a:r>
+                    </a:p>
+                  </a:txBody>
+                  <a:tcPr/>
+                </a:tc>
+                <a:extLst>
+                  <a:ext uri="{0D108BD9-81ED-4DB2-BD59-A6C34878D82A}">
+                    <a16:rowId xmlns:a16="http://schemas.microsoft.com/office/drawing/2014/main" val="2134136561"/>
+                  </a:ext>
+                </a:extLst>
+              </a:tr>
+            </a:tbl>
+          </a:graphicData>
+        </a:graphic>
+      </p:graphicFrame>
+    </p:spTree>
+    <p:extLst>
+      <p:ext uri="{BB962C8B-B14F-4D97-AF65-F5344CB8AC3E}">
+        <p14:creationId xmlns:p14="http://schemas.microsoft.com/office/powerpoint/2010/main" val="1288558351"/>
+      </p:ext>
+    </p:extLst>
+  </p:cSld>
+  <p:clrMapOvr>
+    <a:masterClrMapping/>
+  </p:clrMapOvr>
+</p:sld>
+</file>
+
+<file path=ppt/slides/slide14.xml><?xml version="1.0" encoding="utf-8"?>
+<p:sld xmlns:a="http://schemas.openxmlformats.org/drawingml/2006/main" xmlns:r="http://schemas.openxmlformats.org/officeDocument/2006/relationships" xmlns:p="http://schemas.openxmlformats.org/presentationml/2006/main">
+  <p:cSld>
+    <p:spTree>
+      <p:nvGrpSpPr>
+        <p:cNvPr id="1" name=""/>
+        <p:cNvGrpSpPr/>
+        <p:nvPr/>
+      </p:nvGrpSpPr>
+      <p:grpSpPr>
+        <a:xfrm>
+          <a:off x="0" y="0"/>
+          <a:ext cx="0" cy="0"/>
+          <a:chOff x="0" y="0"/>
+          <a:chExt cx="0" cy="0"/>
+        </a:xfrm>
+      </p:grpSpPr>
+      <p:pic>
+        <p:nvPicPr>
+          <p:cNvPr id="5" name="Picture 2" descr="C:\Users\Eyokiha\Dropbox\Documents\Courses\Master\Blok2\LearningFromData\Final\English.png">
+            <a:extLst>
+              <a:ext uri="{FF2B5EF4-FFF2-40B4-BE49-F238E27FC236}">
+                <a16:creationId xmlns:a16="http://schemas.microsoft.com/office/drawing/2014/main" id="{F9035BC7-34B1-43EB-B891-784EAFC6BACF}"/>
+              </a:ext>
+            </a:extLst>
+          </p:cNvPr>
+          <p:cNvPicPr>
+            <a:picLocks noChangeAspect="1" noChangeArrowheads="1"/>
+          </p:cNvPicPr>
+          <p:nvPr/>
+        </p:nvPicPr>
+        <p:blipFill rotWithShape="1">
+          <a:blip r:embed="rId3">
+            <a:extLst>
+              <a:ext uri="{28A0092B-C50C-407E-A947-70E740481C1C}">
+                <a14:useLocalDpi xmlns:a14="http://schemas.microsoft.com/office/drawing/2010/main" val="0"/>
+              </a:ext>
+            </a:extLst>
+          </a:blip>
+          <a:srcRect l="1024" t="18727" r="76629" b="73861"/>
+          <a:stretch/>
+        </p:blipFill>
+        <p:spPr bwMode="auto">
+          <a:xfrm>
+            <a:off x="3141000" y="4293096"/>
+            <a:ext cx="2862000" cy="1060176"/>
+          </a:xfrm>
+          <a:prstGeom prst="rect">
+            <a:avLst/>
+          </a:prstGeom>
+          <a:noFill/>
+          <a:extLst>
+            <a:ext uri="{909E8E84-426E-40DD-AFC4-6F175D3DCCD1}">
+              <a14:hiddenFill xmlns:a14="http://schemas.microsoft.com/office/drawing/2010/main">
+                <a:solidFill>
+                  <a:srgbClr val="FFFFFF"/>
+                </a:solidFill>
+              </a14:hiddenFill>
+            </a:ext>
+          </a:extLst>
+        </p:spPr>
+      </p:pic>
+      <p:sp>
+        <p:nvSpPr>
+          <p:cNvPr id="7" name="Tekstvak 6">
+            <a:extLst>
+              <a:ext uri="{FF2B5EF4-FFF2-40B4-BE49-F238E27FC236}">
+                <a16:creationId xmlns:a16="http://schemas.microsoft.com/office/drawing/2014/main" id="{84C5B99A-F4E4-46AF-BE7E-A7FC0E7F2683}"/>
+              </a:ext>
+            </a:extLst>
+          </p:cNvPr>
+          <p:cNvSpPr txBox="1"/>
+          <p:nvPr/>
+        </p:nvSpPr>
+        <p:spPr>
+          <a:xfrm>
+            <a:off x="3812016" y="953138"/>
+            <a:ext cx="1369286" cy="523220"/>
+          </a:xfrm>
+          <a:prstGeom prst="rect">
+            <a:avLst/>
+          </a:prstGeom>
+          <a:noFill/>
+        </p:spPr>
+        <p:txBody>
+          <a:bodyPr wrap="none" rtlCol="0">
+            <a:spAutoFit/>
+          </a:bodyPr>
+          <a:lstStyle/>
+          <a:p>
+            <a:r>
+              <a:rPr lang="nl-NL" sz="2800" b="1" dirty="0"/>
+              <a:t>English</a:t>
+            </a:r>
+            <a:endParaRPr lang="nl-NL" b="1" dirty="0"/>
+          </a:p>
+        </p:txBody>
+      </p:sp>
+      <p:graphicFrame>
+        <p:nvGraphicFramePr>
+          <p:cNvPr id="8" name="Tabel 7">
+            <a:extLst>
+              <a:ext uri="{FF2B5EF4-FFF2-40B4-BE49-F238E27FC236}">
+                <a16:creationId xmlns:a16="http://schemas.microsoft.com/office/drawing/2014/main" id="{1B1F05E1-2F76-4DD1-849A-B6F5E0A0EEC2}"/>
+              </a:ext>
+            </a:extLst>
+          </p:cNvPr>
+          <p:cNvGraphicFramePr>
+            <a:graphicFrameLocks noGrp="1"/>
+          </p:cNvGraphicFramePr>
+          <p:nvPr>
+            <p:extLst>
+              <p:ext uri="{D42A27DB-BD31-4B8C-83A1-F6EECF244321}">
+                <p14:modId xmlns:p14="http://schemas.microsoft.com/office/powerpoint/2010/main" val="1044751718"/>
+              </p:ext>
+            </p:extLst>
+          </p:nvPr>
+        </p:nvGraphicFramePr>
+        <p:xfrm>
+          <a:off x="763428" y="1557370"/>
+          <a:ext cx="7617144" cy="2123440"/>
+        </p:xfrm>
+        <a:graphic>
+          <a:graphicData uri="http://schemas.openxmlformats.org/drawingml/2006/table">
+            <a:tbl>
+              <a:tblPr firstRow="1" bandRow="1">
+                <a:tableStyleId>{5C22544A-7EE6-4342-B048-85BDC9FD1C3A}</a:tableStyleId>
+              </a:tblPr>
+              <a:tblGrid>
+                <a:gridCol w="1904286">
+                  <a:extLst>
+                    <a:ext uri="{9D8B030D-6E8A-4147-A177-3AD203B41FA5}">
+                      <a16:colId xmlns:a16="http://schemas.microsoft.com/office/drawing/2014/main" val="1712131747"/>
+                    </a:ext>
+                  </a:extLst>
+                </a:gridCol>
+                <a:gridCol w="1904286">
+                  <a:extLst>
+                    <a:ext uri="{9D8B030D-6E8A-4147-A177-3AD203B41FA5}">
+                      <a16:colId xmlns:a16="http://schemas.microsoft.com/office/drawing/2014/main" val="1064206649"/>
+                    </a:ext>
+                  </a:extLst>
+                </a:gridCol>
+                <a:gridCol w="1904286">
+                  <a:extLst>
+                    <a:ext uri="{9D8B030D-6E8A-4147-A177-3AD203B41FA5}">
+                      <a16:colId xmlns:a16="http://schemas.microsoft.com/office/drawing/2014/main" val="2573910689"/>
+                    </a:ext>
+                  </a:extLst>
+                </a:gridCol>
+                <a:gridCol w="1904286">
+                  <a:extLst>
+                    <a:ext uri="{9D8B030D-6E8A-4147-A177-3AD203B41FA5}">
+                      <a16:colId xmlns:a16="http://schemas.microsoft.com/office/drawing/2014/main" val="1833719600"/>
+                    </a:ext>
+                  </a:extLst>
+                </a:gridCol>
+              </a:tblGrid>
+              <a:tr h="370840">
+                <a:tc>
+                  <a:txBody>
+                    <a:bodyPr/>
+                    <a:lstStyle/>
+                    <a:p>
+                      <a:pPr algn="ctr"/>
+                      <a:r>
+                        <a:rPr lang="nl-NL" i="1" u="sng" dirty="0"/>
+                        <a:t>Gender</a:t>
+                      </a:r>
+                    </a:p>
+                  </a:txBody>
+                  <a:tcPr anchor="ctr"/>
+                </a:tc>
+                <a:tc>
+                  <a:txBody>
+                    <a:bodyPr/>
+                    <a:lstStyle/>
+                    <a:p>
+                      <a:r>
+                        <a:rPr lang="nl-NL" dirty="0"/>
+                        <a:t>Baseline</a:t>
+                      </a:r>
+                    </a:p>
+                  </a:txBody>
+                  <a:tcPr/>
+                </a:tc>
+                <a:tc>
+                  <a:txBody>
+                    <a:bodyPr/>
+                    <a:lstStyle/>
+                    <a:p>
+                      <a:r>
+                        <a:rPr lang="nl-NL" dirty="0"/>
+                        <a:t>Development-set</a:t>
+                      </a:r>
+                    </a:p>
+                  </a:txBody>
+                  <a:tcPr/>
+                </a:tc>
+                <a:tc>
+                  <a:txBody>
+                    <a:bodyPr/>
+                    <a:lstStyle/>
+                    <a:p>
+                      <a:r>
+                        <a:rPr lang="nl-NL" dirty="0"/>
+                        <a:t>Test-set</a:t>
+                      </a:r>
+                    </a:p>
+                  </a:txBody>
+                  <a:tcPr/>
+                </a:tc>
+                <a:extLst>
+                  <a:ext uri="{0D108BD9-81ED-4DB2-BD59-A6C34878D82A}">
+                    <a16:rowId xmlns:a16="http://schemas.microsoft.com/office/drawing/2014/main" val="3039594110"/>
+                  </a:ext>
+                </a:extLst>
+              </a:tr>
+              <a:tr h="370840">
+                <a:tc>
+                  <a:txBody>
+                    <a:bodyPr/>
+                    <a:lstStyle/>
+                    <a:p>
+                      <a:r>
+                        <a:rPr lang="nl-NL" dirty="0" err="1"/>
+                        <a:t>Accuracy</a:t>
+                      </a:r>
+                      <a:endParaRPr lang="nl-NL" dirty="0"/>
+                    </a:p>
+                  </a:txBody>
+                  <a:tcPr/>
+                </a:tc>
+                <a:tc>
+                  <a:txBody>
+                    <a:bodyPr/>
+                    <a:lstStyle/>
+                    <a:p>
+                      <a:r>
+                        <a:rPr lang="nl-NL" dirty="0"/>
+                        <a:t>0.487</a:t>
+                      </a:r>
+                    </a:p>
+                  </a:txBody>
+                  <a:tcPr/>
+                </a:tc>
+                <a:tc>
+                  <a:txBody>
+                    <a:bodyPr/>
+                    <a:lstStyle/>
+                    <a:p>
+                      <a:r>
+                        <a:rPr lang="nl-NL" dirty="0"/>
+                        <a:t>0.486</a:t>
+                      </a:r>
+                    </a:p>
+                  </a:txBody>
+                  <a:tcPr/>
+                </a:tc>
+                <a:tc>
+                  <a:txBody>
+                    <a:bodyPr/>
+                    <a:lstStyle/>
+                    <a:p>
+                      <a:r>
+                        <a:rPr lang="nl-NL" dirty="0"/>
+                        <a:t>0.733</a:t>
+                      </a:r>
+                    </a:p>
+                  </a:txBody>
+                  <a:tcPr/>
+                </a:tc>
+                <a:extLst>
+                  <a:ext uri="{0D108BD9-81ED-4DB2-BD59-A6C34878D82A}">
+                    <a16:rowId xmlns:a16="http://schemas.microsoft.com/office/drawing/2014/main" val="1056561172"/>
+                  </a:ext>
+                </a:extLst>
+              </a:tr>
+              <a:tr h="370840">
+                <a:tc>
+                  <a:txBody>
+                    <a:bodyPr/>
+                    <a:lstStyle/>
+                    <a:p>
+                      <a:r>
+                        <a:rPr lang="nl-NL" dirty="0"/>
+                        <a:t>Precision</a:t>
+                      </a:r>
+                    </a:p>
+                  </a:txBody>
+                  <a:tcPr/>
+                </a:tc>
+                <a:tc>
+                  <a:txBody>
+                    <a:bodyPr/>
+                    <a:lstStyle/>
+                    <a:p>
+                      <a:r>
+                        <a:rPr lang="nl-NL" dirty="0"/>
+                        <a:t>0.243</a:t>
+                      </a:r>
+                    </a:p>
+                  </a:txBody>
+                  <a:tcPr/>
+                </a:tc>
+                <a:tc>
+                  <a:txBody>
+                    <a:bodyPr/>
+                    <a:lstStyle/>
+                    <a:p>
+                      <a:r>
+                        <a:rPr lang="nl-NL" dirty="0"/>
+                        <a:t>0.485</a:t>
+                      </a:r>
+                    </a:p>
+                  </a:txBody>
+                  <a:tcPr/>
+                </a:tc>
+                <a:tc>
+                  <a:txBody>
+                    <a:bodyPr/>
+                    <a:lstStyle/>
+                    <a:p>
+                      <a:r>
+                        <a:rPr lang="nl-NL" dirty="0"/>
+                        <a:t>0.738</a:t>
+                      </a:r>
+                    </a:p>
+                  </a:txBody>
+                  <a:tcPr/>
+                </a:tc>
+                <a:extLst>
+                  <a:ext uri="{0D108BD9-81ED-4DB2-BD59-A6C34878D82A}">
+                    <a16:rowId xmlns:a16="http://schemas.microsoft.com/office/drawing/2014/main" val="1040604747"/>
+                  </a:ext>
+                </a:extLst>
+              </a:tr>
+              <a:tr h="370840">
+                <a:tc>
+                  <a:txBody>
+                    <a:bodyPr/>
+                    <a:lstStyle/>
+                    <a:p>
+                      <a:r>
+                        <a:rPr lang="nl-NL" dirty="0" err="1"/>
+                        <a:t>Recall</a:t>
+                      </a:r>
+                      <a:endParaRPr lang="nl-NL" dirty="0"/>
+                    </a:p>
+                  </a:txBody>
+                  <a:tcPr/>
+                </a:tc>
+                <a:tc>
+                  <a:txBody>
+                    <a:bodyPr/>
+                    <a:lstStyle/>
+                    <a:p>
+                      <a:r>
+                        <a:rPr lang="nl-NL" dirty="0"/>
+                        <a:t>0.500</a:t>
+                      </a:r>
+                    </a:p>
+                  </a:txBody>
+                  <a:tcPr/>
+                </a:tc>
+                <a:tc>
+                  <a:txBody>
+                    <a:bodyPr/>
+                    <a:lstStyle/>
+                    <a:p>
+                      <a:r>
+                        <a:rPr lang="nl-NL" dirty="0"/>
+                        <a:t>0.484</a:t>
+                      </a:r>
+                    </a:p>
+                  </a:txBody>
+                  <a:tcPr/>
+                </a:tc>
+                <a:tc>
+                  <a:txBody>
+                    <a:bodyPr/>
+                    <a:lstStyle/>
+                    <a:p>
+                      <a:r>
+                        <a:rPr lang="nl-NL" dirty="0"/>
+                        <a:t>0.740</a:t>
+                      </a:r>
+                    </a:p>
+                  </a:txBody>
+                  <a:tcPr/>
+                </a:tc>
+                <a:extLst>
+                  <a:ext uri="{0D108BD9-81ED-4DB2-BD59-A6C34878D82A}">
+                    <a16:rowId xmlns:a16="http://schemas.microsoft.com/office/drawing/2014/main" val="2535849655"/>
+                  </a:ext>
+                </a:extLst>
+              </a:tr>
+              <a:tr h="370840">
+                <a:tc>
+                  <a:txBody>
+                    <a:bodyPr/>
+                    <a:lstStyle/>
+                    <a:p>
+                      <a:r>
+                        <a:rPr lang="nl-NL" dirty="0"/>
+                        <a:t>F1-score</a:t>
+                      </a:r>
+                    </a:p>
+                  </a:txBody>
+                  <a:tcPr/>
+                </a:tc>
+                <a:tc>
+                  <a:txBody>
+                    <a:bodyPr/>
+                    <a:lstStyle/>
+                    <a:p>
+                      <a:r>
+                        <a:rPr lang="nl-NL" dirty="0"/>
+                        <a:t>0.326</a:t>
+                      </a:r>
+                    </a:p>
+                  </a:txBody>
+                  <a:tcPr/>
+                </a:tc>
+                <a:tc>
+                  <a:txBody>
+                    <a:bodyPr/>
+                    <a:lstStyle/>
+                    <a:p>
+                      <a:r>
+                        <a:rPr lang="nl-NL" dirty="0"/>
+                        <a:t>0.484</a:t>
+                      </a:r>
+                    </a:p>
+                  </a:txBody>
+                  <a:tcPr/>
+                </a:tc>
+                <a:tc>
+                  <a:txBody>
+                    <a:bodyPr/>
+                    <a:lstStyle/>
+                    <a:p>
+                      <a:r>
+                        <a:rPr lang="nl-NL" dirty="0"/>
+                        <a:t>0.733</a:t>
+                      </a:r>
+                    </a:p>
+                  </a:txBody>
+                  <a:tcPr/>
+                </a:tc>
+                <a:extLst>
+                  <a:ext uri="{0D108BD9-81ED-4DB2-BD59-A6C34878D82A}">
+                    <a16:rowId xmlns:a16="http://schemas.microsoft.com/office/drawing/2014/main" val="2134136561"/>
+                  </a:ext>
+                </a:extLst>
+              </a:tr>
+            </a:tbl>
+          </a:graphicData>
+        </a:graphic>
+      </p:graphicFrame>
+    </p:spTree>
+    <p:extLst>
+      <p:ext uri="{BB962C8B-B14F-4D97-AF65-F5344CB8AC3E}">
+        <p14:creationId xmlns:p14="http://schemas.microsoft.com/office/powerpoint/2010/main" val="3017207436"/>
+      </p:ext>
+    </p:extLst>
+  </p:cSld>
+  <p:clrMapOvr>
+    <a:masterClrMapping/>
+  </p:clrMapOvr>
+</p:sld>
+</file>
+
+<file path=ppt/slides/slide15.xml><?xml version="1.0" encoding="utf-8"?>
+<p:sld xmlns:a="http://schemas.openxmlformats.org/drawingml/2006/main" xmlns:r="http://schemas.openxmlformats.org/officeDocument/2006/relationships" xmlns:p="http://schemas.openxmlformats.org/presentationml/2006/main">
+  <p:cSld>
+    <p:spTree>
+      <p:nvGrpSpPr>
+        <p:cNvPr id="1" name=""/>
+        <p:cNvGrpSpPr/>
+        <p:nvPr/>
+      </p:nvGrpSpPr>
+      <p:grpSpPr>
+        <a:xfrm>
+          <a:off x="0" y="0"/>
+          <a:ext cx="0" cy="0"/>
+          <a:chOff x="0" y="0"/>
+          <a:chExt cx="0" cy="0"/>
+        </a:xfrm>
+      </p:grpSpPr>
+      <p:sp>
+        <p:nvSpPr>
+          <p:cNvPr id="7" name="Tekstvak 6">
+            <a:extLst>
+              <a:ext uri="{FF2B5EF4-FFF2-40B4-BE49-F238E27FC236}">
+                <a16:creationId xmlns:a16="http://schemas.microsoft.com/office/drawing/2014/main" id="{84C5B99A-F4E4-46AF-BE7E-A7FC0E7F2683}"/>
+              </a:ext>
+            </a:extLst>
+          </p:cNvPr>
+          <p:cNvSpPr txBox="1"/>
+          <p:nvPr/>
+        </p:nvSpPr>
+        <p:spPr>
+          <a:xfrm>
+            <a:off x="3812015" y="935142"/>
+            <a:ext cx="1369286" cy="523220"/>
+          </a:xfrm>
+          <a:prstGeom prst="rect">
+            <a:avLst/>
+          </a:prstGeom>
+          <a:noFill/>
+        </p:spPr>
+        <p:txBody>
+          <a:bodyPr wrap="none" rtlCol="0">
+            <a:spAutoFit/>
+          </a:bodyPr>
+          <a:lstStyle/>
+          <a:p>
+            <a:r>
+              <a:rPr lang="nl-NL" sz="2800" b="1" dirty="0"/>
+              <a:t>English</a:t>
+            </a:r>
+            <a:endParaRPr lang="nl-NL" b="1" dirty="0"/>
+          </a:p>
+        </p:txBody>
+      </p:sp>
+      <p:graphicFrame>
+        <p:nvGraphicFramePr>
+          <p:cNvPr id="9" name="Tabel 8">
+            <a:extLst>
+              <a:ext uri="{FF2B5EF4-FFF2-40B4-BE49-F238E27FC236}">
+                <a16:creationId xmlns:a16="http://schemas.microsoft.com/office/drawing/2014/main" id="{009ABCA2-5DEA-418B-BC92-6E5F57E1F802}"/>
+              </a:ext>
+            </a:extLst>
+          </p:cNvPr>
+          <p:cNvGraphicFramePr>
+            <a:graphicFrameLocks noGrp="1"/>
+          </p:cNvGraphicFramePr>
+          <p:nvPr>
+            <p:extLst>
+              <p:ext uri="{D42A27DB-BD31-4B8C-83A1-F6EECF244321}">
+                <p14:modId xmlns:p14="http://schemas.microsoft.com/office/powerpoint/2010/main" val="3190164311"/>
+              </p:ext>
+            </p:extLst>
+          </p:nvPr>
+        </p:nvGraphicFramePr>
+        <p:xfrm>
+          <a:off x="763428" y="1556792"/>
+          <a:ext cx="7617144" cy="2123440"/>
+        </p:xfrm>
+        <a:graphic>
+          <a:graphicData uri="http://schemas.openxmlformats.org/drawingml/2006/table">
+            <a:tbl>
+              <a:tblPr firstRow="1" bandRow="1">
+                <a:tableStyleId>{5C22544A-7EE6-4342-B048-85BDC9FD1C3A}</a:tableStyleId>
+              </a:tblPr>
+              <a:tblGrid>
+                <a:gridCol w="1904286">
+                  <a:extLst>
+                    <a:ext uri="{9D8B030D-6E8A-4147-A177-3AD203B41FA5}">
+                      <a16:colId xmlns:a16="http://schemas.microsoft.com/office/drawing/2014/main" val="1712131747"/>
+                    </a:ext>
+                  </a:extLst>
+                </a:gridCol>
+                <a:gridCol w="1904286">
+                  <a:extLst>
+                    <a:ext uri="{9D8B030D-6E8A-4147-A177-3AD203B41FA5}">
+                      <a16:colId xmlns:a16="http://schemas.microsoft.com/office/drawing/2014/main" val="1064206649"/>
+                    </a:ext>
+                  </a:extLst>
+                </a:gridCol>
+                <a:gridCol w="1904286">
+                  <a:extLst>
+                    <a:ext uri="{9D8B030D-6E8A-4147-A177-3AD203B41FA5}">
+                      <a16:colId xmlns:a16="http://schemas.microsoft.com/office/drawing/2014/main" val="2573910689"/>
+                    </a:ext>
+                  </a:extLst>
+                </a:gridCol>
+                <a:gridCol w="1904286">
+                  <a:extLst>
+                    <a:ext uri="{9D8B030D-6E8A-4147-A177-3AD203B41FA5}">
+                      <a16:colId xmlns:a16="http://schemas.microsoft.com/office/drawing/2014/main" val="1833719600"/>
+                    </a:ext>
+                  </a:extLst>
+                </a:gridCol>
+              </a:tblGrid>
+              <a:tr h="370840">
+                <a:tc>
+                  <a:txBody>
+                    <a:bodyPr/>
+                    <a:lstStyle/>
+                    <a:p>
+                      <a:pPr algn="ctr"/>
+                      <a:r>
+                        <a:rPr lang="nl-NL" i="1" u="sng" dirty="0"/>
+                        <a:t>Age</a:t>
+                      </a:r>
+                    </a:p>
+                  </a:txBody>
+                  <a:tcPr anchor="ctr"/>
+                </a:tc>
+                <a:tc>
+                  <a:txBody>
+                    <a:bodyPr/>
+                    <a:lstStyle/>
+                    <a:p>
+                      <a:r>
+                        <a:rPr lang="nl-NL" dirty="0"/>
+                        <a:t>Baseline</a:t>
+                      </a:r>
+                    </a:p>
+                  </a:txBody>
+                  <a:tcPr/>
+                </a:tc>
+                <a:tc>
+                  <a:txBody>
+                    <a:bodyPr/>
+                    <a:lstStyle/>
+                    <a:p>
+                      <a:r>
+                        <a:rPr lang="nl-NL" dirty="0"/>
+                        <a:t>Development-set</a:t>
+                      </a:r>
+                    </a:p>
+                  </a:txBody>
+                  <a:tcPr/>
+                </a:tc>
+                <a:tc>
+                  <a:txBody>
+                    <a:bodyPr/>
+                    <a:lstStyle/>
+                    <a:p>
+                      <a:r>
+                        <a:rPr lang="nl-NL" dirty="0"/>
+                        <a:t>Test-set</a:t>
+                      </a:r>
+                    </a:p>
+                  </a:txBody>
+                  <a:tcPr/>
+                </a:tc>
+                <a:extLst>
+                  <a:ext uri="{0D108BD9-81ED-4DB2-BD59-A6C34878D82A}">
+                    <a16:rowId xmlns:a16="http://schemas.microsoft.com/office/drawing/2014/main" val="3039594110"/>
+                  </a:ext>
+                </a:extLst>
+              </a:tr>
+              <a:tr h="370840">
+                <a:tc>
+                  <a:txBody>
+                    <a:bodyPr/>
+                    <a:lstStyle/>
+                    <a:p>
+                      <a:r>
+                        <a:rPr lang="nl-NL" dirty="0" err="1"/>
+                        <a:t>Accuracy</a:t>
+                      </a:r>
+                      <a:endParaRPr lang="nl-NL" dirty="0"/>
+                    </a:p>
+                  </a:txBody>
+                  <a:tcPr/>
+                </a:tc>
+                <a:tc>
+                  <a:txBody>
+                    <a:bodyPr/>
+                    <a:lstStyle/>
+                    <a:p>
+                      <a:r>
+                        <a:rPr lang="nl-NL" dirty="0"/>
+                        <a:t>0.355</a:t>
+                      </a:r>
+                    </a:p>
+                  </a:txBody>
+                  <a:tcPr/>
+                </a:tc>
+                <a:tc>
+                  <a:txBody>
+                    <a:bodyPr/>
+                    <a:lstStyle/>
+                    <a:p>
+                      <a:r>
+                        <a:rPr lang="nl-NL" dirty="0"/>
+                        <a:t>0.449</a:t>
+                      </a:r>
+                    </a:p>
+                  </a:txBody>
+                  <a:tcPr/>
+                </a:tc>
+                <a:tc>
+                  <a:txBody>
+                    <a:bodyPr/>
+                    <a:lstStyle/>
+                    <a:p>
+                      <a:r>
+                        <a:rPr lang="nl-NL" dirty="0"/>
+                        <a:t>0.733</a:t>
+                      </a:r>
+                    </a:p>
+                  </a:txBody>
+                  <a:tcPr/>
+                </a:tc>
+                <a:extLst>
+                  <a:ext uri="{0D108BD9-81ED-4DB2-BD59-A6C34878D82A}">
+                    <a16:rowId xmlns:a16="http://schemas.microsoft.com/office/drawing/2014/main" val="1056561172"/>
+                  </a:ext>
+                </a:extLst>
+              </a:tr>
+              <a:tr h="370840">
+                <a:tc>
+                  <a:txBody>
+                    <a:bodyPr/>
+                    <a:lstStyle/>
+                    <a:p>
+                      <a:r>
+                        <a:rPr lang="nl-NL" dirty="0"/>
+                        <a:t>Precision</a:t>
+                      </a:r>
+                    </a:p>
+                  </a:txBody>
+                  <a:tcPr/>
+                </a:tc>
+                <a:tc>
+                  <a:txBody>
+                    <a:bodyPr/>
+                    <a:lstStyle/>
+                    <a:p>
+                      <a:r>
+                        <a:rPr lang="nl-NL" dirty="0"/>
+                        <a:t>0.089</a:t>
+                      </a:r>
+                    </a:p>
+                  </a:txBody>
+                  <a:tcPr/>
+                </a:tc>
+                <a:tc>
+                  <a:txBody>
+                    <a:bodyPr/>
+                    <a:lstStyle/>
+                    <a:p>
+                      <a:r>
+                        <a:rPr lang="nl-NL" dirty="0"/>
+                        <a:t>0.273</a:t>
+                      </a:r>
+                    </a:p>
+                  </a:txBody>
+                  <a:tcPr/>
+                </a:tc>
+                <a:tc>
+                  <a:txBody>
+                    <a:bodyPr/>
+                    <a:lstStyle/>
+                    <a:p>
+                      <a:r>
+                        <a:rPr lang="nl-NL" dirty="0"/>
+                        <a:t>0.621</a:t>
+                      </a:r>
+                    </a:p>
+                  </a:txBody>
+                  <a:tcPr/>
+                </a:tc>
+                <a:extLst>
+                  <a:ext uri="{0D108BD9-81ED-4DB2-BD59-A6C34878D82A}">
+                    <a16:rowId xmlns:a16="http://schemas.microsoft.com/office/drawing/2014/main" val="1040604747"/>
+                  </a:ext>
+                </a:extLst>
+              </a:tr>
+              <a:tr h="370840">
+                <a:tc>
+                  <a:txBody>
+                    <a:bodyPr/>
+                    <a:lstStyle/>
+                    <a:p>
+                      <a:r>
+                        <a:rPr lang="nl-NL" dirty="0" err="1"/>
+                        <a:t>Recall</a:t>
+                      </a:r>
+                      <a:endParaRPr lang="nl-NL" dirty="0"/>
+                    </a:p>
+                  </a:txBody>
+                  <a:tcPr/>
+                </a:tc>
+                <a:tc>
+                  <a:txBody>
+                    <a:bodyPr/>
+                    <a:lstStyle/>
+                    <a:p>
+                      <a:r>
+                        <a:rPr lang="nl-NL" dirty="0"/>
+                        <a:t>0.250</a:t>
+                      </a:r>
+                    </a:p>
+                  </a:txBody>
+                  <a:tcPr/>
+                </a:tc>
+                <a:tc>
+                  <a:txBody>
+                    <a:bodyPr/>
+                    <a:lstStyle/>
+                    <a:p>
+                      <a:r>
+                        <a:rPr lang="nl-NL" dirty="0"/>
+                        <a:t>0.306</a:t>
+                      </a:r>
+                    </a:p>
+                  </a:txBody>
+                  <a:tcPr/>
+                </a:tc>
+                <a:tc>
+                  <a:txBody>
+                    <a:bodyPr/>
+                    <a:lstStyle/>
+                    <a:p>
+                      <a:r>
+                        <a:rPr lang="nl-NL" dirty="0"/>
+                        <a:t>0.581</a:t>
+                      </a:r>
+                    </a:p>
+                  </a:txBody>
+                  <a:tcPr/>
+                </a:tc>
+                <a:extLst>
+                  <a:ext uri="{0D108BD9-81ED-4DB2-BD59-A6C34878D82A}">
+                    <a16:rowId xmlns:a16="http://schemas.microsoft.com/office/drawing/2014/main" val="2535849655"/>
+                  </a:ext>
+                </a:extLst>
+              </a:tr>
+              <a:tr h="370840">
+                <a:tc>
+                  <a:txBody>
+                    <a:bodyPr/>
+                    <a:lstStyle/>
+                    <a:p>
+                      <a:r>
+                        <a:rPr lang="nl-NL" dirty="0"/>
+                        <a:t>F1-score</a:t>
+                      </a:r>
+                    </a:p>
+                  </a:txBody>
+                  <a:tcPr/>
+                </a:tc>
+                <a:tc>
+                  <a:txBody>
+                    <a:bodyPr/>
+                    <a:lstStyle/>
+                    <a:p>
+                      <a:r>
+                        <a:rPr lang="nl-NL" dirty="0"/>
+                        <a:t>0.130</a:t>
+                      </a:r>
+                    </a:p>
+                  </a:txBody>
+                  <a:tcPr/>
+                </a:tc>
+                <a:tc>
+                  <a:txBody>
+                    <a:bodyPr/>
+                    <a:lstStyle/>
+                    <a:p>
+                      <a:r>
+                        <a:rPr lang="nl-NL" dirty="0"/>
+                        <a:t>0.273</a:t>
+                      </a:r>
+                    </a:p>
+                  </a:txBody>
+                  <a:tcPr/>
+                </a:tc>
+                <a:tc>
+                  <a:txBody>
+                    <a:bodyPr/>
+                    <a:lstStyle/>
+                    <a:p>
+                      <a:r>
+                        <a:rPr lang="nl-NL" dirty="0"/>
+                        <a:t>0.572</a:t>
+                      </a:r>
+                    </a:p>
+                  </a:txBody>
+                  <a:tcPr/>
+                </a:tc>
+                <a:extLst>
+                  <a:ext uri="{0D108BD9-81ED-4DB2-BD59-A6C34878D82A}">
+                    <a16:rowId xmlns:a16="http://schemas.microsoft.com/office/drawing/2014/main" val="2134136561"/>
+                  </a:ext>
+                </a:extLst>
+              </a:tr>
+            </a:tbl>
+          </a:graphicData>
+        </a:graphic>
+      </p:graphicFrame>
+      <p:pic>
+        <p:nvPicPr>
+          <p:cNvPr id="5" name="Picture 2" descr="C:\Users\Eyokiha\Dropbox\Documents\Courses\Master\Blok2\LearningFromData\Final\English.png">
+            <a:extLst>
+              <a:ext uri="{FF2B5EF4-FFF2-40B4-BE49-F238E27FC236}">
+                <a16:creationId xmlns:a16="http://schemas.microsoft.com/office/drawing/2014/main" id="{5DBC7D66-C40F-44B1-A216-AA18AD95AB53}"/>
+              </a:ext>
+            </a:extLst>
+          </p:cNvPr>
+          <p:cNvPicPr>
+            <a:picLocks noChangeAspect="1" noChangeArrowheads="1"/>
+          </p:cNvPicPr>
+          <p:nvPr/>
+        </p:nvPicPr>
+        <p:blipFill rotWithShape="1">
+          <a:blip r:embed="rId3">
+            <a:extLst>
+              <a:ext uri="{28A0092B-C50C-407E-A947-70E740481C1C}">
+                <a14:useLocalDpi xmlns:a14="http://schemas.microsoft.com/office/drawing/2010/main" val="0"/>
+              </a:ext>
+            </a:extLst>
+          </a:blip>
+          <a:srcRect l="1024" t="47649" r="59142" b="42542"/>
+          <a:stretch/>
+        </p:blipFill>
+        <p:spPr bwMode="auto">
+          <a:xfrm>
+            <a:off x="1970753" y="4149080"/>
+            <a:ext cx="5236945" cy="1440160"/>
           </a:xfrm>
           <a:prstGeom prst="rect">
             <a:avLst/>
@@ -15572,7 +18538,7 @@
     </p:spTree>
     <p:extLst>
       <p:ext uri="{BB962C8B-B14F-4D97-AF65-F5344CB8AC3E}">
-        <p14:creationId xmlns:p14="http://schemas.microsoft.com/office/powerpoint/2010/main" val="1422344118"/>
+        <p14:creationId xmlns:p14="http://schemas.microsoft.com/office/powerpoint/2010/main" val="2688085890"/>
       </p:ext>
     </p:extLst>
   </p:cSld>
@@ -15582,7 +18548,481 @@
 </p:sld>
 </file>
 
-<file path=ppt/slides/slide12.xml><?xml version="1.0" encoding="utf-8"?>
+<file path=ppt/slides/slide16.xml><?xml version="1.0" encoding="utf-8"?>
+<p:sld xmlns:a="http://schemas.openxmlformats.org/drawingml/2006/main" xmlns:r="http://schemas.openxmlformats.org/officeDocument/2006/relationships" xmlns:p="http://schemas.openxmlformats.org/presentationml/2006/main">
+  <p:cSld>
+    <p:spTree>
+      <p:nvGrpSpPr>
+        <p:cNvPr id="1" name=""/>
+        <p:cNvGrpSpPr/>
+        <p:nvPr/>
+      </p:nvGrpSpPr>
+      <p:grpSpPr>
+        <a:xfrm>
+          <a:off x="0" y="0"/>
+          <a:ext cx="0" cy="0"/>
+          <a:chOff x="0" y="0"/>
+          <a:chExt cx="0" cy="0"/>
+        </a:xfrm>
+      </p:grpSpPr>
+      <p:pic>
+        <p:nvPicPr>
+          <p:cNvPr id="5" name="Picture 3" descr="C:\Users\Eyokiha\Dropbox\Documents\Courses\Master\Blok2\LearningFromData\Final\English.png">
+            <a:extLst>
+              <a:ext uri="{FF2B5EF4-FFF2-40B4-BE49-F238E27FC236}">
+                <a16:creationId xmlns:a16="http://schemas.microsoft.com/office/drawing/2014/main" id="{DCD9E1F3-21E2-451D-A4C0-FFB4212BEF50}"/>
+              </a:ext>
+            </a:extLst>
+          </p:cNvPr>
+          <p:cNvPicPr>
+            <a:picLocks noChangeAspect="1" noChangeArrowheads="1"/>
+          </p:cNvPicPr>
+          <p:nvPr/>
+        </p:nvPicPr>
+        <p:blipFill rotWithShape="1">
+          <a:blip r:embed="rId3">
+            <a:extLst>
+              <a:ext uri="{28A0092B-C50C-407E-A947-70E740481C1C}">
+                <a14:useLocalDpi xmlns:a14="http://schemas.microsoft.com/office/drawing/2010/main" val="0"/>
+              </a:ext>
+            </a:extLst>
+          </a:blip>
+          <a:srcRect l="716" t="83183" r="45324" b="3383"/>
+          <a:stretch/>
+        </p:blipFill>
+        <p:spPr bwMode="auto">
+          <a:xfrm>
+            <a:off x="1564505" y="4077072"/>
+            <a:ext cx="6215935" cy="1728192"/>
+          </a:xfrm>
+          <a:prstGeom prst="rect">
+            <a:avLst/>
+          </a:prstGeom>
+          <a:noFill/>
+          <a:extLst>
+            <a:ext uri="{909E8E84-426E-40DD-AFC4-6F175D3DCCD1}">
+              <a14:hiddenFill xmlns:a14="http://schemas.microsoft.com/office/drawing/2010/main">
+                <a:solidFill>
+                  <a:srgbClr val="FFFFFF"/>
+                </a:solidFill>
+              </a14:hiddenFill>
+            </a:ext>
+          </a:extLst>
+        </p:spPr>
+      </p:pic>
+      <p:sp>
+        <p:nvSpPr>
+          <p:cNvPr id="7" name="Tekstvak 6">
+            <a:extLst>
+              <a:ext uri="{FF2B5EF4-FFF2-40B4-BE49-F238E27FC236}">
+                <a16:creationId xmlns:a16="http://schemas.microsoft.com/office/drawing/2014/main" id="{84C5B99A-F4E4-46AF-BE7E-A7FC0E7F2683}"/>
+              </a:ext>
+            </a:extLst>
+          </p:cNvPr>
+          <p:cNvSpPr txBox="1"/>
+          <p:nvPr/>
+        </p:nvSpPr>
+        <p:spPr>
+          <a:xfrm>
+            <a:off x="3812016" y="954233"/>
+            <a:ext cx="1369286" cy="523220"/>
+          </a:xfrm>
+          <a:prstGeom prst="rect">
+            <a:avLst/>
+          </a:prstGeom>
+          <a:noFill/>
+        </p:spPr>
+        <p:txBody>
+          <a:bodyPr wrap="none" rtlCol="0">
+            <a:spAutoFit/>
+          </a:bodyPr>
+          <a:lstStyle/>
+          <a:p>
+            <a:r>
+              <a:rPr lang="nl-NL" sz="2800" b="1" dirty="0"/>
+              <a:t>English</a:t>
+            </a:r>
+            <a:endParaRPr lang="nl-NL" b="1" dirty="0"/>
+          </a:p>
+        </p:txBody>
+      </p:sp>
+      <p:graphicFrame>
+        <p:nvGraphicFramePr>
+          <p:cNvPr id="10" name="Tabel 9">
+            <a:extLst>
+              <a:ext uri="{FF2B5EF4-FFF2-40B4-BE49-F238E27FC236}">
+                <a16:creationId xmlns:a16="http://schemas.microsoft.com/office/drawing/2014/main" id="{C65BEA78-DAE4-4CC5-A2BD-18100D9C3F4F}"/>
+              </a:ext>
+            </a:extLst>
+          </p:cNvPr>
+          <p:cNvGraphicFramePr>
+            <a:graphicFrameLocks noGrp="1"/>
+          </p:cNvGraphicFramePr>
+          <p:nvPr>
+            <p:extLst>
+              <p:ext uri="{D42A27DB-BD31-4B8C-83A1-F6EECF244321}">
+                <p14:modId xmlns:p14="http://schemas.microsoft.com/office/powerpoint/2010/main" val="666558829"/>
+              </p:ext>
+            </p:extLst>
+          </p:nvPr>
+        </p:nvGraphicFramePr>
+        <p:xfrm>
+          <a:off x="763428" y="1556792"/>
+          <a:ext cx="7617144" cy="2123440"/>
+        </p:xfrm>
+        <a:graphic>
+          <a:graphicData uri="http://schemas.openxmlformats.org/drawingml/2006/table">
+            <a:tbl>
+              <a:tblPr firstRow="1" bandRow="1">
+                <a:tableStyleId>{5C22544A-7EE6-4342-B048-85BDC9FD1C3A}</a:tableStyleId>
+              </a:tblPr>
+              <a:tblGrid>
+                <a:gridCol w="1904286">
+                  <a:extLst>
+                    <a:ext uri="{9D8B030D-6E8A-4147-A177-3AD203B41FA5}">
+                      <a16:colId xmlns:a16="http://schemas.microsoft.com/office/drawing/2014/main" val="1712131747"/>
+                    </a:ext>
+                  </a:extLst>
+                </a:gridCol>
+                <a:gridCol w="1904286">
+                  <a:extLst>
+                    <a:ext uri="{9D8B030D-6E8A-4147-A177-3AD203B41FA5}">
+                      <a16:colId xmlns:a16="http://schemas.microsoft.com/office/drawing/2014/main" val="1064206649"/>
+                    </a:ext>
+                  </a:extLst>
+                </a:gridCol>
+                <a:gridCol w="1904286">
+                  <a:extLst>
+                    <a:ext uri="{9D8B030D-6E8A-4147-A177-3AD203B41FA5}">
+                      <a16:colId xmlns:a16="http://schemas.microsoft.com/office/drawing/2014/main" val="2573910689"/>
+                    </a:ext>
+                  </a:extLst>
+                </a:gridCol>
+                <a:gridCol w="1904286">
+                  <a:extLst>
+                    <a:ext uri="{9D8B030D-6E8A-4147-A177-3AD203B41FA5}">
+                      <a16:colId xmlns:a16="http://schemas.microsoft.com/office/drawing/2014/main" val="1833719600"/>
+                    </a:ext>
+                  </a:extLst>
+                </a:gridCol>
+              </a:tblGrid>
+              <a:tr h="370840">
+                <a:tc>
+                  <a:txBody>
+                    <a:bodyPr/>
+                    <a:lstStyle/>
+                    <a:p>
+                      <a:pPr algn="ctr"/>
+                      <a:r>
+                        <a:rPr lang="nl-NL" i="1" u="sng" dirty="0" err="1"/>
+                        <a:t>Combined</a:t>
+                      </a:r>
+                      <a:endParaRPr lang="nl-NL" i="1" u="sng" dirty="0"/>
+                    </a:p>
+                  </a:txBody>
+                  <a:tcPr anchor="ctr"/>
+                </a:tc>
+                <a:tc>
+                  <a:txBody>
+                    <a:bodyPr/>
+                    <a:lstStyle/>
+                    <a:p>
+                      <a:r>
+                        <a:rPr lang="nl-NL" dirty="0"/>
+                        <a:t>Baseline</a:t>
+                      </a:r>
+                    </a:p>
+                  </a:txBody>
+                  <a:tcPr/>
+                </a:tc>
+                <a:tc>
+                  <a:txBody>
+                    <a:bodyPr/>
+                    <a:lstStyle/>
+                    <a:p>
+                      <a:r>
+                        <a:rPr lang="nl-NL" dirty="0"/>
+                        <a:t>Development-set</a:t>
+                      </a:r>
+                    </a:p>
+                  </a:txBody>
+                  <a:tcPr/>
+                </a:tc>
+                <a:tc>
+                  <a:txBody>
+                    <a:bodyPr/>
+                    <a:lstStyle/>
+                    <a:p>
+                      <a:r>
+                        <a:rPr lang="nl-NL" dirty="0"/>
+                        <a:t>Test-set</a:t>
+                      </a:r>
+                    </a:p>
+                  </a:txBody>
+                  <a:tcPr/>
+                </a:tc>
+                <a:extLst>
+                  <a:ext uri="{0D108BD9-81ED-4DB2-BD59-A6C34878D82A}">
+                    <a16:rowId xmlns:a16="http://schemas.microsoft.com/office/drawing/2014/main" val="3039594110"/>
+                  </a:ext>
+                </a:extLst>
+              </a:tr>
+              <a:tr h="370840">
+                <a:tc>
+                  <a:txBody>
+                    <a:bodyPr/>
+                    <a:lstStyle/>
+                    <a:p>
+                      <a:r>
+                        <a:rPr lang="nl-NL" dirty="0" err="1"/>
+                        <a:t>Accuracy</a:t>
+                      </a:r>
+                      <a:endParaRPr lang="nl-NL" dirty="0"/>
+                    </a:p>
+                  </a:txBody>
+                  <a:tcPr/>
+                </a:tc>
+                <a:tc>
+                  <a:txBody>
+                    <a:bodyPr/>
+                    <a:lstStyle/>
+                    <a:p>
+                      <a:r>
+                        <a:rPr lang="nl-NL" dirty="0"/>
+                        <a:t>0.421</a:t>
+                      </a:r>
+                    </a:p>
+                  </a:txBody>
+                  <a:tcPr/>
+                </a:tc>
+                <a:tc>
+                  <a:txBody>
+                    <a:bodyPr/>
+                    <a:lstStyle/>
+                    <a:p>
+                      <a:r>
+                        <a:rPr lang="nl-NL" dirty="0"/>
+                        <a:t>0.467</a:t>
+                      </a:r>
+                    </a:p>
+                  </a:txBody>
+                  <a:tcPr/>
+                </a:tc>
+                <a:tc>
+                  <a:txBody>
+                    <a:bodyPr/>
+                    <a:lstStyle/>
+                    <a:p>
+                      <a:r>
+                        <a:rPr lang="nl-NL" dirty="0"/>
+                        <a:t>0.733</a:t>
+                      </a:r>
+                    </a:p>
+                  </a:txBody>
+                  <a:tcPr/>
+                </a:tc>
+                <a:extLst>
+                  <a:ext uri="{0D108BD9-81ED-4DB2-BD59-A6C34878D82A}">
+                    <a16:rowId xmlns:a16="http://schemas.microsoft.com/office/drawing/2014/main" val="1056561172"/>
+                  </a:ext>
+                </a:extLst>
+              </a:tr>
+              <a:tr h="370840">
+                <a:tc>
+                  <a:txBody>
+                    <a:bodyPr/>
+                    <a:lstStyle/>
+                    <a:p>
+                      <a:r>
+                        <a:rPr lang="nl-NL" dirty="0"/>
+                        <a:t>Precision</a:t>
+                      </a:r>
+                    </a:p>
+                  </a:txBody>
+                  <a:tcPr/>
+                </a:tc>
+                <a:tc>
+                  <a:txBody>
+                    <a:bodyPr/>
+                    <a:lstStyle/>
+                    <a:p>
+                      <a:r>
+                        <a:rPr lang="nl-NL" dirty="0"/>
+                        <a:t>0.140</a:t>
+                      </a:r>
+                    </a:p>
+                  </a:txBody>
+                  <a:tcPr/>
+                </a:tc>
+                <a:tc>
+                  <a:txBody>
+                    <a:bodyPr/>
+                    <a:lstStyle/>
+                    <a:p>
+                      <a:r>
+                        <a:rPr lang="nl-NL" dirty="0"/>
+                        <a:t>0.343</a:t>
+                      </a:r>
+                    </a:p>
+                  </a:txBody>
+                  <a:tcPr/>
+                </a:tc>
+                <a:tc>
+                  <a:txBody>
+                    <a:bodyPr/>
+                    <a:lstStyle/>
+                    <a:p>
+                      <a:r>
+                        <a:rPr lang="nl-NL" dirty="0"/>
+                        <a:t>0.660</a:t>
+                      </a:r>
+                    </a:p>
+                  </a:txBody>
+                  <a:tcPr/>
+                </a:tc>
+                <a:extLst>
+                  <a:ext uri="{0D108BD9-81ED-4DB2-BD59-A6C34878D82A}">
+                    <a16:rowId xmlns:a16="http://schemas.microsoft.com/office/drawing/2014/main" val="1040604747"/>
+                  </a:ext>
+                </a:extLst>
+              </a:tr>
+              <a:tr h="370840">
+                <a:tc>
+                  <a:txBody>
+                    <a:bodyPr/>
+                    <a:lstStyle/>
+                    <a:p>
+                      <a:r>
+                        <a:rPr lang="nl-NL" dirty="0" err="1"/>
+                        <a:t>Recall</a:t>
+                      </a:r>
+                      <a:endParaRPr lang="nl-NL" dirty="0"/>
+                    </a:p>
+                  </a:txBody>
+                  <a:tcPr/>
+                </a:tc>
+                <a:tc>
+                  <a:txBody>
+                    <a:bodyPr/>
+                    <a:lstStyle/>
+                    <a:p>
+                      <a:r>
+                        <a:rPr lang="nl-NL" dirty="0"/>
+                        <a:t>0.333</a:t>
+                      </a:r>
+                    </a:p>
+                  </a:txBody>
+                  <a:tcPr/>
+                </a:tc>
+                <a:tc>
+                  <a:txBody>
+                    <a:bodyPr/>
+                    <a:lstStyle/>
+                    <a:p>
+                      <a:r>
+                        <a:rPr lang="nl-NL" dirty="0"/>
+                        <a:t>0.365</a:t>
+                      </a:r>
+                    </a:p>
+                  </a:txBody>
+                  <a:tcPr/>
+                </a:tc>
+                <a:tc>
+                  <a:txBody>
+                    <a:bodyPr/>
+                    <a:lstStyle/>
+                    <a:p>
+                      <a:r>
+                        <a:rPr lang="nl-NL" dirty="0"/>
+                        <a:t>0.634</a:t>
+                      </a:r>
+                    </a:p>
+                  </a:txBody>
+                  <a:tcPr/>
+                </a:tc>
+                <a:extLst>
+                  <a:ext uri="{0D108BD9-81ED-4DB2-BD59-A6C34878D82A}">
+                    <a16:rowId xmlns:a16="http://schemas.microsoft.com/office/drawing/2014/main" val="2535849655"/>
+                  </a:ext>
+                </a:extLst>
+              </a:tr>
+              <a:tr h="370840">
+                <a:tc>
+                  <a:txBody>
+                    <a:bodyPr/>
+                    <a:lstStyle/>
+                    <a:p>
+                      <a:r>
+                        <a:rPr lang="nl-NL" dirty="0"/>
+                        <a:t>F1-score</a:t>
+                      </a:r>
+                    </a:p>
+                  </a:txBody>
+                  <a:tcPr/>
+                </a:tc>
+                <a:tc>
+                  <a:txBody>
+                    <a:bodyPr/>
+                    <a:lstStyle/>
+                    <a:p>
+                      <a:r>
+                        <a:rPr lang="nl-NL" dirty="0"/>
+                        <a:t>0.195</a:t>
+                      </a:r>
+                    </a:p>
+                  </a:txBody>
+                  <a:tcPr/>
+                </a:tc>
+                <a:tc>
+                  <a:txBody>
+                    <a:bodyPr/>
+                    <a:lstStyle/>
+                    <a:p>
+                      <a:r>
+                        <a:rPr lang="nl-NL" dirty="0"/>
+                        <a:t>0.343</a:t>
+                      </a:r>
+                    </a:p>
+                  </a:txBody>
+                  <a:tcPr/>
+                </a:tc>
+                <a:tc>
+                  <a:txBody>
+                    <a:bodyPr/>
+                    <a:lstStyle/>
+                    <a:p>
+                      <a:r>
+                        <a:rPr lang="nl-NL" dirty="0"/>
+                        <a:t>0.626</a:t>
+                      </a:r>
+                    </a:p>
+                  </a:txBody>
+                  <a:tcPr/>
+                </a:tc>
+                <a:extLst>
+                  <a:ext uri="{0D108BD9-81ED-4DB2-BD59-A6C34878D82A}">
+                    <a16:rowId xmlns:a16="http://schemas.microsoft.com/office/drawing/2014/main" val="2134136561"/>
+                  </a:ext>
+                </a:extLst>
+              </a:tr>
+            </a:tbl>
+          </a:graphicData>
+        </a:graphic>
+      </p:graphicFrame>
+    </p:spTree>
+    <p:extLst>
+      <p:ext uri="{BB962C8B-B14F-4D97-AF65-F5344CB8AC3E}">
+        <p14:creationId xmlns:p14="http://schemas.microsoft.com/office/powerpoint/2010/main" val="1896323612"/>
+      </p:ext>
+    </p:extLst>
+  </p:cSld>
+  <p:clrMapOvr>
+    <a:masterClrMapping/>
+  </p:clrMapOvr>
+</p:sld>
+</file>
+
+<file path=ppt/slides/slide17.xml><?xml version="1.0" encoding="utf-8"?>
 <p:sld xmlns:a="http://schemas.openxmlformats.org/drawingml/2006/main" xmlns:r="http://schemas.openxmlformats.org/officeDocument/2006/relationships" xmlns:p="http://schemas.openxmlformats.org/presentationml/2006/main">
   <p:cSld>
     <p:spTree>
@@ -15758,7 +19198,7 @@
 </p:sld>
 </file>
 
-<file path=ppt/slides/slide13.xml><?xml version="1.0" encoding="utf-8"?>
+<file path=ppt/slides/slide18.xml><?xml version="1.0" encoding="utf-8"?>
 <p:sld xmlns:a="http://schemas.openxmlformats.org/drawingml/2006/main" xmlns:r="http://schemas.openxmlformats.org/officeDocument/2006/relationships" xmlns:p="http://schemas.openxmlformats.org/presentationml/2006/main">
   <p:cSld>
     <p:spTree>
@@ -17057,9 +20497,407 @@
           <a:chExt cx="0" cy="0"/>
         </a:xfrm>
       </p:grpSpPr>
+      <p:sp>
+        <p:nvSpPr>
+          <p:cNvPr id="5" name="Tekstvak 4"/>
+          <p:cNvSpPr txBox="1"/>
+          <p:nvPr/>
+        </p:nvSpPr>
+        <p:spPr>
+          <a:xfrm>
+            <a:off x="3970713" y="943754"/>
+            <a:ext cx="1202573" cy="523220"/>
+          </a:xfrm>
+          <a:prstGeom prst="rect">
+            <a:avLst/>
+          </a:prstGeom>
+          <a:noFill/>
+        </p:spPr>
+        <p:txBody>
+          <a:bodyPr wrap="none" rtlCol="0">
+            <a:spAutoFit/>
+          </a:bodyPr>
+          <a:lstStyle/>
+          <a:p>
+            <a:r>
+              <a:rPr lang="nl-NL" sz="2800" b="1" dirty="0"/>
+              <a:t>Dutch</a:t>
+            </a:r>
+            <a:endParaRPr lang="nl-NL" b="1" dirty="0"/>
+          </a:p>
+        </p:txBody>
+      </p:sp>
+      <p:graphicFrame>
+        <p:nvGraphicFramePr>
+          <p:cNvPr id="2" name="Tabel 1">
+            <a:extLst>
+              <a:ext uri="{FF2B5EF4-FFF2-40B4-BE49-F238E27FC236}">
+                <a16:creationId xmlns:a16="http://schemas.microsoft.com/office/drawing/2014/main" id="{31E65C9A-F6D8-4708-9B29-5688F854CD09}"/>
+              </a:ext>
+            </a:extLst>
+          </p:cNvPr>
+          <p:cNvGraphicFramePr>
+            <a:graphicFrameLocks noGrp="1"/>
+          </p:cNvGraphicFramePr>
+          <p:nvPr>
+            <p:extLst>
+              <p:ext uri="{D42A27DB-BD31-4B8C-83A1-F6EECF244321}">
+                <p14:modId xmlns:p14="http://schemas.microsoft.com/office/powerpoint/2010/main" val="3545848653"/>
+              </p:ext>
+            </p:extLst>
+          </p:nvPr>
+        </p:nvGraphicFramePr>
+        <p:xfrm>
+          <a:off x="763428" y="1574800"/>
+          <a:ext cx="7617144" cy="2123440"/>
+        </p:xfrm>
+        <a:graphic>
+          <a:graphicData uri="http://schemas.openxmlformats.org/drawingml/2006/table">
+            <a:tbl>
+              <a:tblPr firstRow="1" bandRow="1">
+                <a:tableStyleId>{5C22544A-7EE6-4342-B048-85BDC9FD1C3A}</a:tableStyleId>
+              </a:tblPr>
+              <a:tblGrid>
+                <a:gridCol w="1904286">
+                  <a:extLst>
+                    <a:ext uri="{9D8B030D-6E8A-4147-A177-3AD203B41FA5}">
+                      <a16:colId xmlns:a16="http://schemas.microsoft.com/office/drawing/2014/main" val="1712131747"/>
+                    </a:ext>
+                  </a:extLst>
+                </a:gridCol>
+                <a:gridCol w="1904286">
+                  <a:extLst>
+                    <a:ext uri="{9D8B030D-6E8A-4147-A177-3AD203B41FA5}">
+                      <a16:colId xmlns:a16="http://schemas.microsoft.com/office/drawing/2014/main" val="1064206649"/>
+                    </a:ext>
+                  </a:extLst>
+                </a:gridCol>
+                <a:gridCol w="1904286">
+                  <a:extLst>
+                    <a:ext uri="{9D8B030D-6E8A-4147-A177-3AD203B41FA5}">
+                      <a16:colId xmlns:a16="http://schemas.microsoft.com/office/drawing/2014/main" val="2573910689"/>
+                    </a:ext>
+                  </a:extLst>
+                </a:gridCol>
+                <a:gridCol w="1904286">
+                  <a:extLst>
+                    <a:ext uri="{9D8B030D-6E8A-4147-A177-3AD203B41FA5}">
+                      <a16:colId xmlns:a16="http://schemas.microsoft.com/office/drawing/2014/main" val="1833719600"/>
+                    </a:ext>
+                  </a:extLst>
+                </a:gridCol>
+              </a:tblGrid>
+              <a:tr h="370840">
+                <a:tc>
+                  <a:txBody>
+                    <a:bodyPr/>
+                    <a:lstStyle/>
+                    <a:p>
+                      <a:pPr algn="ctr"/>
+                      <a:r>
+                        <a:rPr lang="nl-NL" b="1" i="1" u="sng" dirty="0"/>
+                        <a:t>Gender</a:t>
+                      </a:r>
+                    </a:p>
+                  </a:txBody>
+                  <a:tcPr anchor="ctr"/>
+                </a:tc>
+                <a:tc>
+                  <a:txBody>
+                    <a:bodyPr/>
+                    <a:lstStyle/>
+                    <a:p>
+                      <a:r>
+                        <a:rPr lang="nl-NL" dirty="0"/>
+                        <a:t>Baseline</a:t>
+                      </a:r>
+                    </a:p>
+                  </a:txBody>
+                  <a:tcPr/>
+                </a:tc>
+                <a:tc>
+                  <a:txBody>
+                    <a:bodyPr/>
+                    <a:lstStyle/>
+                    <a:p>
+                      <a:r>
+                        <a:rPr lang="nl-NL" dirty="0"/>
+                        <a:t>Development-set</a:t>
+                      </a:r>
+                    </a:p>
+                  </a:txBody>
+                  <a:tcPr/>
+                </a:tc>
+                <a:tc>
+                  <a:txBody>
+                    <a:bodyPr/>
+                    <a:lstStyle/>
+                    <a:p>
+                      <a:r>
+                        <a:rPr lang="nl-NL" dirty="0"/>
+                        <a:t>Test-set</a:t>
+                      </a:r>
+                    </a:p>
+                  </a:txBody>
+                  <a:tcPr/>
+                </a:tc>
+                <a:extLst>
+                  <a:ext uri="{0D108BD9-81ED-4DB2-BD59-A6C34878D82A}">
+                    <a16:rowId xmlns:a16="http://schemas.microsoft.com/office/drawing/2014/main" val="3039594110"/>
+                  </a:ext>
+                </a:extLst>
+              </a:tr>
+              <a:tr h="370840">
+                <a:tc>
+                  <a:txBody>
+                    <a:bodyPr/>
+                    <a:lstStyle/>
+                    <a:p>
+                      <a:r>
+                        <a:rPr lang="nl-NL" dirty="0" err="1"/>
+                        <a:t>Accuracy</a:t>
+                      </a:r>
+                      <a:endParaRPr lang="nl-NL" dirty="0"/>
+                    </a:p>
+                  </a:txBody>
+                  <a:tcPr/>
+                </a:tc>
+                <a:tc>
+                  <a:txBody>
+                    <a:bodyPr/>
+                    <a:lstStyle/>
+                    <a:p>
+                      <a:r>
+                        <a:rPr lang="nl-NL" dirty="0"/>
+                        <a:t>0.210</a:t>
+                      </a:r>
+                    </a:p>
+                  </a:txBody>
+                  <a:tcPr/>
+                </a:tc>
+                <a:tc>
+                  <a:txBody>
+                    <a:bodyPr/>
+                    <a:lstStyle/>
+                    <a:p>
+                      <a:r>
+                        <a:rPr lang="nl-NL" dirty="0"/>
+                        <a:t>0.380</a:t>
+                      </a:r>
+                    </a:p>
+                  </a:txBody>
+                  <a:tcPr/>
+                </a:tc>
+                <a:tc>
+                  <a:txBody>
+                    <a:bodyPr/>
+                    <a:lstStyle/>
+                    <a:p>
+                      <a:r>
+                        <a:rPr lang="nl-NL" dirty="0"/>
+                        <a:t>0.800</a:t>
+                      </a:r>
+                    </a:p>
+                  </a:txBody>
+                  <a:tcPr/>
+                </a:tc>
+                <a:extLst>
+                  <a:ext uri="{0D108BD9-81ED-4DB2-BD59-A6C34878D82A}">
+                    <a16:rowId xmlns:a16="http://schemas.microsoft.com/office/drawing/2014/main" val="1056561172"/>
+                  </a:ext>
+                </a:extLst>
+              </a:tr>
+              <a:tr h="370840">
+                <a:tc>
+                  <a:txBody>
+                    <a:bodyPr/>
+                    <a:lstStyle/>
+                    <a:p>
+                      <a:r>
+                        <a:rPr lang="nl-NL" dirty="0"/>
+                        <a:t>Precision</a:t>
+                      </a:r>
+                    </a:p>
+                  </a:txBody>
+                  <a:tcPr/>
+                </a:tc>
+                <a:tc>
+                  <a:txBody>
+                    <a:bodyPr/>
+                    <a:lstStyle/>
+                    <a:p>
+                      <a:r>
+                        <a:rPr lang="nl-NL" dirty="0"/>
+                        <a:t>0.105</a:t>
+                      </a:r>
+                    </a:p>
+                  </a:txBody>
+                  <a:tcPr/>
+                </a:tc>
+                <a:tc>
+                  <a:txBody>
+                    <a:bodyPr/>
+                    <a:lstStyle/>
+                    <a:p>
+                      <a:r>
+                        <a:rPr lang="nl-NL" dirty="0"/>
+                        <a:t>0.500</a:t>
+                      </a:r>
+                    </a:p>
+                  </a:txBody>
+                  <a:tcPr/>
+                </a:tc>
+                <a:tc>
+                  <a:txBody>
+                    <a:bodyPr/>
+                    <a:lstStyle/>
+                    <a:p>
+                      <a:r>
+                        <a:rPr lang="nl-NL" dirty="0"/>
+                        <a:t>0.857</a:t>
+                      </a:r>
+                    </a:p>
+                  </a:txBody>
+                  <a:tcPr/>
+                </a:tc>
+                <a:extLst>
+                  <a:ext uri="{0D108BD9-81ED-4DB2-BD59-A6C34878D82A}">
+                    <a16:rowId xmlns:a16="http://schemas.microsoft.com/office/drawing/2014/main" val="1040604747"/>
+                  </a:ext>
+                </a:extLst>
+              </a:tr>
+              <a:tr h="370840">
+                <a:tc>
+                  <a:txBody>
+                    <a:bodyPr/>
+                    <a:lstStyle/>
+                    <a:p>
+                      <a:r>
+                        <a:rPr lang="nl-NL" dirty="0" err="1"/>
+                        <a:t>Recall</a:t>
+                      </a:r>
+                      <a:endParaRPr lang="nl-NL" dirty="0"/>
+                    </a:p>
+                  </a:txBody>
+                  <a:tcPr/>
+                </a:tc>
+                <a:tc>
+                  <a:txBody>
+                    <a:bodyPr/>
+                    <a:lstStyle/>
+                    <a:p>
+                      <a:r>
+                        <a:rPr lang="nl-NL" dirty="0"/>
+                        <a:t>0.400</a:t>
+                      </a:r>
+                    </a:p>
+                  </a:txBody>
+                  <a:tcPr/>
+                </a:tc>
+                <a:tc>
+                  <a:txBody>
+                    <a:bodyPr/>
+                    <a:lstStyle/>
+                    <a:p>
+                      <a:r>
+                        <a:rPr lang="nl-NL" dirty="0"/>
+                        <a:t>0.420</a:t>
+                      </a:r>
+                    </a:p>
+                  </a:txBody>
+                  <a:tcPr/>
+                </a:tc>
+                <a:tc>
+                  <a:txBody>
+                    <a:bodyPr/>
+                    <a:lstStyle/>
+                    <a:p>
+                      <a:r>
+                        <a:rPr lang="nl-NL" dirty="0"/>
+                        <a:t>0.800</a:t>
+                      </a:r>
+                    </a:p>
+                  </a:txBody>
+                  <a:tcPr/>
+                </a:tc>
+                <a:extLst>
+                  <a:ext uri="{0D108BD9-81ED-4DB2-BD59-A6C34878D82A}">
+                    <a16:rowId xmlns:a16="http://schemas.microsoft.com/office/drawing/2014/main" val="2535849655"/>
+                  </a:ext>
+                </a:extLst>
+              </a:tr>
+              <a:tr h="370840">
+                <a:tc>
+                  <a:txBody>
+                    <a:bodyPr/>
+                    <a:lstStyle/>
+                    <a:p>
+                      <a:r>
+                        <a:rPr lang="nl-NL" dirty="0"/>
+                        <a:t>F1-score</a:t>
+                      </a:r>
+                    </a:p>
+                  </a:txBody>
+                  <a:tcPr/>
+                </a:tc>
+                <a:tc>
+                  <a:txBody>
+                    <a:bodyPr/>
+                    <a:lstStyle/>
+                    <a:p>
+                      <a:r>
+                        <a:rPr lang="nl-NL" dirty="0"/>
+                        <a:t>0.164</a:t>
+                      </a:r>
+                    </a:p>
+                  </a:txBody>
+                  <a:tcPr/>
+                </a:tc>
+                <a:tc>
+                  <a:txBody>
+                    <a:bodyPr/>
+                    <a:lstStyle/>
+                    <a:p>
+                      <a:r>
+                        <a:rPr lang="nl-NL" dirty="0"/>
+                        <a:t>0.340</a:t>
+                      </a:r>
+                    </a:p>
+                  </a:txBody>
+                  <a:tcPr/>
+                </a:tc>
+                <a:tc>
+                  <a:txBody>
+                    <a:bodyPr/>
+                    <a:lstStyle/>
+                    <a:p>
+                      <a:r>
+                        <a:rPr lang="nl-NL" dirty="0"/>
+                        <a:t>0.792</a:t>
+                      </a:r>
+                    </a:p>
+                  </a:txBody>
+                  <a:tcPr/>
+                </a:tc>
+                <a:extLst>
+                  <a:ext uri="{0D108BD9-81ED-4DB2-BD59-A6C34878D82A}">
+                    <a16:rowId xmlns:a16="http://schemas.microsoft.com/office/drawing/2014/main" val="2134136561"/>
+                  </a:ext>
+                </a:extLst>
+              </a:tr>
+            </a:tbl>
+          </a:graphicData>
+        </a:graphic>
+      </p:graphicFrame>
       <p:pic>
         <p:nvPicPr>
-          <p:cNvPr id="1026" name="Picture 2" descr="C:\Users\Eyokiha\Dropbox\Documents\Courses\Master\Blok2\LearningFromData\Final\Dutch.png"/>
+          <p:cNvPr id="8" name="Picture 2" descr="C:\Users\Eyokiha\Dropbox\Documents\Courses\Master\Blok2\LearningFromData\Final\Dutch.png">
+            <a:extLst>
+              <a:ext uri="{FF2B5EF4-FFF2-40B4-BE49-F238E27FC236}">
+                <a16:creationId xmlns:a16="http://schemas.microsoft.com/office/drawing/2014/main" id="{E9E57EFE-A743-4A16-8AC4-0E0727ED752A}"/>
+              </a:ext>
+            </a:extLst>
+          </p:cNvPr>
           <p:cNvPicPr>
             <a:picLocks noChangeAspect="1" noChangeArrowheads="1"/>
           </p:cNvPicPr>
@@ -17073,13 +20911,13 @@
               </a:ext>
             </a:extLst>
           </a:blip>
-          <a:srcRect l="900" r="42213" b="10497"/>
+          <a:srcRect l="900" t="65671" r="76809" b="10497"/>
           <a:stretch/>
         </p:blipFill>
         <p:spPr bwMode="auto">
           <a:xfrm>
-            <a:off x="2354209" y="1422068"/>
-            <a:ext cx="4003533" cy="1888984"/>
+            <a:off x="3142581" y="4293096"/>
+            <a:ext cx="2858836" cy="916566"/>
           </a:xfrm>
           <a:prstGeom prst="rect">
             <a:avLst/>
@@ -17096,108 +20934,10 @@
           </a:extLst>
         </p:spPr>
       </p:pic>
-      <p:pic>
-        <p:nvPicPr>
-          <p:cNvPr id="1027" name="Picture 3" descr="C:\Users\Eyokiha\Dropbox\Documents\Courses\Master\Blok2\LearningFromData\Final\Italian.png"/>
-          <p:cNvPicPr>
-            <a:picLocks noChangeAspect="1" noChangeArrowheads="1"/>
-          </p:cNvPicPr>
-          <p:nvPr/>
-        </p:nvPicPr>
-        <p:blipFill rotWithShape="1">
-          <a:blip r:embed="rId4">
-            <a:extLst>
-              <a:ext uri="{28A0092B-C50C-407E-A947-70E740481C1C}">
-                <a14:useLocalDpi xmlns:a14="http://schemas.microsoft.com/office/drawing/2010/main" val="0"/>
-              </a:ext>
-            </a:extLst>
-          </a:blip>
-          <a:srcRect l="985" r="41214" b="11446"/>
-          <a:stretch/>
-        </p:blipFill>
-        <p:spPr bwMode="auto">
-          <a:xfrm>
-            <a:off x="2267744" y="3810016"/>
-            <a:ext cx="4111428" cy="1888984"/>
-          </a:xfrm>
-          <a:prstGeom prst="rect">
-            <a:avLst/>
-          </a:prstGeom>
-          <a:noFill/>
-          <a:extLst>
-            <a:ext uri="{909E8E84-426E-40DD-AFC4-6F175D3DCCD1}">
-              <a14:hiddenFill xmlns:a14="http://schemas.microsoft.com/office/drawing/2010/main">
-                <a:solidFill>
-                  <a:srgbClr val="FFFFFF"/>
-                </a:solidFill>
-              </a14:hiddenFill>
-            </a:ext>
-          </a:extLst>
-        </p:spPr>
-      </p:pic>
-      <p:sp>
-        <p:nvSpPr>
-          <p:cNvPr id="5" name="Tekstvak 4"/>
-          <p:cNvSpPr txBox="1"/>
-          <p:nvPr/>
-        </p:nvSpPr>
-        <p:spPr>
-          <a:xfrm>
-            <a:off x="3891288" y="1052736"/>
-            <a:ext cx="865943" cy="369332"/>
-          </a:xfrm>
-          <a:prstGeom prst="rect">
-            <a:avLst/>
-          </a:prstGeom>
-          <a:noFill/>
-        </p:spPr>
-        <p:txBody>
-          <a:bodyPr wrap="none" rtlCol="0">
-            <a:spAutoFit/>
-          </a:bodyPr>
-          <a:lstStyle/>
-          <a:p>
-            <a:r>
-              <a:rPr lang="nl-NL" dirty="0"/>
-              <a:t>Dutch</a:t>
-            </a:r>
-          </a:p>
-        </p:txBody>
-      </p:sp>
-      <p:sp>
-        <p:nvSpPr>
-          <p:cNvPr id="6" name="Tekstvak 5"/>
-          <p:cNvSpPr txBox="1"/>
-          <p:nvPr/>
-        </p:nvSpPr>
-        <p:spPr>
-          <a:xfrm>
-            <a:off x="3891288" y="3440684"/>
-            <a:ext cx="864339" cy="369332"/>
-          </a:xfrm>
-          <a:prstGeom prst="rect">
-            <a:avLst/>
-          </a:prstGeom>
-          <a:noFill/>
-        </p:spPr>
-        <p:txBody>
-          <a:bodyPr wrap="none" rtlCol="0">
-            <a:spAutoFit/>
-          </a:bodyPr>
-          <a:lstStyle/>
-          <a:p>
-            <a:r>
-              <a:rPr lang="nl-NL" dirty="0" err="1"/>
-              <a:t>Italian</a:t>
-            </a:r>
-            <a:endParaRPr lang="nl-NL" dirty="0"/>
-          </a:p>
-        </p:txBody>
-      </p:sp>
     </p:spTree>
     <p:extLst>
       <p:ext uri="{BB962C8B-B14F-4D97-AF65-F5344CB8AC3E}">
-        <p14:creationId xmlns:p14="http://schemas.microsoft.com/office/powerpoint/2010/main" val="416128214"/>
+        <p14:creationId xmlns:p14="http://schemas.microsoft.com/office/powerpoint/2010/main" val="2100155373"/>
       </p:ext>
     </p:extLst>
   </p:cSld>

--- a/Presentation.pptx
+++ b/Presentation.pptx
@@ -19098,26 +19098,137 @@
           <a:p>
             <a:r>
               <a:rPr lang="nl-NL" sz="2200" dirty="0"/>
-              <a:t>[NOG TOEVOEGEN]</a:t>
-            </a:r>
-          </a:p>
-          <a:p>
-            <a:endParaRPr lang="nl-NL" sz="2200" dirty="0"/>
-          </a:p>
-          <a:p>
-            <a:endParaRPr lang="nl-NL" sz="2200" dirty="0"/>
-          </a:p>
-          <a:p>
-            <a:endParaRPr lang="nl-NL" sz="2200" dirty="0"/>
-          </a:p>
-          <a:p>
-            <a:endParaRPr lang="nl-NL" sz="2200" dirty="0"/>
-          </a:p>
-          <a:p>
-            <a:endParaRPr lang="nl-NL" sz="2200" dirty="0"/>
-          </a:p>
-          <a:p>
-            <a:endParaRPr lang="nl-NL" sz="2200" dirty="0"/>
+              <a:t>F1-scores </a:t>
+            </a:r>
+            <a:r>
+              <a:rPr lang="nl-NL" sz="2200" dirty="0" err="1"/>
+              <a:t>outperform</a:t>
+            </a:r>
+            <a:r>
+              <a:rPr lang="nl-NL" sz="2200" dirty="0"/>
+              <a:t> baseline system</a:t>
+            </a:r>
+          </a:p>
+          <a:p>
+            <a:r>
+              <a:rPr lang="nl-NL" sz="2200" dirty="0"/>
+              <a:t>Scores on test data </a:t>
+            </a:r>
+            <a:r>
+              <a:rPr lang="nl-NL" sz="2200" dirty="0" err="1"/>
+              <a:t>higher</a:t>
+            </a:r>
+            <a:r>
+              <a:rPr lang="nl-NL" sz="2200" dirty="0"/>
+              <a:t> </a:t>
+            </a:r>
+            <a:r>
+              <a:rPr lang="nl-NL" sz="2200" dirty="0" err="1"/>
+              <a:t>than</a:t>
+            </a:r>
+            <a:r>
+              <a:rPr lang="nl-NL" sz="2200" dirty="0"/>
+              <a:t> on development set</a:t>
+            </a:r>
+          </a:p>
+          <a:p>
+            <a:pPr lvl="1"/>
+            <a:r>
+              <a:rPr lang="nl-NL" sz="2000" dirty="0" err="1"/>
+              <a:t>Due</a:t>
+            </a:r>
+            <a:r>
+              <a:rPr lang="nl-NL" sz="2000" dirty="0"/>
+              <a:t> </a:t>
+            </a:r>
+            <a:r>
+              <a:rPr lang="nl-NL" sz="2000" dirty="0" err="1"/>
+              <a:t>to</a:t>
+            </a:r>
+            <a:r>
+              <a:rPr lang="nl-NL" sz="2000" dirty="0"/>
+              <a:t> K-</a:t>
+            </a:r>
+            <a:r>
+              <a:rPr lang="nl-NL" sz="2000" dirty="0" err="1"/>
+              <a:t>fold</a:t>
+            </a:r>
+            <a:r>
+              <a:rPr lang="nl-NL" sz="2000" dirty="0"/>
+              <a:t> CV </a:t>
+            </a:r>
+            <a:r>
+              <a:rPr lang="nl-NL" sz="2000" dirty="0" err="1"/>
+              <a:t>with</a:t>
+            </a:r>
+            <a:r>
+              <a:rPr lang="nl-NL" sz="2000" dirty="0"/>
+              <a:t> few samples per </a:t>
+            </a:r>
+            <a:r>
+              <a:rPr lang="nl-NL" sz="2000" dirty="0" err="1"/>
+              <a:t>fold</a:t>
+            </a:r>
+            <a:endParaRPr lang="nl-NL" sz="2000" dirty="0"/>
+          </a:p>
+          <a:p>
+            <a:pPr lvl="1"/>
+            <a:r>
+              <a:rPr lang="nl-NL" sz="2000" dirty="0" err="1"/>
+              <a:t>Suggests</a:t>
+            </a:r>
+            <a:r>
+              <a:rPr lang="nl-NL" sz="2000" dirty="0"/>
+              <a:t> </a:t>
+            </a:r>
+            <a:r>
+              <a:rPr lang="nl-NL" sz="2000" dirty="0" err="1"/>
+              <a:t>that</a:t>
+            </a:r>
+            <a:r>
+              <a:rPr lang="nl-NL" sz="2000" dirty="0"/>
+              <a:t> </a:t>
+            </a:r>
+            <a:r>
+              <a:rPr lang="nl-NL" sz="2000" dirty="0" err="1"/>
+              <a:t>for</a:t>
+            </a:r>
+            <a:r>
+              <a:rPr lang="nl-NL" sz="2000" dirty="0"/>
+              <a:t> </a:t>
+            </a:r>
+            <a:r>
+              <a:rPr lang="nl-NL" sz="2000" dirty="0" err="1"/>
+              <a:t>age</a:t>
+            </a:r>
+            <a:r>
+              <a:rPr lang="nl-NL" sz="2000" dirty="0"/>
+              <a:t> </a:t>
+            </a:r>
+            <a:r>
+              <a:rPr lang="nl-NL" sz="2000" dirty="0" err="1"/>
+              <a:t>and</a:t>
+            </a:r>
+            <a:r>
+              <a:rPr lang="nl-NL" sz="2000" dirty="0"/>
+              <a:t> gender </a:t>
+            </a:r>
+            <a:r>
+              <a:rPr lang="nl-NL" sz="2000" dirty="0" err="1"/>
+              <a:t>prediction</a:t>
+            </a:r>
+            <a:r>
+              <a:rPr lang="nl-NL" sz="2000" dirty="0"/>
+              <a:t>, corpus </a:t>
+            </a:r>
+            <a:r>
+              <a:rPr lang="nl-NL" sz="2000" dirty="0" err="1"/>
+              <a:t>size</a:t>
+            </a:r>
+            <a:r>
+              <a:rPr lang="nl-NL" sz="2000" dirty="0"/>
+              <a:t> is important</a:t>
+            </a:r>
           </a:p>
           <a:p>
             <a:r>
@@ -19136,50 +19247,51 @@
               <a:rPr lang="nl-NL" sz="2200" dirty="0"/>
               <a:t>: 	</a:t>
             </a:r>
-            <a:r>
-              <a:rPr lang="nl-NL" sz="2200" dirty="0" err="1"/>
+          </a:p>
+          <a:p>
+            <a:pPr lvl="1"/>
+            <a:r>
+              <a:rPr lang="nl-NL" sz="2000" dirty="0" err="1"/>
               <a:t>Optimization</a:t>
             </a:r>
             <a:r>
-              <a:rPr lang="nl-NL" sz="2200" dirty="0"/>
+              <a:rPr lang="nl-NL" sz="2000" dirty="0"/>
               <a:t> per </a:t>
             </a:r>
             <a:r>
-              <a:rPr lang="nl-NL" sz="2200" dirty="0" err="1"/>
+              <a:rPr lang="nl-NL" sz="2000" dirty="0" err="1"/>
               <a:t>language</a:t>
             </a:r>
-            <a:br>
-              <a:rPr lang="nl-NL" sz="2200" dirty="0"/>
-            </a:br>
-            <a:r>
-              <a:rPr lang="nl-NL" sz="2200" dirty="0"/>
-              <a:t>		    	Advanced </a:t>
-            </a:r>
-            <a:r>
-              <a:rPr lang="nl-NL" sz="2200" dirty="0" err="1"/>
+            <a:endParaRPr lang="nl-NL" sz="2000" dirty="0"/>
+          </a:p>
+          <a:p>
+            <a:pPr lvl="1"/>
+            <a:r>
+              <a:rPr lang="nl-NL" sz="2000" dirty="0"/>
+              <a:t>Advanced </a:t>
+            </a:r>
+            <a:r>
+              <a:rPr lang="nl-NL" sz="2000" dirty="0" err="1"/>
               <a:t>neural</a:t>
             </a:r>
             <a:r>
-              <a:rPr lang="nl-NL" sz="2200" dirty="0"/>
+              <a:rPr lang="nl-NL" sz="2000" dirty="0"/>
               <a:t> </a:t>
             </a:r>
             <a:r>
-              <a:rPr lang="nl-NL" sz="2200" dirty="0" err="1"/>
+              <a:rPr lang="nl-NL" sz="2000" dirty="0" err="1"/>
               <a:t>networks</a:t>
             </a:r>
-            <a:br>
-              <a:rPr lang="nl-NL" sz="2200" dirty="0"/>
-            </a:br>
-            <a:r>
-              <a:rPr lang="nl-NL" sz="2200" dirty="0"/>
-              <a:t>			</a:t>
-            </a:r>
-            <a:r>
-              <a:rPr lang="nl-NL" sz="2200" dirty="0" err="1"/>
+            <a:endParaRPr lang="nl-NL" sz="2000" dirty="0"/>
+          </a:p>
+          <a:p>
+            <a:pPr lvl="1"/>
+            <a:r>
+              <a:rPr lang="nl-NL" sz="2000" dirty="0" err="1"/>
               <a:t>Testing</a:t>
             </a:r>
             <a:r>
-              <a:rPr lang="nl-NL" sz="2200" dirty="0"/>
+              <a:rPr lang="nl-NL" sz="2000" dirty="0"/>
               <a:t> on different genres</a:t>
             </a:r>
           </a:p>
@@ -19408,7 +19520,152 @@
           <a:p>
             <a:r>
               <a:rPr lang="nl-NL" dirty="0"/>
-              <a:t>[NOG TOEVOEGEN]</a:t>
+              <a:t>PAN Shared </a:t>
+            </a:r>
+            <a:r>
+              <a:rPr lang="nl-NL" dirty="0" err="1"/>
+              <a:t>Task</a:t>
+            </a:r>
+            <a:r>
+              <a:rPr lang="nl-NL" dirty="0"/>
+              <a:t> Author </a:t>
+            </a:r>
+            <a:r>
+              <a:rPr lang="nl-NL" dirty="0" err="1"/>
+              <a:t>Profiling</a:t>
+            </a:r>
+            <a:r>
+              <a:rPr lang="nl-NL" dirty="0"/>
+              <a:t> 2017 (</a:t>
+            </a:r>
+            <a:r>
+              <a:rPr lang="nl-NL" dirty="0" err="1"/>
+              <a:t>Rangel</a:t>
+            </a:r>
+            <a:r>
+              <a:rPr lang="nl-NL" dirty="0"/>
+              <a:t> et al., 2017)</a:t>
+            </a:r>
+          </a:p>
+          <a:p>
+            <a:pPr lvl="1"/>
+            <a:r>
+              <a:rPr lang="nl-NL" dirty="0"/>
+              <a:t>Gender </a:t>
+            </a:r>
+            <a:r>
+              <a:rPr lang="nl-NL" dirty="0" err="1"/>
+              <a:t>and</a:t>
+            </a:r>
+            <a:r>
+              <a:rPr lang="nl-NL" dirty="0"/>
+              <a:t> </a:t>
+            </a:r>
+            <a:r>
+              <a:rPr lang="nl-NL" dirty="0" err="1"/>
+              <a:t>language</a:t>
+            </a:r>
+            <a:r>
+              <a:rPr lang="nl-NL" dirty="0"/>
+              <a:t> </a:t>
+            </a:r>
+            <a:r>
+              <a:rPr lang="nl-NL" dirty="0" err="1"/>
+              <a:t>variety</a:t>
+            </a:r>
+            <a:endParaRPr lang="nl-NL" dirty="0"/>
+          </a:p>
+          <a:p>
+            <a:pPr lvl="1"/>
+            <a:r>
+              <a:rPr lang="nl-NL" dirty="0" err="1"/>
+              <a:t>SVMs</a:t>
+            </a:r>
+            <a:r>
+              <a:rPr lang="nl-NL" dirty="0"/>
+              <a:t> </a:t>
+            </a:r>
+            <a:r>
+              <a:rPr lang="nl-NL" dirty="0" err="1"/>
+              <a:t>with</a:t>
+            </a:r>
+            <a:r>
+              <a:rPr lang="nl-NL" dirty="0"/>
+              <a:t> </a:t>
+            </a:r>
+            <a:r>
+              <a:rPr lang="nl-NL" dirty="0" err="1"/>
+              <a:t>char</a:t>
+            </a:r>
+            <a:r>
+              <a:rPr lang="nl-NL" dirty="0"/>
+              <a:t> </a:t>
+            </a:r>
+            <a:r>
+              <a:rPr lang="nl-NL" dirty="0" err="1"/>
+              <a:t>ngrams</a:t>
+            </a:r>
+            <a:r>
+              <a:rPr lang="nl-NL" dirty="0"/>
+              <a:t> </a:t>
+            </a:r>
+            <a:r>
+              <a:rPr lang="nl-NL" dirty="0" err="1"/>
+              <a:t>tf-idf</a:t>
+            </a:r>
+            <a:r>
+              <a:rPr lang="nl-NL" dirty="0"/>
+              <a:t> word </a:t>
+            </a:r>
+            <a:r>
+              <a:rPr lang="nl-NL" dirty="0" err="1"/>
+              <a:t>ngrams</a:t>
+            </a:r>
+            <a:endParaRPr lang="nl-NL" dirty="0"/>
+          </a:p>
+          <a:p>
+            <a:r>
+              <a:rPr lang="nl-NL" dirty="0"/>
+              <a:t>Nguyen et al. (2011)</a:t>
+            </a:r>
+          </a:p>
+          <a:p>
+            <a:pPr lvl="1"/>
+            <a:r>
+              <a:rPr lang="nl-NL" dirty="0"/>
+              <a:t>Author </a:t>
+            </a:r>
+            <a:r>
+              <a:rPr lang="nl-NL" dirty="0" err="1"/>
+              <a:t>age</a:t>
+            </a:r>
+            <a:r>
+              <a:rPr lang="nl-NL" dirty="0"/>
+              <a:t> </a:t>
+            </a:r>
+            <a:r>
+              <a:rPr lang="nl-NL" dirty="0" err="1"/>
+              <a:t>prediction</a:t>
+            </a:r>
+            <a:endParaRPr lang="nl-NL" dirty="0"/>
+          </a:p>
+          <a:p>
+            <a:pPr lvl="1"/>
+            <a:r>
+              <a:rPr lang="nl-NL" dirty="0" err="1"/>
+              <a:t>Stylistic</a:t>
+            </a:r>
+            <a:r>
+              <a:rPr lang="nl-NL" dirty="0"/>
+              <a:t> </a:t>
+            </a:r>
+            <a:r>
+              <a:rPr lang="nl-NL" dirty="0" err="1"/>
+              <a:t>and</a:t>
+            </a:r>
+            <a:r>
+              <a:rPr lang="nl-NL" dirty="0"/>
+              <a:t> content features</a:t>
             </a:r>
           </a:p>
         </p:txBody>

--- a/Presentation.pptx
+++ b/Presentation.pptx
@@ -126,7 +126,7 @@
   </p:defaultTextStyle>
   <p:extLst>
     <p:ext uri="{EFAFB233-063F-42B5-8137-9DF3F51BA10A}">
-      <p15:sldGuideLst xmlns:p15="http://schemas.microsoft.com/office/powerpoint/2012/main">
+      <p15:sldGuideLst xmlns:p15="http://schemas.microsoft.com/office/powerpoint/2012/main" xmlns="">
         <p15:guide id="1" orient="horz" pos="2160">
           <p15:clr>
             <a:srgbClr val="A4A3A4"/>
@@ -15785,7 +15785,7 @@
           <p:cNvPr id="2" name="Tabel 1">
             <a:extLst>
               <a:ext uri="{FF2B5EF4-FFF2-40B4-BE49-F238E27FC236}">
-                <a16:creationId xmlns:a16="http://schemas.microsoft.com/office/drawing/2014/main" id="{31E65C9A-F6D8-4708-9B29-5688F854CD09}"/>
+                <a16:creationId xmlns:a16="http://schemas.microsoft.com/office/drawing/2014/main" xmlns="" id="{31E65C9A-F6D8-4708-9B29-5688F854CD09}"/>
               </a:ext>
             </a:extLst>
           </p:cNvPr>
@@ -15814,28 +15814,28 @@
                 <a:gridCol w="1904286">
                   <a:extLst>
                     <a:ext uri="{9D8B030D-6E8A-4147-A177-3AD203B41FA5}">
-                      <a16:colId xmlns:a16="http://schemas.microsoft.com/office/drawing/2014/main" val="1712131747"/>
+                      <a16:colId xmlns:a16="http://schemas.microsoft.com/office/drawing/2014/main" xmlns="" val="1712131747"/>
                     </a:ext>
                   </a:extLst>
                 </a:gridCol>
                 <a:gridCol w="1904286">
                   <a:extLst>
                     <a:ext uri="{9D8B030D-6E8A-4147-A177-3AD203B41FA5}">
-                      <a16:colId xmlns:a16="http://schemas.microsoft.com/office/drawing/2014/main" val="1260638577"/>
+                      <a16:colId xmlns:a16="http://schemas.microsoft.com/office/drawing/2014/main" xmlns="" val="1260638577"/>
                     </a:ext>
                   </a:extLst>
                 </a:gridCol>
                 <a:gridCol w="1904286">
                   <a:extLst>
                     <a:ext uri="{9D8B030D-6E8A-4147-A177-3AD203B41FA5}">
-                      <a16:colId xmlns:a16="http://schemas.microsoft.com/office/drawing/2014/main" val="2573910689"/>
+                      <a16:colId xmlns:a16="http://schemas.microsoft.com/office/drawing/2014/main" xmlns="" val="2573910689"/>
                     </a:ext>
                   </a:extLst>
                 </a:gridCol>
                 <a:gridCol w="1904286">
                   <a:extLst>
                     <a:ext uri="{9D8B030D-6E8A-4147-A177-3AD203B41FA5}">
-                      <a16:colId xmlns:a16="http://schemas.microsoft.com/office/drawing/2014/main" val="1833719600"/>
+                      <a16:colId xmlns:a16="http://schemas.microsoft.com/office/drawing/2014/main" xmlns="" val="1833719600"/>
                     </a:ext>
                   </a:extLst>
                 </a:gridCol>
@@ -15896,7 +15896,7 @@
                 </a:tc>
                 <a:extLst>
                   <a:ext uri="{0D108BD9-81ED-4DB2-BD59-A6C34878D82A}">
-                    <a16:rowId xmlns:a16="http://schemas.microsoft.com/office/drawing/2014/main" val="3039594110"/>
+                    <a16:rowId xmlns:a16="http://schemas.microsoft.com/office/drawing/2014/main" xmlns="" val="3039594110"/>
                   </a:ext>
                 </a:extLst>
               </a:tr>
@@ -15956,7 +15956,7 @@
                 </a:tc>
                 <a:extLst>
                   <a:ext uri="{0D108BD9-81ED-4DB2-BD59-A6C34878D82A}">
-                    <a16:rowId xmlns:a16="http://schemas.microsoft.com/office/drawing/2014/main" val="1056561172"/>
+                    <a16:rowId xmlns:a16="http://schemas.microsoft.com/office/drawing/2014/main" xmlns="" val="1056561172"/>
                   </a:ext>
                 </a:extLst>
               </a:tr>
@@ -16015,7 +16015,7 @@
                 </a:tc>
                 <a:extLst>
                   <a:ext uri="{0D108BD9-81ED-4DB2-BD59-A6C34878D82A}">
-                    <a16:rowId xmlns:a16="http://schemas.microsoft.com/office/drawing/2014/main" val="1040604747"/>
+                    <a16:rowId xmlns:a16="http://schemas.microsoft.com/office/drawing/2014/main" xmlns="" val="1040604747"/>
                   </a:ext>
                 </a:extLst>
               </a:tr>
@@ -16075,7 +16075,7 @@
                 </a:tc>
                 <a:extLst>
                   <a:ext uri="{0D108BD9-81ED-4DB2-BD59-A6C34878D82A}">
-                    <a16:rowId xmlns:a16="http://schemas.microsoft.com/office/drawing/2014/main" val="2535849655"/>
+                    <a16:rowId xmlns:a16="http://schemas.microsoft.com/office/drawing/2014/main" xmlns="" val="2535849655"/>
                   </a:ext>
                 </a:extLst>
               </a:tr>
@@ -16134,7 +16134,7 @@
                 </a:tc>
                 <a:extLst>
                   <a:ext uri="{0D108BD9-81ED-4DB2-BD59-A6C34878D82A}">
-                    <a16:rowId xmlns:a16="http://schemas.microsoft.com/office/drawing/2014/main" val="2134136561"/>
+                    <a16:rowId xmlns:a16="http://schemas.microsoft.com/office/drawing/2014/main" xmlns="" val="2134136561"/>
                   </a:ext>
                 </a:extLst>
               </a:tr>
@@ -16147,7 +16147,7 @@
           <p:cNvPr id="1026" name="Picture 2" descr="https://attachment.outlook.office.net/owa/daphnegroot1996@hotmail.com/service.svc/s/GetAttachmentThumbnail?id=AQMkADAwATYwMAItOTAwADQtODYxNS0wMAItMDAKAEYAAAMQhbqMMd6UQ7FPxU6vOvaeBwBd83Uke58QQ6Kl%2FoGQ7oghAAACAQwAAABd83Uke58QQ6Kl%2FoGQ7oghAAFG6%2FuFAAAAARIAEACs8bMgMZ7JRrPrEg8Bt0oi&amp;thumbnailType=2&amp;owa=outlook.live.com&amp;scriptVer=20180119.01.02&amp;isc=1&amp;X-OWA-CANARY=jxN_i2zEHk6RNlJyv8sZKbBMMX7kaNUYEW0N3uxkbA3gcmjdVLLi4wvTORTZMVX7We8Hml2ApJU.&amp;token=eyJ0eXAiOiJKV1QiLCJhbGciOiJSUzI1NiIsIng1dCI6ImVuaDlCSnJWUFU1aWpWMXFqWmpWLWZMMmJjbyJ9.eyJ2ZXIiOiJFeGNoYW5nZS5DYWxsYmFjay5WMSIsImFwcGN0eHNlbmRlciI6Ik93YURvd25sb2FkQDg0ZGY5ZTdmLWU5ZjYtNDBhZi1iNDM1LWFhYWFhYWFhYWFhYSIsImFwcGN0eCI6IntcIm1zZXhjaHByb3RcIjpcIm93YVwiLFwicHJpbWFyeXNpZFwiOlwiUy0xLTI4MjctMzkzMjE2LTI0MTYyMTU1NzNcIixcInB1aWRcIjpcIjE2ODg4NTIyNzY0Nzk1MDlcIixcIm9pZFwiOlwiMDAwNjAwMDAtOTAwNC04NjE1LTAwMDAtMDAwMDAwMDAwMDAwXCIsXCJzY29wZVwiOlwiT3dhRG93bmxvYWRcIn0iLCJpc3MiOiIwMDAwMDAwMi0wMDAwLTBmZjEtY2UwMC0wMDAwMDAwMDAwMDBAODRkZjllN2YtZTlmNi00MGFmLWI0MzUtYWFhYWFhYWFhYWFhIiwiYXVkIjoiMDAwMDAwMDItMDAwMC0wZmYxLWNlMDAtMDAwMDAwMDAwMDAwL2F0dGFjaG1lbnQub3V0bG9vay5vZmZpY2UubmV0QDg0ZGY5ZTdmLWU5ZjYtNDBhZi1iNDM1LWFhYWFhYWFhYWFhYSIsImV4cCI6MTUxNzQyOTA3OCwibmJmIjoxNTE3NDI4NDc4fQ.kci09AASYaWlmtCs0XBXL_0nB7amWzGv3qmO6njSi82q3-WeT0-YxfpVm2Qm8P9t1SBt7qXIStysOL4dXLVUNAhtN_zdH0zW-OI_BP2gsuQgZP5h7NzsfJRPgZHzfot6WLIY054JZKVcF-myrA9MQrrPdK3FvaiN1PtD5lW6nqKBVwcpx1R26CwRqC8Wn1BlUDuv8M-IwH8ArmCuEhawjv6yv-6MS4xxp7l_aP0WhkGKvTsnq6jccRhwC4GlxgKHu5vhX3moUqjuW68EoZ1AtcPCA8m76-oh61pk7O3xk6-MgK72iYIbRVrbYrYSvidaM6JOybK3UXYL9IRh-u9yaA&amp;animation=true">
             <a:extLst>
               <a:ext uri="{FF2B5EF4-FFF2-40B4-BE49-F238E27FC236}">
-                <a16:creationId xmlns:a16="http://schemas.microsoft.com/office/drawing/2014/main" id="{2CC17DD3-974E-4452-A1C9-C42961819D84}"/>
+                <a16:creationId xmlns:a16="http://schemas.microsoft.com/office/drawing/2014/main" xmlns="" id="{2CC17DD3-974E-4452-A1C9-C42961819D84}"/>
               </a:ext>
             </a:extLst>
           </p:cNvPr>
@@ -16261,7 +16261,7 @@
           <p:cNvPr id="7" name="Tekstvak 6">
             <a:extLst>
               <a:ext uri="{FF2B5EF4-FFF2-40B4-BE49-F238E27FC236}">
-                <a16:creationId xmlns:a16="http://schemas.microsoft.com/office/drawing/2014/main" id="{84C5B99A-F4E4-46AF-BE7E-A7FC0E7F2683}"/>
+                <a16:creationId xmlns:a16="http://schemas.microsoft.com/office/drawing/2014/main" xmlns="" id="{84C5B99A-F4E4-46AF-BE7E-A7FC0E7F2683}"/>
               </a:ext>
             </a:extLst>
           </p:cNvPr>
@@ -16297,7 +16297,7 @@
           <p:cNvPr id="8" name="Tabel 7">
             <a:extLst>
               <a:ext uri="{FF2B5EF4-FFF2-40B4-BE49-F238E27FC236}">
-                <a16:creationId xmlns:a16="http://schemas.microsoft.com/office/drawing/2014/main" id="{1B1F05E1-2F76-4DD1-849A-B6F5E0A0EEC2}"/>
+                <a16:creationId xmlns:a16="http://schemas.microsoft.com/office/drawing/2014/main" xmlns="" id="{1B1F05E1-2F76-4DD1-849A-B6F5E0A0EEC2}"/>
               </a:ext>
             </a:extLst>
           </p:cNvPr>
@@ -16326,28 +16326,28 @@
                 <a:gridCol w="1904286">
                   <a:extLst>
                     <a:ext uri="{9D8B030D-6E8A-4147-A177-3AD203B41FA5}">
-                      <a16:colId xmlns:a16="http://schemas.microsoft.com/office/drawing/2014/main" val="1712131747"/>
+                      <a16:colId xmlns:a16="http://schemas.microsoft.com/office/drawing/2014/main" xmlns="" val="1712131747"/>
                     </a:ext>
                   </a:extLst>
                 </a:gridCol>
                 <a:gridCol w="1904286">
                   <a:extLst>
                     <a:ext uri="{9D8B030D-6E8A-4147-A177-3AD203B41FA5}">
-                      <a16:colId xmlns:a16="http://schemas.microsoft.com/office/drawing/2014/main" val="1064206649"/>
+                      <a16:colId xmlns:a16="http://schemas.microsoft.com/office/drawing/2014/main" xmlns="" val="1064206649"/>
                     </a:ext>
                   </a:extLst>
                 </a:gridCol>
                 <a:gridCol w="1904286">
                   <a:extLst>
                     <a:ext uri="{9D8B030D-6E8A-4147-A177-3AD203B41FA5}">
-                      <a16:colId xmlns:a16="http://schemas.microsoft.com/office/drawing/2014/main" val="2573910689"/>
+                      <a16:colId xmlns:a16="http://schemas.microsoft.com/office/drawing/2014/main" xmlns="" val="2573910689"/>
                     </a:ext>
                   </a:extLst>
                 </a:gridCol>
                 <a:gridCol w="1904286">
                   <a:extLst>
                     <a:ext uri="{9D8B030D-6E8A-4147-A177-3AD203B41FA5}">
-                      <a16:colId xmlns:a16="http://schemas.microsoft.com/office/drawing/2014/main" val="1833719600"/>
+                      <a16:colId xmlns:a16="http://schemas.microsoft.com/office/drawing/2014/main" xmlns="" val="1833719600"/>
                     </a:ext>
                   </a:extLst>
                 </a:gridCol>
@@ -16408,7 +16408,7 @@
                 </a:tc>
                 <a:extLst>
                   <a:ext uri="{0D108BD9-81ED-4DB2-BD59-A6C34878D82A}">
-                    <a16:rowId xmlns:a16="http://schemas.microsoft.com/office/drawing/2014/main" val="3039594110"/>
+                    <a16:rowId xmlns:a16="http://schemas.microsoft.com/office/drawing/2014/main" xmlns="" val="3039594110"/>
                   </a:ext>
                 </a:extLst>
               </a:tr>
@@ -16468,7 +16468,7 @@
                 </a:tc>
                 <a:extLst>
                   <a:ext uri="{0D108BD9-81ED-4DB2-BD59-A6C34878D82A}">
-                    <a16:rowId xmlns:a16="http://schemas.microsoft.com/office/drawing/2014/main" val="1056561172"/>
+                    <a16:rowId xmlns:a16="http://schemas.microsoft.com/office/drawing/2014/main" xmlns="" val="1056561172"/>
                   </a:ext>
                 </a:extLst>
               </a:tr>
@@ -16527,7 +16527,7 @@
                 </a:tc>
                 <a:extLst>
                   <a:ext uri="{0D108BD9-81ED-4DB2-BD59-A6C34878D82A}">
-                    <a16:rowId xmlns:a16="http://schemas.microsoft.com/office/drawing/2014/main" val="1040604747"/>
+                    <a16:rowId xmlns:a16="http://schemas.microsoft.com/office/drawing/2014/main" xmlns="" val="1040604747"/>
                   </a:ext>
                 </a:extLst>
               </a:tr>
@@ -16587,7 +16587,7 @@
                 </a:tc>
                 <a:extLst>
                   <a:ext uri="{0D108BD9-81ED-4DB2-BD59-A6C34878D82A}">
-                    <a16:rowId xmlns:a16="http://schemas.microsoft.com/office/drawing/2014/main" val="2535849655"/>
+                    <a16:rowId xmlns:a16="http://schemas.microsoft.com/office/drawing/2014/main" xmlns="" val="2535849655"/>
                   </a:ext>
                 </a:extLst>
               </a:tr>
@@ -16646,7 +16646,7 @@
                 </a:tc>
                 <a:extLst>
                   <a:ext uri="{0D108BD9-81ED-4DB2-BD59-A6C34878D82A}">
-                    <a16:rowId xmlns:a16="http://schemas.microsoft.com/office/drawing/2014/main" val="2134136561"/>
+                    <a16:rowId xmlns:a16="http://schemas.microsoft.com/office/drawing/2014/main" xmlns="" val="2134136561"/>
                   </a:ext>
                 </a:extLst>
               </a:tr>
@@ -16728,7 +16728,7 @@
           <p:cNvPr id="7" name="Tekstvak 6">
             <a:extLst>
               <a:ext uri="{FF2B5EF4-FFF2-40B4-BE49-F238E27FC236}">
-                <a16:creationId xmlns:a16="http://schemas.microsoft.com/office/drawing/2014/main" id="{84C5B99A-F4E4-46AF-BE7E-A7FC0E7F2683}"/>
+                <a16:creationId xmlns:a16="http://schemas.microsoft.com/office/drawing/2014/main" xmlns="" id="{84C5B99A-F4E4-46AF-BE7E-A7FC0E7F2683}"/>
               </a:ext>
             </a:extLst>
           </p:cNvPr>
@@ -16764,7 +16764,7 @@
           <p:cNvPr id="9" name="Tabel 8">
             <a:extLst>
               <a:ext uri="{FF2B5EF4-FFF2-40B4-BE49-F238E27FC236}">
-                <a16:creationId xmlns:a16="http://schemas.microsoft.com/office/drawing/2014/main" id="{009ABCA2-5DEA-418B-BC92-6E5F57E1F802}"/>
+                <a16:creationId xmlns:a16="http://schemas.microsoft.com/office/drawing/2014/main" xmlns="" id="{009ABCA2-5DEA-418B-BC92-6E5F57E1F802}"/>
               </a:ext>
             </a:extLst>
           </p:cNvPr>
@@ -16793,28 +16793,28 @@
                 <a:gridCol w="1904286">
                   <a:extLst>
                     <a:ext uri="{9D8B030D-6E8A-4147-A177-3AD203B41FA5}">
-                      <a16:colId xmlns:a16="http://schemas.microsoft.com/office/drawing/2014/main" val="1712131747"/>
+                      <a16:colId xmlns:a16="http://schemas.microsoft.com/office/drawing/2014/main" xmlns="" val="1712131747"/>
                     </a:ext>
                   </a:extLst>
                 </a:gridCol>
                 <a:gridCol w="1904286">
                   <a:extLst>
                     <a:ext uri="{9D8B030D-6E8A-4147-A177-3AD203B41FA5}">
-                      <a16:colId xmlns:a16="http://schemas.microsoft.com/office/drawing/2014/main" val="1064206649"/>
+                      <a16:colId xmlns:a16="http://schemas.microsoft.com/office/drawing/2014/main" xmlns="" val="1064206649"/>
                     </a:ext>
                   </a:extLst>
                 </a:gridCol>
                 <a:gridCol w="1904286">
                   <a:extLst>
                     <a:ext uri="{9D8B030D-6E8A-4147-A177-3AD203B41FA5}">
-                      <a16:colId xmlns:a16="http://schemas.microsoft.com/office/drawing/2014/main" val="2573910689"/>
+                      <a16:colId xmlns:a16="http://schemas.microsoft.com/office/drawing/2014/main" xmlns="" val="2573910689"/>
                     </a:ext>
                   </a:extLst>
                 </a:gridCol>
                 <a:gridCol w="1904286">
                   <a:extLst>
                     <a:ext uri="{9D8B030D-6E8A-4147-A177-3AD203B41FA5}">
-                      <a16:colId xmlns:a16="http://schemas.microsoft.com/office/drawing/2014/main" val="1833719600"/>
+                      <a16:colId xmlns:a16="http://schemas.microsoft.com/office/drawing/2014/main" xmlns="" val="1833719600"/>
                     </a:ext>
                   </a:extLst>
                 </a:gridCol>
@@ -16875,7 +16875,7 @@
                 </a:tc>
                 <a:extLst>
                   <a:ext uri="{0D108BD9-81ED-4DB2-BD59-A6C34878D82A}">
-                    <a16:rowId xmlns:a16="http://schemas.microsoft.com/office/drawing/2014/main" val="3039594110"/>
+                    <a16:rowId xmlns:a16="http://schemas.microsoft.com/office/drawing/2014/main" xmlns="" val="3039594110"/>
                   </a:ext>
                 </a:extLst>
               </a:tr>
@@ -16935,7 +16935,7 @@
                 </a:tc>
                 <a:extLst>
                   <a:ext uri="{0D108BD9-81ED-4DB2-BD59-A6C34878D82A}">
-                    <a16:rowId xmlns:a16="http://schemas.microsoft.com/office/drawing/2014/main" val="1056561172"/>
+                    <a16:rowId xmlns:a16="http://schemas.microsoft.com/office/drawing/2014/main" xmlns="" val="1056561172"/>
                   </a:ext>
                 </a:extLst>
               </a:tr>
@@ -16994,7 +16994,7 @@
                 </a:tc>
                 <a:extLst>
                   <a:ext uri="{0D108BD9-81ED-4DB2-BD59-A6C34878D82A}">
-                    <a16:rowId xmlns:a16="http://schemas.microsoft.com/office/drawing/2014/main" val="1040604747"/>
+                    <a16:rowId xmlns:a16="http://schemas.microsoft.com/office/drawing/2014/main" xmlns="" val="1040604747"/>
                   </a:ext>
                 </a:extLst>
               </a:tr>
@@ -17054,7 +17054,7 @@
                 </a:tc>
                 <a:extLst>
                   <a:ext uri="{0D108BD9-81ED-4DB2-BD59-A6C34878D82A}">
-                    <a16:rowId xmlns:a16="http://schemas.microsoft.com/office/drawing/2014/main" val="2535849655"/>
+                    <a16:rowId xmlns:a16="http://schemas.microsoft.com/office/drawing/2014/main" xmlns="" val="2535849655"/>
                   </a:ext>
                 </a:extLst>
               </a:tr>
@@ -17113,7 +17113,7 @@
                 </a:tc>
                 <a:extLst>
                   <a:ext uri="{0D108BD9-81ED-4DB2-BD59-A6C34878D82A}">
-                    <a16:rowId xmlns:a16="http://schemas.microsoft.com/office/drawing/2014/main" val="2134136561"/>
+                    <a16:rowId xmlns:a16="http://schemas.microsoft.com/office/drawing/2014/main" xmlns="" val="2134136561"/>
                   </a:ext>
                 </a:extLst>
               </a:tr>
@@ -17195,7 +17195,7 @@
           <p:cNvPr id="7" name="Tekstvak 6">
             <a:extLst>
               <a:ext uri="{FF2B5EF4-FFF2-40B4-BE49-F238E27FC236}">
-                <a16:creationId xmlns:a16="http://schemas.microsoft.com/office/drawing/2014/main" id="{84C5B99A-F4E4-46AF-BE7E-A7FC0E7F2683}"/>
+                <a16:creationId xmlns:a16="http://schemas.microsoft.com/office/drawing/2014/main" xmlns="" id="{84C5B99A-F4E4-46AF-BE7E-A7FC0E7F2683}"/>
               </a:ext>
             </a:extLst>
           </p:cNvPr>
@@ -17231,7 +17231,7 @@
           <p:cNvPr id="10" name="Tabel 9">
             <a:extLst>
               <a:ext uri="{FF2B5EF4-FFF2-40B4-BE49-F238E27FC236}">
-                <a16:creationId xmlns:a16="http://schemas.microsoft.com/office/drawing/2014/main" id="{C65BEA78-DAE4-4CC5-A2BD-18100D9C3F4F}"/>
+                <a16:creationId xmlns:a16="http://schemas.microsoft.com/office/drawing/2014/main" xmlns="" id="{C65BEA78-DAE4-4CC5-A2BD-18100D9C3F4F}"/>
               </a:ext>
             </a:extLst>
           </p:cNvPr>
@@ -17260,28 +17260,28 @@
                 <a:gridCol w="1904286">
                   <a:extLst>
                     <a:ext uri="{9D8B030D-6E8A-4147-A177-3AD203B41FA5}">
-                      <a16:colId xmlns:a16="http://schemas.microsoft.com/office/drawing/2014/main" val="1712131747"/>
+                      <a16:colId xmlns:a16="http://schemas.microsoft.com/office/drawing/2014/main" xmlns="" val="1712131747"/>
                     </a:ext>
                   </a:extLst>
                 </a:gridCol>
                 <a:gridCol w="1904286">
                   <a:extLst>
                     <a:ext uri="{9D8B030D-6E8A-4147-A177-3AD203B41FA5}">
-                      <a16:colId xmlns:a16="http://schemas.microsoft.com/office/drawing/2014/main" val="1064206649"/>
+                      <a16:colId xmlns:a16="http://schemas.microsoft.com/office/drawing/2014/main" xmlns="" val="1064206649"/>
                     </a:ext>
                   </a:extLst>
                 </a:gridCol>
                 <a:gridCol w="1904286">
                   <a:extLst>
                     <a:ext uri="{9D8B030D-6E8A-4147-A177-3AD203B41FA5}">
-                      <a16:colId xmlns:a16="http://schemas.microsoft.com/office/drawing/2014/main" val="2573910689"/>
+                      <a16:colId xmlns:a16="http://schemas.microsoft.com/office/drawing/2014/main" xmlns="" val="2573910689"/>
                     </a:ext>
                   </a:extLst>
                 </a:gridCol>
                 <a:gridCol w="1904286">
                   <a:extLst>
                     <a:ext uri="{9D8B030D-6E8A-4147-A177-3AD203B41FA5}">
-                      <a16:colId xmlns:a16="http://schemas.microsoft.com/office/drawing/2014/main" val="1833719600"/>
+                      <a16:colId xmlns:a16="http://schemas.microsoft.com/office/drawing/2014/main" xmlns="" val="1833719600"/>
                     </a:ext>
                   </a:extLst>
                 </a:gridCol>
@@ -17343,7 +17343,7 @@
                 </a:tc>
                 <a:extLst>
                   <a:ext uri="{0D108BD9-81ED-4DB2-BD59-A6C34878D82A}">
-                    <a16:rowId xmlns:a16="http://schemas.microsoft.com/office/drawing/2014/main" val="3039594110"/>
+                    <a16:rowId xmlns:a16="http://schemas.microsoft.com/office/drawing/2014/main" xmlns="" val="3039594110"/>
                   </a:ext>
                 </a:extLst>
               </a:tr>
@@ -17403,7 +17403,7 @@
                 </a:tc>
                 <a:extLst>
                   <a:ext uri="{0D108BD9-81ED-4DB2-BD59-A6C34878D82A}">
-                    <a16:rowId xmlns:a16="http://schemas.microsoft.com/office/drawing/2014/main" val="1056561172"/>
+                    <a16:rowId xmlns:a16="http://schemas.microsoft.com/office/drawing/2014/main" xmlns="" val="1056561172"/>
                   </a:ext>
                 </a:extLst>
               </a:tr>
@@ -17462,7 +17462,7 @@
                 </a:tc>
                 <a:extLst>
                   <a:ext uri="{0D108BD9-81ED-4DB2-BD59-A6C34878D82A}">
-                    <a16:rowId xmlns:a16="http://schemas.microsoft.com/office/drawing/2014/main" val="1040604747"/>
+                    <a16:rowId xmlns:a16="http://schemas.microsoft.com/office/drawing/2014/main" xmlns="" val="1040604747"/>
                   </a:ext>
                 </a:extLst>
               </a:tr>
@@ -17522,7 +17522,7 @@
                 </a:tc>
                 <a:extLst>
                   <a:ext uri="{0D108BD9-81ED-4DB2-BD59-A6C34878D82A}">
-                    <a16:rowId xmlns:a16="http://schemas.microsoft.com/office/drawing/2014/main" val="2535849655"/>
+                    <a16:rowId xmlns:a16="http://schemas.microsoft.com/office/drawing/2014/main" xmlns="" val="2535849655"/>
                   </a:ext>
                 </a:extLst>
               </a:tr>
@@ -17581,7 +17581,7 @@
                 </a:tc>
                 <a:extLst>
                   <a:ext uri="{0D108BD9-81ED-4DB2-BD59-A6C34878D82A}">
-                    <a16:rowId xmlns:a16="http://schemas.microsoft.com/office/drawing/2014/main" val="2134136561"/>
+                    <a16:rowId xmlns:a16="http://schemas.microsoft.com/office/drawing/2014/main" xmlns="" val="2134136561"/>
                   </a:ext>
                 </a:extLst>
               </a:tr>
@@ -17624,7 +17624,7 @@
           <p:cNvPr id="5" name="Picture 2" descr="C:\Users\Eyokiha\Dropbox\Documents\Courses\Master\Blok2\LearningFromData\Final\English.png">
             <a:extLst>
               <a:ext uri="{FF2B5EF4-FFF2-40B4-BE49-F238E27FC236}">
-                <a16:creationId xmlns:a16="http://schemas.microsoft.com/office/drawing/2014/main" id="{F9035BC7-34B1-43EB-B891-784EAFC6BACF}"/>
+                <a16:creationId xmlns:a16="http://schemas.microsoft.com/office/drawing/2014/main" xmlns="" id="{F9035BC7-34B1-43EB-B891-784EAFC6BACF}"/>
               </a:ext>
             </a:extLst>
           </p:cNvPr>
@@ -17669,7 +17669,7 @@
           <p:cNvPr id="7" name="Tekstvak 6">
             <a:extLst>
               <a:ext uri="{FF2B5EF4-FFF2-40B4-BE49-F238E27FC236}">
-                <a16:creationId xmlns:a16="http://schemas.microsoft.com/office/drawing/2014/main" id="{84C5B99A-F4E4-46AF-BE7E-A7FC0E7F2683}"/>
+                <a16:creationId xmlns:a16="http://schemas.microsoft.com/office/drawing/2014/main" xmlns="" id="{84C5B99A-F4E4-46AF-BE7E-A7FC0E7F2683}"/>
               </a:ext>
             </a:extLst>
           </p:cNvPr>
@@ -17705,7 +17705,7 @@
           <p:cNvPr id="8" name="Tabel 7">
             <a:extLst>
               <a:ext uri="{FF2B5EF4-FFF2-40B4-BE49-F238E27FC236}">
-                <a16:creationId xmlns:a16="http://schemas.microsoft.com/office/drawing/2014/main" id="{1B1F05E1-2F76-4DD1-849A-B6F5E0A0EEC2}"/>
+                <a16:creationId xmlns:a16="http://schemas.microsoft.com/office/drawing/2014/main" xmlns="" id="{1B1F05E1-2F76-4DD1-849A-B6F5E0A0EEC2}"/>
               </a:ext>
             </a:extLst>
           </p:cNvPr>
@@ -17734,28 +17734,28 @@
                 <a:gridCol w="1904286">
                   <a:extLst>
                     <a:ext uri="{9D8B030D-6E8A-4147-A177-3AD203B41FA5}">
-                      <a16:colId xmlns:a16="http://schemas.microsoft.com/office/drawing/2014/main" val="1712131747"/>
+                      <a16:colId xmlns:a16="http://schemas.microsoft.com/office/drawing/2014/main" xmlns="" val="1712131747"/>
                     </a:ext>
                   </a:extLst>
                 </a:gridCol>
                 <a:gridCol w="1904286">
                   <a:extLst>
                     <a:ext uri="{9D8B030D-6E8A-4147-A177-3AD203B41FA5}">
-                      <a16:colId xmlns:a16="http://schemas.microsoft.com/office/drawing/2014/main" val="1064206649"/>
+                      <a16:colId xmlns:a16="http://schemas.microsoft.com/office/drawing/2014/main" xmlns="" val="1064206649"/>
                     </a:ext>
                   </a:extLst>
                 </a:gridCol>
                 <a:gridCol w="1904286">
                   <a:extLst>
                     <a:ext uri="{9D8B030D-6E8A-4147-A177-3AD203B41FA5}">
-                      <a16:colId xmlns:a16="http://schemas.microsoft.com/office/drawing/2014/main" val="2573910689"/>
+                      <a16:colId xmlns:a16="http://schemas.microsoft.com/office/drawing/2014/main" xmlns="" val="2573910689"/>
                     </a:ext>
                   </a:extLst>
                 </a:gridCol>
                 <a:gridCol w="1904286">
                   <a:extLst>
                     <a:ext uri="{9D8B030D-6E8A-4147-A177-3AD203B41FA5}">
-                      <a16:colId xmlns:a16="http://schemas.microsoft.com/office/drawing/2014/main" val="1833719600"/>
+                      <a16:colId xmlns:a16="http://schemas.microsoft.com/office/drawing/2014/main" xmlns="" val="1833719600"/>
                     </a:ext>
                   </a:extLst>
                 </a:gridCol>
@@ -17816,7 +17816,7 @@
                 </a:tc>
                 <a:extLst>
                   <a:ext uri="{0D108BD9-81ED-4DB2-BD59-A6C34878D82A}">
-                    <a16:rowId xmlns:a16="http://schemas.microsoft.com/office/drawing/2014/main" val="3039594110"/>
+                    <a16:rowId xmlns:a16="http://schemas.microsoft.com/office/drawing/2014/main" xmlns="" val="3039594110"/>
                   </a:ext>
                 </a:extLst>
               </a:tr>
@@ -17876,7 +17876,7 @@
                 </a:tc>
                 <a:extLst>
                   <a:ext uri="{0D108BD9-81ED-4DB2-BD59-A6C34878D82A}">
-                    <a16:rowId xmlns:a16="http://schemas.microsoft.com/office/drawing/2014/main" val="1056561172"/>
+                    <a16:rowId xmlns:a16="http://schemas.microsoft.com/office/drawing/2014/main" xmlns="" val="1056561172"/>
                   </a:ext>
                 </a:extLst>
               </a:tr>
@@ -17935,7 +17935,7 @@
                 </a:tc>
                 <a:extLst>
                   <a:ext uri="{0D108BD9-81ED-4DB2-BD59-A6C34878D82A}">
-                    <a16:rowId xmlns:a16="http://schemas.microsoft.com/office/drawing/2014/main" val="1040604747"/>
+                    <a16:rowId xmlns:a16="http://schemas.microsoft.com/office/drawing/2014/main" xmlns="" val="1040604747"/>
                   </a:ext>
                 </a:extLst>
               </a:tr>
@@ -17995,7 +17995,7 @@
                 </a:tc>
                 <a:extLst>
                   <a:ext uri="{0D108BD9-81ED-4DB2-BD59-A6C34878D82A}">
-                    <a16:rowId xmlns:a16="http://schemas.microsoft.com/office/drawing/2014/main" val="2535849655"/>
+                    <a16:rowId xmlns:a16="http://schemas.microsoft.com/office/drawing/2014/main" xmlns="" val="2535849655"/>
                   </a:ext>
                 </a:extLst>
               </a:tr>
@@ -18054,7 +18054,7 @@
                 </a:tc>
                 <a:extLst>
                   <a:ext uri="{0D108BD9-81ED-4DB2-BD59-A6C34878D82A}">
-                    <a16:rowId xmlns:a16="http://schemas.microsoft.com/office/drawing/2014/main" val="2134136561"/>
+                    <a16:rowId xmlns:a16="http://schemas.microsoft.com/office/drawing/2014/main" xmlns="" val="2134136561"/>
                   </a:ext>
                 </a:extLst>
               </a:tr>
@@ -18097,7 +18097,7 @@
           <p:cNvPr id="7" name="Tekstvak 6">
             <a:extLst>
               <a:ext uri="{FF2B5EF4-FFF2-40B4-BE49-F238E27FC236}">
-                <a16:creationId xmlns:a16="http://schemas.microsoft.com/office/drawing/2014/main" id="{84C5B99A-F4E4-46AF-BE7E-A7FC0E7F2683}"/>
+                <a16:creationId xmlns:a16="http://schemas.microsoft.com/office/drawing/2014/main" xmlns="" id="{84C5B99A-F4E4-46AF-BE7E-A7FC0E7F2683}"/>
               </a:ext>
             </a:extLst>
           </p:cNvPr>
@@ -18133,7 +18133,7 @@
           <p:cNvPr id="9" name="Tabel 8">
             <a:extLst>
               <a:ext uri="{FF2B5EF4-FFF2-40B4-BE49-F238E27FC236}">
-                <a16:creationId xmlns:a16="http://schemas.microsoft.com/office/drawing/2014/main" id="{009ABCA2-5DEA-418B-BC92-6E5F57E1F802}"/>
+                <a16:creationId xmlns:a16="http://schemas.microsoft.com/office/drawing/2014/main" xmlns="" id="{009ABCA2-5DEA-418B-BC92-6E5F57E1F802}"/>
               </a:ext>
             </a:extLst>
           </p:cNvPr>
@@ -18162,28 +18162,28 @@
                 <a:gridCol w="1904286">
                   <a:extLst>
                     <a:ext uri="{9D8B030D-6E8A-4147-A177-3AD203B41FA5}">
-                      <a16:colId xmlns:a16="http://schemas.microsoft.com/office/drawing/2014/main" val="1712131747"/>
+                      <a16:colId xmlns:a16="http://schemas.microsoft.com/office/drawing/2014/main" xmlns="" val="1712131747"/>
                     </a:ext>
                   </a:extLst>
                 </a:gridCol>
                 <a:gridCol w="1904286">
                   <a:extLst>
                     <a:ext uri="{9D8B030D-6E8A-4147-A177-3AD203B41FA5}">
-                      <a16:colId xmlns:a16="http://schemas.microsoft.com/office/drawing/2014/main" val="1064206649"/>
+                      <a16:colId xmlns:a16="http://schemas.microsoft.com/office/drawing/2014/main" xmlns="" val="1064206649"/>
                     </a:ext>
                   </a:extLst>
                 </a:gridCol>
                 <a:gridCol w="1904286">
                   <a:extLst>
                     <a:ext uri="{9D8B030D-6E8A-4147-A177-3AD203B41FA5}">
-                      <a16:colId xmlns:a16="http://schemas.microsoft.com/office/drawing/2014/main" val="2573910689"/>
+                      <a16:colId xmlns:a16="http://schemas.microsoft.com/office/drawing/2014/main" xmlns="" val="2573910689"/>
                     </a:ext>
                   </a:extLst>
                 </a:gridCol>
                 <a:gridCol w="1904286">
                   <a:extLst>
                     <a:ext uri="{9D8B030D-6E8A-4147-A177-3AD203B41FA5}">
-                      <a16:colId xmlns:a16="http://schemas.microsoft.com/office/drawing/2014/main" val="1833719600"/>
+                      <a16:colId xmlns:a16="http://schemas.microsoft.com/office/drawing/2014/main" xmlns="" val="1833719600"/>
                     </a:ext>
                   </a:extLst>
                 </a:gridCol>
@@ -18244,7 +18244,7 @@
                 </a:tc>
                 <a:extLst>
                   <a:ext uri="{0D108BD9-81ED-4DB2-BD59-A6C34878D82A}">
-                    <a16:rowId xmlns:a16="http://schemas.microsoft.com/office/drawing/2014/main" val="3039594110"/>
+                    <a16:rowId xmlns:a16="http://schemas.microsoft.com/office/drawing/2014/main" xmlns="" val="3039594110"/>
                   </a:ext>
                 </a:extLst>
               </a:tr>
@@ -18304,7 +18304,7 @@
                 </a:tc>
                 <a:extLst>
                   <a:ext uri="{0D108BD9-81ED-4DB2-BD59-A6C34878D82A}">
-                    <a16:rowId xmlns:a16="http://schemas.microsoft.com/office/drawing/2014/main" val="1056561172"/>
+                    <a16:rowId xmlns:a16="http://schemas.microsoft.com/office/drawing/2014/main" xmlns="" val="1056561172"/>
                   </a:ext>
                 </a:extLst>
               </a:tr>
@@ -18363,7 +18363,7 @@
                 </a:tc>
                 <a:extLst>
                   <a:ext uri="{0D108BD9-81ED-4DB2-BD59-A6C34878D82A}">
-                    <a16:rowId xmlns:a16="http://schemas.microsoft.com/office/drawing/2014/main" val="1040604747"/>
+                    <a16:rowId xmlns:a16="http://schemas.microsoft.com/office/drawing/2014/main" xmlns="" val="1040604747"/>
                   </a:ext>
                 </a:extLst>
               </a:tr>
@@ -18423,7 +18423,7 @@
                 </a:tc>
                 <a:extLst>
                   <a:ext uri="{0D108BD9-81ED-4DB2-BD59-A6C34878D82A}">
-                    <a16:rowId xmlns:a16="http://schemas.microsoft.com/office/drawing/2014/main" val="2535849655"/>
+                    <a16:rowId xmlns:a16="http://schemas.microsoft.com/office/drawing/2014/main" xmlns="" val="2535849655"/>
                   </a:ext>
                 </a:extLst>
               </a:tr>
@@ -18482,7 +18482,7 @@
                 </a:tc>
                 <a:extLst>
                   <a:ext uri="{0D108BD9-81ED-4DB2-BD59-A6C34878D82A}">
-                    <a16:rowId xmlns:a16="http://schemas.microsoft.com/office/drawing/2014/main" val="2134136561"/>
+                    <a16:rowId xmlns:a16="http://schemas.microsoft.com/office/drawing/2014/main" xmlns="" val="2134136561"/>
                   </a:ext>
                 </a:extLst>
               </a:tr>
@@ -18495,7 +18495,7 @@
           <p:cNvPr id="5" name="Picture 2" descr="C:\Users\Eyokiha\Dropbox\Documents\Courses\Master\Blok2\LearningFromData\Final\English.png">
             <a:extLst>
               <a:ext uri="{FF2B5EF4-FFF2-40B4-BE49-F238E27FC236}">
-                <a16:creationId xmlns:a16="http://schemas.microsoft.com/office/drawing/2014/main" id="{5DBC7D66-C40F-44B1-A216-AA18AD95AB53}"/>
+                <a16:creationId xmlns:a16="http://schemas.microsoft.com/office/drawing/2014/main" xmlns="" id="{5DBC7D66-C40F-44B1-A216-AA18AD95AB53}"/>
               </a:ext>
             </a:extLst>
           </p:cNvPr>
@@ -18570,7 +18570,7 @@
           <p:cNvPr id="5" name="Picture 3" descr="C:\Users\Eyokiha\Dropbox\Documents\Courses\Master\Blok2\LearningFromData\Final\English.png">
             <a:extLst>
               <a:ext uri="{FF2B5EF4-FFF2-40B4-BE49-F238E27FC236}">
-                <a16:creationId xmlns:a16="http://schemas.microsoft.com/office/drawing/2014/main" id="{DCD9E1F3-21E2-451D-A4C0-FFB4212BEF50}"/>
+                <a16:creationId xmlns:a16="http://schemas.microsoft.com/office/drawing/2014/main" xmlns="" id="{DCD9E1F3-21E2-451D-A4C0-FFB4212BEF50}"/>
               </a:ext>
             </a:extLst>
           </p:cNvPr>
@@ -18615,7 +18615,7 @@
           <p:cNvPr id="7" name="Tekstvak 6">
             <a:extLst>
               <a:ext uri="{FF2B5EF4-FFF2-40B4-BE49-F238E27FC236}">
-                <a16:creationId xmlns:a16="http://schemas.microsoft.com/office/drawing/2014/main" id="{84C5B99A-F4E4-46AF-BE7E-A7FC0E7F2683}"/>
+                <a16:creationId xmlns:a16="http://schemas.microsoft.com/office/drawing/2014/main" xmlns="" id="{84C5B99A-F4E4-46AF-BE7E-A7FC0E7F2683}"/>
               </a:ext>
             </a:extLst>
           </p:cNvPr>
@@ -18651,7 +18651,7 @@
           <p:cNvPr id="10" name="Tabel 9">
             <a:extLst>
               <a:ext uri="{FF2B5EF4-FFF2-40B4-BE49-F238E27FC236}">
-                <a16:creationId xmlns:a16="http://schemas.microsoft.com/office/drawing/2014/main" id="{C65BEA78-DAE4-4CC5-A2BD-18100D9C3F4F}"/>
+                <a16:creationId xmlns:a16="http://schemas.microsoft.com/office/drawing/2014/main" xmlns="" id="{C65BEA78-DAE4-4CC5-A2BD-18100D9C3F4F}"/>
               </a:ext>
             </a:extLst>
           </p:cNvPr>
@@ -18680,28 +18680,28 @@
                 <a:gridCol w="1904286">
                   <a:extLst>
                     <a:ext uri="{9D8B030D-6E8A-4147-A177-3AD203B41FA5}">
-                      <a16:colId xmlns:a16="http://schemas.microsoft.com/office/drawing/2014/main" val="1712131747"/>
+                      <a16:colId xmlns:a16="http://schemas.microsoft.com/office/drawing/2014/main" xmlns="" val="1712131747"/>
                     </a:ext>
                   </a:extLst>
                 </a:gridCol>
                 <a:gridCol w="1904286">
                   <a:extLst>
                     <a:ext uri="{9D8B030D-6E8A-4147-A177-3AD203B41FA5}">
-                      <a16:colId xmlns:a16="http://schemas.microsoft.com/office/drawing/2014/main" val="1064206649"/>
+                      <a16:colId xmlns:a16="http://schemas.microsoft.com/office/drawing/2014/main" xmlns="" val="1064206649"/>
                     </a:ext>
                   </a:extLst>
                 </a:gridCol>
                 <a:gridCol w="1904286">
                   <a:extLst>
                     <a:ext uri="{9D8B030D-6E8A-4147-A177-3AD203B41FA5}">
-                      <a16:colId xmlns:a16="http://schemas.microsoft.com/office/drawing/2014/main" val="2573910689"/>
+                      <a16:colId xmlns:a16="http://schemas.microsoft.com/office/drawing/2014/main" xmlns="" val="2573910689"/>
                     </a:ext>
                   </a:extLst>
                 </a:gridCol>
                 <a:gridCol w="1904286">
                   <a:extLst>
                     <a:ext uri="{9D8B030D-6E8A-4147-A177-3AD203B41FA5}">
-                      <a16:colId xmlns:a16="http://schemas.microsoft.com/office/drawing/2014/main" val="1833719600"/>
+                      <a16:colId xmlns:a16="http://schemas.microsoft.com/office/drawing/2014/main" xmlns="" val="1833719600"/>
                     </a:ext>
                   </a:extLst>
                 </a:gridCol>
@@ -18763,7 +18763,7 @@
                 </a:tc>
                 <a:extLst>
                   <a:ext uri="{0D108BD9-81ED-4DB2-BD59-A6C34878D82A}">
-                    <a16:rowId xmlns:a16="http://schemas.microsoft.com/office/drawing/2014/main" val="3039594110"/>
+                    <a16:rowId xmlns:a16="http://schemas.microsoft.com/office/drawing/2014/main" xmlns="" val="3039594110"/>
                   </a:ext>
                 </a:extLst>
               </a:tr>
@@ -18823,7 +18823,7 @@
                 </a:tc>
                 <a:extLst>
                   <a:ext uri="{0D108BD9-81ED-4DB2-BD59-A6C34878D82A}">
-                    <a16:rowId xmlns:a16="http://schemas.microsoft.com/office/drawing/2014/main" val="1056561172"/>
+                    <a16:rowId xmlns:a16="http://schemas.microsoft.com/office/drawing/2014/main" xmlns="" val="1056561172"/>
                   </a:ext>
                 </a:extLst>
               </a:tr>
@@ -18882,7 +18882,7 @@
                 </a:tc>
                 <a:extLst>
                   <a:ext uri="{0D108BD9-81ED-4DB2-BD59-A6C34878D82A}">
-                    <a16:rowId xmlns:a16="http://schemas.microsoft.com/office/drawing/2014/main" val="1040604747"/>
+                    <a16:rowId xmlns:a16="http://schemas.microsoft.com/office/drawing/2014/main" xmlns="" val="1040604747"/>
                   </a:ext>
                 </a:extLst>
               </a:tr>
@@ -18942,7 +18942,7 @@
                 </a:tc>
                 <a:extLst>
                   <a:ext uri="{0D108BD9-81ED-4DB2-BD59-A6C34878D82A}">
-                    <a16:rowId xmlns:a16="http://schemas.microsoft.com/office/drawing/2014/main" val="2535849655"/>
+                    <a16:rowId xmlns:a16="http://schemas.microsoft.com/office/drawing/2014/main" xmlns="" val="2535849655"/>
                   </a:ext>
                 </a:extLst>
               </a:tr>
@@ -19001,7 +19001,7 @@
                 </a:tc>
                 <a:extLst>
                   <a:ext uri="{0D108BD9-81ED-4DB2-BD59-A6C34878D82A}">
-                    <a16:rowId xmlns:a16="http://schemas.microsoft.com/office/drawing/2014/main" val="2134136561"/>
+                    <a16:rowId xmlns:a16="http://schemas.microsoft.com/office/drawing/2014/main" xmlns="" val="2134136561"/>
                   </a:ext>
                 </a:extLst>
               </a:tr>
@@ -19044,7 +19044,7 @@
           <p:cNvPr id="2" name="Titel 1">
             <a:extLst>
               <a:ext uri="{FF2B5EF4-FFF2-40B4-BE49-F238E27FC236}">
-                <a16:creationId xmlns:a16="http://schemas.microsoft.com/office/drawing/2014/main" id="{3BD06130-7454-483B-82E8-3B325B7F5FA6}"/>
+                <a16:creationId xmlns:a16="http://schemas.microsoft.com/office/drawing/2014/main" xmlns="" id="{3BD06130-7454-483B-82E8-3B325B7F5FA6}"/>
               </a:ext>
             </a:extLst>
           </p:cNvPr>
@@ -19073,7 +19073,7 @@
           <p:cNvPr id="3" name="Tijdelijke aanduiding voor inhoud 2">
             <a:extLst>
               <a:ext uri="{FF2B5EF4-FFF2-40B4-BE49-F238E27FC236}">
-                <a16:creationId xmlns:a16="http://schemas.microsoft.com/office/drawing/2014/main" id="{16182D30-848C-4CA3-810D-C0E20F0E9986}"/>
+                <a16:creationId xmlns:a16="http://schemas.microsoft.com/office/drawing/2014/main" xmlns="" id="{16182D30-848C-4CA3-810D-C0E20F0E9986}"/>
               </a:ext>
             </a:extLst>
           </p:cNvPr>
@@ -19987,7 +19987,7 @@
           <p:cNvPr id="2" name="Titel 1">
             <a:extLst>
               <a:ext uri="{FF2B5EF4-FFF2-40B4-BE49-F238E27FC236}">
-                <a16:creationId xmlns:a16="http://schemas.microsoft.com/office/drawing/2014/main" id="{3BD06130-7454-483B-82E8-3B325B7F5FA6}"/>
+                <a16:creationId xmlns:a16="http://schemas.microsoft.com/office/drawing/2014/main" xmlns="" id="{3BD06130-7454-483B-82E8-3B325B7F5FA6}"/>
               </a:ext>
             </a:extLst>
           </p:cNvPr>
@@ -20015,7 +20015,7 @@
           <p:cNvPr id="3" name="Tijdelijke aanduiding voor inhoud 2">
             <a:extLst>
               <a:ext uri="{FF2B5EF4-FFF2-40B4-BE49-F238E27FC236}">
-                <a16:creationId xmlns:a16="http://schemas.microsoft.com/office/drawing/2014/main" id="{16182D30-848C-4CA3-810D-C0E20F0E9986}"/>
+                <a16:creationId xmlns:a16="http://schemas.microsoft.com/office/drawing/2014/main" xmlns="" id="{16182D30-848C-4CA3-810D-C0E20F0E9986}"/>
               </a:ext>
             </a:extLst>
           </p:cNvPr>
@@ -20109,7 +20109,7 @@
           <p:cNvPr id="2" name="Titel 1">
             <a:extLst>
               <a:ext uri="{FF2B5EF4-FFF2-40B4-BE49-F238E27FC236}">
-                <a16:creationId xmlns:a16="http://schemas.microsoft.com/office/drawing/2014/main" id="{3BD06130-7454-483B-82E8-3B325B7F5FA6}"/>
+                <a16:creationId xmlns:a16="http://schemas.microsoft.com/office/drawing/2014/main" xmlns="" id="{3BD06130-7454-483B-82E8-3B325B7F5FA6}"/>
               </a:ext>
             </a:extLst>
           </p:cNvPr>
@@ -20137,7 +20137,7 @@
           <p:cNvPr id="3" name="Tijdelijke aanduiding voor inhoud 2">
             <a:extLst>
               <a:ext uri="{FF2B5EF4-FFF2-40B4-BE49-F238E27FC236}">
-                <a16:creationId xmlns:a16="http://schemas.microsoft.com/office/drawing/2014/main" id="{16182D30-848C-4CA3-810D-C0E20F0E9986}"/>
+                <a16:creationId xmlns:a16="http://schemas.microsoft.com/office/drawing/2014/main" xmlns="" id="{16182D30-848C-4CA3-810D-C0E20F0E9986}"/>
               </a:ext>
             </a:extLst>
           </p:cNvPr>
@@ -20161,7 +20161,16 @@
           <a:lstStyle/>
           <a:p>
             <a:r>
-              <a:rPr lang="en-US" sz="2000" dirty="0" err="1"/>
+              <a:rPr lang="en-US" sz="2000" dirty="0"/>
+              <a:t>Preprocessing</a:t>
+            </a:r>
+          </a:p>
+          <a:p>
+            <a:endParaRPr lang="en-US" sz="2000" dirty="0"/>
+          </a:p>
+          <a:p>
+            <a:r>
+              <a:rPr lang="en-US" sz="2000" dirty="0" err="1" smtClean="0"/>
               <a:t>TweetTokenizer</a:t>
             </a:r>
             <a:endParaRPr lang="en-US" sz="2000" dirty="0"/>
@@ -20225,7 +20234,7 @@
           <p:cNvPr id="4" name="Tijdelijke aanduiding voor inhoud 2">
             <a:extLst>
               <a:ext uri="{FF2B5EF4-FFF2-40B4-BE49-F238E27FC236}">
-                <a16:creationId xmlns:a16="http://schemas.microsoft.com/office/drawing/2014/main" id="{16182D30-848C-4CA3-810D-C0E20F0E9986}"/>
+                <a16:creationId xmlns:a16="http://schemas.microsoft.com/office/drawing/2014/main" xmlns="" id="{16182D30-848C-4CA3-810D-C0E20F0E9986}"/>
               </a:ext>
             </a:extLst>
           </p:cNvPr>
@@ -20789,7 +20798,7 @@
           <p:cNvPr id="2" name="Tabel 1">
             <a:extLst>
               <a:ext uri="{FF2B5EF4-FFF2-40B4-BE49-F238E27FC236}">
-                <a16:creationId xmlns:a16="http://schemas.microsoft.com/office/drawing/2014/main" id="{31E65C9A-F6D8-4708-9B29-5688F854CD09}"/>
+                <a16:creationId xmlns:a16="http://schemas.microsoft.com/office/drawing/2014/main" xmlns="" id="{31E65C9A-F6D8-4708-9B29-5688F854CD09}"/>
               </a:ext>
             </a:extLst>
           </p:cNvPr>
@@ -20818,28 +20827,28 @@
                 <a:gridCol w="1904286">
                   <a:extLst>
                     <a:ext uri="{9D8B030D-6E8A-4147-A177-3AD203B41FA5}">
-                      <a16:colId xmlns:a16="http://schemas.microsoft.com/office/drawing/2014/main" val="1712131747"/>
+                      <a16:colId xmlns:a16="http://schemas.microsoft.com/office/drawing/2014/main" xmlns="" val="1712131747"/>
                     </a:ext>
                   </a:extLst>
                 </a:gridCol>
                 <a:gridCol w="1904286">
                   <a:extLst>
                     <a:ext uri="{9D8B030D-6E8A-4147-A177-3AD203B41FA5}">
-                      <a16:colId xmlns:a16="http://schemas.microsoft.com/office/drawing/2014/main" val="1064206649"/>
+                      <a16:colId xmlns:a16="http://schemas.microsoft.com/office/drawing/2014/main" xmlns="" val="1064206649"/>
                     </a:ext>
                   </a:extLst>
                 </a:gridCol>
                 <a:gridCol w="1904286">
                   <a:extLst>
                     <a:ext uri="{9D8B030D-6E8A-4147-A177-3AD203B41FA5}">
-                      <a16:colId xmlns:a16="http://schemas.microsoft.com/office/drawing/2014/main" val="2573910689"/>
+                      <a16:colId xmlns:a16="http://schemas.microsoft.com/office/drawing/2014/main" xmlns="" val="2573910689"/>
                     </a:ext>
                   </a:extLst>
                 </a:gridCol>
                 <a:gridCol w="1904286">
                   <a:extLst>
                     <a:ext uri="{9D8B030D-6E8A-4147-A177-3AD203B41FA5}">
-                      <a16:colId xmlns:a16="http://schemas.microsoft.com/office/drawing/2014/main" val="1833719600"/>
+                      <a16:colId xmlns:a16="http://schemas.microsoft.com/office/drawing/2014/main" xmlns="" val="1833719600"/>
                     </a:ext>
                   </a:extLst>
                 </a:gridCol>
@@ -20900,7 +20909,7 @@
                 </a:tc>
                 <a:extLst>
                   <a:ext uri="{0D108BD9-81ED-4DB2-BD59-A6C34878D82A}">
-                    <a16:rowId xmlns:a16="http://schemas.microsoft.com/office/drawing/2014/main" val="3039594110"/>
+                    <a16:rowId xmlns:a16="http://schemas.microsoft.com/office/drawing/2014/main" xmlns="" val="3039594110"/>
                   </a:ext>
                 </a:extLst>
               </a:tr>
@@ -20960,7 +20969,7 @@
                 </a:tc>
                 <a:extLst>
                   <a:ext uri="{0D108BD9-81ED-4DB2-BD59-A6C34878D82A}">
-                    <a16:rowId xmlns:a16="http://schemas.microsoft.com/office/drawing/2014/main" val="1056561172"/>
+                    <a16:rowId xmlns:a16="http://schemas.microsoft.com/office/drawing/2014/main" xmlns="" val="1056561172"/>
                   </a:ext>
                 </a:extLst>
               </a:tr>
@@ -21019,7 +21028,7 @@
                 </a:tc>
                 <a:extLst>
                   <a:ext uri="{0D108BD9-81ED-4DB2-BD59-A6C34878D82A}">
-                    <a16:rowId xmlns:a16="http://schemas.microsoft.com/office/drawing/2014/main" val="1040604747"/>
+                    <a16:rowId xmlns:a16="http://schemas.microsoft.com/office/drawing/2014/main" xmlns="" val="1040604747"/>
                   </a:ext>
                 </a:extLst>
               </a:tr>
@@ -21079,7 +21088,7 @@
                 </a:tc>
                 <a:extLst>
                   <a:ext uri="{0D108BD9-81ED-4DB2-BD59-A6C34878D82A}">
-                    <a16:rowId xmlns:a16="http://schemas.microsoft.com/office/drawing/2014/main" val="2535849655"/>
+                    <a16:rowId xmlns:a16="http://schemas.microsoft.com/office/drawing/2014/main" xmlns="" val="2535849655"/>
                   </a:ext>
                 </a:extLst>
               </a:tr>
@@ -21138,7 +21147,7 @@
                 </a:tc>
                 <a:extLst>
                   <a:ext uri="{0D108BD9-81ED-4DB2-BD59-A6C34878D82A}">
-                    <a16:rowId xmlns:a16="http://schemas.microsoft.com/office/drawing/2014/main" val="2134136561"/>
+                    <a16:rowId xmlns:a16="http://schemas.microsoft.com/office/drawing/2014/main" xmlns="" val="2134136561"/>
                   </a:ext>
                 </a:extLst>
               </a:tr>
@@ -21151,7 +21160,7 @@
           <p:cNvPr id="8" name="Picture 2" descr="C:\Users\Eyokiha\Dropbox\Documents\Courses\Master\Blok2\LearningFromData\Final\Dutch.png">
             <a:extLst>
               <a:ext uri="{FF2B5EF4-FFF2-40B4-BE49-F238E27FC236}">
-                <a16:creationId xmlns:a16="http://schemas.microsoft.com/office/drawing/2014/main" id="{E9E57EFE-A743-4A16-8AC4-0E0727ED752A}"/>
+                <a16:creationId xmlns:a16="http://schemas.microsoft.com/office/drawing/2014/main" xmlns="" id="{E9E57EFE-A743-4A16-8AC4-0E0727ED752A}"/>
               </a:ext>
             </a:extLst>
           </p:cNvPr>
